--- a/module_7_management_and_application/module_7_assignment_4_sqs_and_ses/module_7_assignment_4_sqs_and_ses.pptx
+++ b/module_7_management_and_application/module_7_assignment_4_sqs_and_ses/module_7_assignment_4_sqs_and_ses.pptx
@@ -3,16 +3,17 @@
 <p:presentation xmlns:a="http://schemas.openxmlformats.org/drawingml/2006/main" xmlns:p="http://schemas.openxmlformats.org/presentationml/2006/main" xmlns:r="http://schemas.openxmlformats.org/officeDocument/2006/relationships" xmlns:p14="http://schemas.microsoft.com/office/powerpoint/2010/main" xmlns:p15="http://schemas.microsoft.com/office/powerpoint/2012/main" xmlns:mc="http://schemas.openxmlformats.org/markup-compatibility/2006">
   <p:sldMasterIdLst>
     <p:sldMasterId id="2147483648" r:id="rId2"/>
+    <p:sldMasterId id="2147483661" r:id="rId3"/>
   </p:sldMasterIdLst>
   <p:sldIdLst>
-    <p:sldId id="256" r:id="rId3"/>
-    <p:sldId id="257" r:id="rId4"/>
-    <p:sldId id="258" r:id="rId5"/>
-    <p:sldId id="259" r:id="rId6"/>
-    <p:sldId id="260" r:id="rId7"/>
-    <p:sldId id="261" r:id="rId8"/>
-    <p:sldId id="262" r:id="rId9"/>
-    <p:sldId id="263" r:id="rId10"/>
+    <p:sldId id="256" r:id="rId4"/>
+    <p:sldId id="257" r:id="rId5"/>
+    <p:sldId id="258" r:id="rId6"/>
+    <p:sldId id="259" r:id="rId7"/>
+    <p:sldId id="260" r:id="rId8"/>
+    <p:sldId id="261" r:id="rId9"/>
+    <p:sldId id="262" r:id="rId10"/>
+    <p:sldId id="263" r:id="rId11"/>
   </p:sldIdLst>
   <p:sldSz cx="10080625" cy="5670550"/>
   <p:notesSz cx="7559675" cy="10691813"/>
@@ -60,7 +61,7 @@
       </p:grpSpPr>
       <p:sp>
         <p:nvSpPr>
-          <p:cNvPr id="26" name="PlaceHolder 1"/>
+          <p:cNvPr id="23" name="PlaceHolder 1"/>
           <p:cNvSpPr>
             <a:spLocks noGrp="1"/>
           </p:cNvSpPr>
@@ -71,7 +72,7 @@
         <p:spPr>
           <a:xfrm>
             <a:off x="504000" y="226080"/>
-            <a:ext cx="9071640" cy="946440"/>
+            <a:ext cx="9072000" cy="946440"/>
           </a:xfrm>
           <a:prstGeom prst="rect">
             <a:avLst/>
@@ -95,7 +96,7 @@
       </p:sp>
       <p:sp>
         <p:nvSpPr>
-          <p:cNvPr id="27" name="PlaceHolder 2"/>
+          <p:cNvPr id="24" name="PlaceHolder 2"/>
           <p:cNvSpPr>
             <a:spLocks noGrp="1"/>
           </p:cNvSpPr>
@@ -106,7 +107,7 @@
         <p:spPr>
           <a:xfrm>
             <a:off x="504000" y="1326600"/>
-            <a:ext cx="9071640" cy="1568160"/>
+            <a:ext cx="9072000" cy="1568520"/>
           </a:xfrm>
           <a:prstGeom prst="rect">
             <a:avLst/>
@@ -129,7 +130,7 @@
       </p:sp>
       <p:sp>
         <p:nvSpPr>
-          <p:cNvPr id="28" name="PlaceHolder 3"/>
+          <p:cNvPr id="25" name="PlaceHolder 3"/>
           <p:cNvSpPr>
             <a:spLocks noGrp="1"/>
           </p:cNvSpPr>
@@ -139,8 +140,8 @@
         </p:nvSpPr>
         <p:spPr>
           <a:xfrm>
-            <a:off x="504000" y="3044160"/>
-            <a:ext cx="9071640" cy="1568160"/>
+            <a:off x="504000" y="3044520"/>
+            <a:ext cx="9072000" cy="1568520"/>
           </a:xfrm>
           <a:prstGeom prst="rect">
             <a:avLst/>
@@ -185,7 +186,7 @@
       </p:grpSpPr>
       <p:sp>
         <p:nvSpPr>
-          <p:cNvPr id="29" name="PlaceHolder 1"/>
+          <p:cNvPr id="26" name="PlaceHolder 1"/>
           <p:cNvSpPr>
             <a:spLocks noGrp="1"/>
           </p:cNvSpPr>
@@ -196,7 +197,7 @@
         <p:spPr>
           <a:xfrm>
             <a:off x="504000" y="226080"/>
-            <a:ext cx="9071640" cy="946440"/>
+            <a:ext cx="9072000" cy="946440"/>
           </a:xfrm>
           <a:prstGeom prst="rect">
             <a:avLst/>
@@ -220,7 +221,7 @@
       </p:sp>
       <p:sp>
         <p:nvSpPr>
-          <p:cNvPr id="30" name="PlaceHolder 2"/>
+          <p:cNvPr id="27" name="PlaceHolder 2"/>
           <p:cNvSpPr>
             <a:spLocks noGrp="1"/>
           </p:cNvSpPr>
@@ -231,7 +232,7 @@
         <p:spPr>
           <a:xfrm>
             <a:off x="504000" y="1326600"/>
-            <a:ext cx="4426920" cy="1568160"/>
+            <a:ext cx="4426920" cy="1568520"/>
           </a:xfrm>
           <a:prstGeom prst="rect">
             <a:avLst/>
@@ -254,7 +255,7 @@
       </p:sp>
       <p:sp>
         <p:nvSpPr>
-          <p:cNvPr id="31" name="PlaceHolder 3"/>
+          <p:cNvPr id="28" name="PlaceHolder 3"/>
           <p:cNvSpPr>
             <a:spLocks noGrp="1"/>
           </p:cNvSpPr>
@@ -265,7 +266,7 @@
         <p:spPr>
           <a:xfrm>
             <a:off x="5152680" y="1326600"/>
-            <a:ext cx="4426920" cy="1568160"/>
+            <a:ext cx="4426920" cy="1568520"/>
           </a:xfrm>
           <a:prstGeom prst="rect">
             <a:avLst/>
@@ -288,7 +289,7 @@
       </p:sp>
       <p:sp>
         <p:nvSpPr>
-          <p:cNvPr id="32" name="PlaceHolder 4"/>
+          <p:cNvPr id="29" name="PlaceHolder 4"/>
           <p:cNvSpPr>
             <a:spLocks noGrp="1"/>
           </p:cNvSpPr>
@@ -298,8 +299,8 @@
         </p:nvSpPr>
         <p:spPr>
           <a:xfrm>
-            <a:off x="504000" y="3044160"/>
-            <a:ext cx="4426920" cy="1568160"/>
+            <a:off x="504000" y="3044520"/>
+            <a:ext cx="4426920" cy="1568520"/>
           </a:xfrm>
           <a:prstGeom prst="rect">
             <a:avLst/>
@@ -322,7 +323,7 @@
       </p:sp>
       <p:sp>
         <p:nvSpPr>
-          <p:cNvPr id="33" name="PlaceHolder 5"/>
+          <p:cNvPr id="30" name="PlaceHolder 5"/>
           <p:cNvSpPr>
             <a:spLocks noGrp="1"/>
           </p:cNvSpPr>
@@ -332,8 +333,8 @@
         </p:nvSpPr>
         <p:spPr>
           <a:xfrm>
-            <a:off x="5152680" y="3044160"/>
-            <a:ext cx="4426920" cy="1568160"/>
+            <a:off x="5152680" y="3044520"/>
+            <a:ext cx="4426920" cy="1568520"/>
           </a:xfrm>
           <a:prstGeom prst="rect">
             <a:avLst/>
@@ -378,7 +379,7 @@
       </p:grpSpPr>
       <p:sp>
         <p:nvSpPr>
-          <p:cNvPr id="34" name="PlaceHolder 1"/>
+          <p:cNvPr id="31" name="PlaceHolder 1"/>
           <p:cNvSpPr>
             <a:spLocks noGrp="1"/>
           </p:cNvSpPr>
@@ -389,7 +390,7 @@
         <p:spPr>
           <a:xfrm>
             <a:off x="504000" y="226080"/>
-            <a:ext cx="9071640" cy="946440"/>
+            <a:ext cx="9072000" cy="946440"/>
           </a:xfrm>
           <a:prstGeom prst="rect">
             <a:avLst/>
@@ -413,7 +414,7 @@
       </p:sp>
       <p:sp>
         <p:nvSpPr>
-          <p:cNvPr id="35" name="PlaceHolder 2"/>
+          <p:cNvPr id="32" name="PlaceHolder 2"/>
           <p:cNvSpPr>
             <a:spLocks noGrp="1"/>
           </p:cNvSpPr>
@@ -424,7 +425,7 @@
         <p:spPr>
           <a:xfrm>
             <a:off x="504000" y="1326600"/>
-            <a:ext cx="2920680" cy="1568160"/>
+            <a:ext cx="2921040" cy="1568520"/>
           </a:xfrm>
           <a:prstGeom prst="rect">
             <a:avLst/>
@@ -447,7 +448,7 @@
       </p:sp>
       <p:sp>
         <p:nvSpPr>
-          <p:cNvPr id="36" name="PlaceHolder 3"/>
+          <p:cNvPr id="33" name="PlaceHolder 3"/>
           <p:cNvSpPr>
             <a:spLocks noGrp="1"/>
           </p:cNvSpPr>
@@ -457,8 +458,8 @@
         </p:nvSpPr>
         <p:spPr>
           <a:xfrm>
-            <a:off x="3571200" y="1326600"/>
-            <a:ext cx="2920680" cy="1568160"/>
+            <a:off x="3571560" y="1326600"/>
+            <a:ext cx="2921040" cy="1568520"/>
           </a:xfrm>
           <a:prstGeom prst="rect">
             <a:avLst/>
@@ -481,7 +482,7 @@
       </p:sp>
       <p:sp>
         <p:nvSpPr>
-          <p:cNvPr id="37" name="PlaceHolder 4"/>
+          <p:cNvPr id="34" name="PlaceHolder 4"/>
           <p:cNvSpPr>
             <a:spLocks noGrp="1"/>
           </p:cNvSpPr>
@@ -491,8 +492,8 @@
         </p:nvSpPr>
         <p:spPr>
           <a:xfrm>
-            <a:off x="6638040" y="1326600"/>
-            <a:ext cx="2920680" cy="1568160"/>
+            <a:off x="6639120" y="1326600"/>
+            <a:ext cx="2921040" cy="1568520"/>
           </a:xfrm>
           <a:prstGeom prst="rect">
             <a:avLst/>
@@ -515,7 +516,7 @@
       </p:sp>
       <p:sp>
         <p:nvSpPr>
-          <p:cNvPr id="38" name="PlaceHolder 5"/>
+          <p:cNvPr id="35" name="PlaceHolder 5"/>
           <p:cNvSpPr>
             <a:spLocks noGrp="1"/>
           </p:cNvSpPr>
@@ -525,8 +526,8 @@
         </p:nvSpPr>
         <p:spPr>
           <a:xfrm>
-            <a:off x="504000" y="3044160"/>
-            <a:ext cx="2920680" cy="1568160"/>
+            <a:off x="504000" y="3044520"/>
+            <a:ext cx="2921040" cy="1568520"/>
           </a:xfrm>
           <a:prstGeom prst="rect">
             <a:avLst/>
@@ -549,7 +550,7 @@
       </p:sp>
       <p:sp>
         <p:nvSpPr>
-          <p:cNvPr id="39" name="PlaceHolder 6"/>
+          <p:cNvPr id="36" name="PlaceHolder 6"/>
           <p:cNvSpPr>
             <a:spLocks noGrp="1"/>
           </p:cNvSpPr>
@@ -559,8 +560,8 @@
         </p:nvSpPr>
         <p:spPr>
           <a:xfrm>
-            <a:off x="3571200" y="3044160"/>
-            <a:ext cx="2920680" cy="1568160"/>
+            <a:off x="3571560" y="3044520"/>
+            <a:ext cx="2921040" cy="1568520"/>
           </a:xfrm>
           <a:prstGeom prst="rect">
             <a:avLst/>
@@ -583,7 +584,7 @@
       </p:sp>
       <p:sp>
         <p:nvSpPr>
-          <p:cNvPr id="40" name="PlaceHolder 7"/>
+          <p:cNvPr id="37" name="PlaceHolder 7"/>
           <p:cNvSpPr>
             <a:spLocks noGrp="1"/>
           </p:cNvSpPr>
@@ -593,8 +594,611 @@
         </p:nvSpPr>
         <p:spPr>
           <a:xfrm>
-            <a:off x="6638040" y="3044160"/>
-            <a:ext cx="2920680" cy="1568160"/>
+            <a:off x="6639120" y="3044520"/>
+            <a:ext cx="2921040" cy="1568520"/>
+          </a:xfrm>
+          <a:prstGeom prst="rect">
+            <a:avLst/>
+          </a:prstGeom>
+          <a:noFill/>
+          <a:ln w="0">
+            <a:noFill/>
+          </a:ln>
+        </p:spPr>
+        <p:txBody>
+          <a:bodyPr lIns="0" rIns="0" tIns="0" bIns="0" anchor="t">
+            <a:normAutofit/>
+          </a:bodyPr>
+          <a:p>
+            <a:endParaRPr b="0" lang="en-IN" sz="3200" spc="-1" strike="noStrike">
+              <a:latin typeface="Arial"/>
+            </a:endParaRPr>
+          </a:p>
+        </p:txBody>
+      </p:sp>
+    </p:spTree>
+  </p:cSld>
+</p:sldLayout>
+</file>
+
+<file path=ppt/slideLayouts/slideLayout13.xml><?xml version="1.0" encoding="utf-8"?>
+<p:sldLayout xmlns:a="http://schemas.openxmlformats.org/drawingml/2006/main" xmlns:p="http://schemas.openxmlformats.org/presentationml/2006/main" xmlns:r="http://schemas.openxmlformats.org/officeDocument/2006/relationships" xmlns:p14="http://schemas.microsoft.com/office/powerpoint/2010/main" xmlns:p15="http://schemas.microsoft.com/office/powerpoint/2012/main" xmlns:mc="http://schemas.openxmlformats.org/markup-compatibility/2006" type="blank" preserve="1">
+  <p:cSld name="Blank Slide">
+    <p:spTree>
+      <p:nvGrpSpPr>
+        <p:cNvPr id="1" name=""/>
+        <p:cNvGrpSpPr/>
+        <p:nvPr/>
+      </p:nvGrpSpPr>
+      <p:grpSpPr>
+        <a:xfrm>
+          <a:off x="0" y="0"/>
+          <a:ext cx="0" cy="0"/>
+          <a:chOff x="0" y="0"/>
+          <a:chExt cx="0" cy="0"/>
+        </a:xfrm>
+      </p:grpSpPr>
+    </p:spTree>
+  </p:cSld>
+</p:sldLayout>
+</file>
+
+<file path=ppt/slideLayouts/slideLayout14.xml><?xml version="1.0" encoding="utf-8"?>
+<p:sldLayout xmlns:a="http://schemas.openxmlformats.org/drawingml/2006/main" xmlns:p="http://schemas.openxmlformats.org/presentationml/2006/main" xmlns:r="http://schemas.openxmlformats.org/officeDocument/2006/relationships" xmlns:p14="http://schemas.microsoft.com/office/powerpoint/2010/main" xmlns:p15="http://schemas.microsoft.com/office/powerpoint/2012/main" xmlns:mc="http://schemas.openxmlformats.org/markup-compatibility/2006" type="tx" preserve="1">
+  <p:cSld name="Title Slide">
+    <p:spTree>
+      <p:nvGrpSpPr>
+        <p:cNvPr id="1" name=""/>
+        <p:cNvGrpSpPr/>
+        <p:nvPr/>
+      </p:nvGrpSpPr>
+      <p:grpSpPr>
+        <a:xfrm>
+          <a:off x="0" y="0"/>
+          <a:ext cx="0" cy="0"/>
+          <a:chOff x="0" y="0"/>
+          <a:chExt cx="0" cy="0"/>
+        </a:xfrm>
+      </p:grpSpPr>
+      <p:sp>
+        <p:nvSpPr>
+          <p:cNvPr id="40" name="PlaceHolder 1"/>
+          <p:cNvSpPr>
+            <a:spLocks noGrp="1"/>
+          </p:cNvSpPr>
+          <p:nvPr>
+            <p:ph type="title"/>
+          </p:nvPr>
+        </p:nvSpPr>
+        <p:spPr>
+          <a:xfrm>
+            <a:off x="504000" y="226080"/>
+            <a:ext cx="9072000" cy="946440"/>
+          </a:xfrm>
+          <a:prstGeom prst="rect">
+            <a:avLst/>
+          </a:prstGeom>
+          <a:noFill/>
+          <a:ln w="0">
+            <a:noFill/>
+          </a:ln>
+        </p:spPr>
+        <p:txBody>
+          <a:bodyPr lIns="0" rIns="0" tIns="0" bIns="0" anchor="ctr">
+            <a:noAutofit/>
+          </a:bodyPr>
+          <a:p>
+            <a:pPr algn="ctr"/>
+            <a:endParaRPr b="0" lang="en-IN" sz="4400" spc="-1" strike="noStrike">
+              <a:latin typeface="Arial"/>
+            </a:endParaRPr>
+          </a:p>
+        </p:txBody>
+      </p:sp>
+      <p:sp>
+        <p:nvSpPr>
+          <p:cNvPr id="41" name="PlaceHolder 2"/>
+          <p:cNvSpPr>
+            <a:spLocks noGrp="1"/>
+          </p:cNvSpPr>
+          <p:nvPr>
+            <p:ph type="subTitle"/>
+          </p:nvPr>
+        </p:nvSpPr>
+        <p:spPr>
+          <a:xfrm>
+            <a:off x="504000" y="1326600"/>
+            <a:ext cx="9072000" cy="3288600"/>
+          </a:xfrm>
+          <a:prstGeom prst="rect">
+            <a:avLst/>
+          </a:prstGeom>
+          <a:noFill/>
+          <a:ln w="0">
+            <a:noFill/>
+          </a:ln>
+        </p:spPr>
+        <p:txBody>
+          <a:bodyPr lIns="0" rIns="0" tIns="0" bIns="0" anchor="ctr">
+            <a:noAutofit/>
+          </a:bodyPr>
+          <a:p>
+            <a:pPr algn="ctr"/>
+            <a:endParaRPr b="0" lang="en-IN" sz="3200" spc="-1" strike="noStrike">
+              <a:latin typeface="Arial"/>
+            </a:endParaRPr>
+          </a:p>
+        </p:txBody>
+      </p:sp>
+    </p:spTree>
+  </p:cSld>
+</p:sldLayout>
+</file>
+
+<file path=ppt/slideLayouts/slideLayout15.xml><?xml version="1.0" encoding="utf-8"?>
+<p:sldLayout xmlns:a="http://schemas.openxmlformats.org/drawingml/2006/main" xmlns:p="http://schemas.openxmlformats.org/presentationml/2006/main" xmlns:r="http://schemas.openxmlformats.org/officeDocument/2006/relationships" xmlns:p14="http://schemas.microsoft.com/office/powerpoint/2010/main" xmlns:p15="http://schemas.microsoft.com/office/powerpoint/2012/main" xmlns:mc="http://schemas.openxmlformats.org/markup-compatibility/2006" type="obj" preserve="1">
+  <p:cSld name="Title, Content">
+    <p:spTree>
+      <p:nvGrpSpPr>
+        <p:cNvPr id="1" name=""/>
+        <p:cNvGrpSpPr/>
+        <p:nvPr/>
+      </p:nvGrpSpPr>
+      <p:grpSpPr>
+        <a:xfrm>
+          <a:off x="0" y="0"/>
+          <a:ext cx="0" cy="0"/>
+          <a:chOff x="0" y="0"/>
+          <a:chExt cx="0" cy="0"/>
+        </a:xfrm>
+      </p:grpSpPr>
+      <p:sp>
+        <p:nvSpPr>
+          <p:cNvPr id="42" name="PlaceHolder 1"/>
+          <p:cNvSpPr>
+            <a:spLocks noGrp="1"/>
+          </p:cNvSpPr>
+          <p:nvPr>
+            <p:ph type="title"/>
+          </p:nvPr>
+        </p:nvSpPr>
+        <p:spPr>
+          <a:xfrm>
+            <a:off x="504000" y="226080"/>
+            <a:ext cx="9072000" cy="946440"/>
+          </a:xfrm>
+          <a:prstGeom prst="rect">
+            <a:avLst/>
+          </a:prstGeom>
+          <a:noFill/>
+          <a:ln w="0">
+            <a:noFill/>
+          </a:ln>
+        </p:spPr>
+        <p:txBody>
+          <a:bodyPr lIns="0" rIns="0" tIns="0" bIns="0" anchor="ctr">
+            <a:noAutofit/>
+          </a:bodyPr>
+          <a:p>
+            <a:pPr algn="ctr"/>
+            <a:endParaRPr b="0" lang="en-IN" sz="4400" spc="-1" strike="noStrike">
+              <a:latin typeface="Arial"/>
+            </a:endParaRPr>
+          </a:p>
+        </p:txBody>
+      </p:sp>
+      <p:sp>
+        <p:nvSpPr>
+          <p:cNvPr id="43" name="PlaceHolder 2"/>
+          <p:cNvSpPr>
+            <a:spLocks noGrp="1"/>
+          </p:cNvSpPr>
+          <p:nvPr>
+            <p:ph/>
+          </p:nvPr>
+        </p:nvSpPr>
+        <p:spPr>
+          <a:xfrm>
+            <a:off x="504000" y="1326600"/>
+            <a:ext cx="9072000" cy="3288600"/>
+          </a:xfrm>
+          <a:prstGeom prst="rect">
+            <a:avLst/>
+          </a:prstGeom>
+          <a:noFill/>
+          <a:ln w="0">
+            <a:noFill/>
+          </a:ln>
+        </p:spPr>
+        <p:txBody>
+          <a:bodyPr lIns="0" rIns="0" tIns="0" bIns="0" anchor="t">
+            <a:normAutofit/>
+          </a:bodyPr>
+          <a:p>
+            <a:endParaRPr b="0" lang="en-IN" sz="3200" spc="-1" strike="noStrike">
+              <a:latin typeface="Arial"/>
+            </a:endParaRPr>
+          </a:p>
+        </p:txBody>
+      </p:sp>
+    </p:spTree>
+  </p:cSld>
+</p:sldLayout>
+</file>
+
+<file path=ppt/slideLayouts/slideLayout16.xml><?xml version="1.0" encoding="utf-8"?>
+<p:sldLayout xmlns:a="http://schemas.openxmlformats.org/drawingml/2006/main" xmlns:p="http://schemas.openxmlformats.org/presentationml/2006/main" xmlns:r="http://schemas.openxmlformats.org/officeDocument/2006/relationships" xmlns:p14="http://schemas.microsoft.com/office/powerpoint/2010/main" xmlns:p15="http://schemas.microsoft.com/office/powerpoint/2012/main" xmlns:mc="http://schemas.openxmlformats.org/markup-compatibility/2006" type="twoObj" preserve="1">
+  <p:cSld name="Title, 2 Content">
+    <p:spTree>
+      <p:nvGrpSpPr>
+        <p:cNvPr id="1" name=""/>
+        <p:cNvGrpSpPr/>
+        <p:nvPr/>
+      </p:nvGrpSpPr>
+      <p:grpSpPr>
+        <a:xfrm>
+          <a:off x="0" y="0"/>
+          <a:ext cx="0" cy="0"/>
+          <a:chOff x="0" y="0"/>
+          <a:chExt cx="0" cy="0"/>
+        </a:xfrm>
+      </p:grpSpPr>
+      <p:sp>
+        <p:nvSpPr>
+          <p:cNvPr id="44" name="PlaceHolder 1"/>
+          <p:cNvSpPr>
+            <a:spLocks noGrp="1"/>
+          </p:cNvSpPr>
+          <p:nvPr>
+            <p:ph type="title"/>
+          </p:nvPr>
+        </p:nvSpPr>
+        <p:spPr>
+          <a:xfrm>
+            <a:off x="504000" y="226080"/>
+            <a:ext cx="9072000" cy="946440"/>
+          </a:xfrm>
+          <a:prstGeom prst="rect">
+            <a:avLst/>
+          </a:prstGeom>
+          <a:noFill/>
+          <a:ln w="0">
+            <a:noFill/>
+          </a:ln>
+        </p:spPr>
+        <p:txBody>
+          <a:bodyPr lIns="0" rIns="0" tIns="0" bIns="0" anchor="ctr">
+            <a:noAutofit/>
+          </a:bodyPr>
+          <a:p>
+            <a:pPr algn="ctr"/>
+            <a:endParaRPr b="0" lang="en-IN" sz="4400" spc="-1" strike="noStrike">
+              <a:latin typeface="Arial"/>
+            </a:endParaRPr>
+          </a:p>
+        </p:txBody>
+      </p:sp>
+      <p:sp>
+        <p:nvSpPr>
+          <p:cNvPr id="45" name="PlaceHolder 2"/>
+          <p:cNvSpPr>
+            <a:spLocks noGrp="1"/>
+          </p:cNvSpPr>
+          <p:nvPr>
+            <p:ph/>
+          </p:nvPr>
+        </p:nvSpPr>
+        <p:spPr>
+          <a:xfrm>
+            <a:off x="504000" y="1326600"/>
+            <a:ext cx="4426920" cy="3288600"/>
+          </a:xfrm>
+          <a:prstGeom prst="rect">
+            <a:avLst/>
+          </a:prstGeom>
+          <a:noFill/>
+          <a:ln w="0">
+            <a:noFill/>
+          </a:ln>
+        </p:spPr>
+        <p:txBody>
+          <a:bodyPr lIns="0" rIns="0" tIns="0" bIns="0" anchor="t">
+            <a:normAutofit/>
+          </a:bodyPr>
+          <a:p>
+            <a:endParaRPr b="0" lang="en-IN" sz="3200" spc="-1" strike="noStrike">
+              <a:latin typeface="Arial"/>
+            </a:endParaRPr>
+          </a:p>
+        </p:txBody>
+      </p:sp>
+      <p:sp>
+        <p:nvSpPr>
+          <p:cNvPr id="46" name="PlaceHolder 3"/>
+          <p:cNvSpPr>
+            <a:spLocks noGrp="1"/>
+          </p:cNvSpPr>
+          <p:nvPr>
+            <p:ph/>
+          </p:nvPr>
+        </p:nvSpPr>
+        <p:spPr>
+          <a:xfrm>
+            <a:off x="5152680" y="1326600"/>
+            <a:ext cx="4426920" cy="3288600"/>
+          </a:xfrm>
+          <a:prstGeom prst="rect">
+            <a:avLst/>
+          </a:prstGeom>
+          <a:noFill/>
+          <a:ln w="0">
+            <a:noFill/>
+          </a:ln>
+        </p:spPr>
+        <p:txBody>
+          <a:bodyPr lIns="0" rIns="0" tIns="0" bIns="0" anchor="t">
+            <a:normAutofit/>
+          </a:bodyPr>
+          <a:p>
+            <a:endParaRPr b="0" lang="en-IN" sz="3200" spc="-1" strike="noStrike">
+              <a:latin typeface="Arial"/>
+            </a:endParaRPr>
+          </a:p>
+        </p:txBody>
+      </p:sp>
+    </p:spTree>
+  </p:cSld>
+</p:sldLayout>
+</file>
+
+<file path=ppt/slideLayouts/slideLayout17.xml><?xml version="1.0" encoding="utf-8"?>
+<p:sldLayout xmlns:a="http://schemas.openxmlformats.org/drawingml/2006/main" xmlns:p="http://schemas.openxmlformats.org/presentationml/2006/main" xmlns:r="http://schemas.openxmlformats.org/officeDocument/2006/relationships" xmlns:p14="http://schemas.microsoft.com/office/powerpoint/2010/main" xmlns:p15="http://schemas.microsoft.com/office/powerpoint/2012/main" xmlns:mc="http://schemas.openxmlformats.org/markup-compatibility/2006" type="titleOnly" preserve="1">
+  <p:cSld name="Title Only">
+    <p:spTree>
+      <p:nvGrpSpPr>
+        <p:cNvPr id="1" name=""/>
+        <p:cNvGrpSpPr/>
+        <p:nvPr/>
+      </p:nvGrpSpPr>
+      <p:grpSpPr>
+        <a:xfrm>
+          <a:off x="0" y="0"/>
+          <a:ext cx="0" cy="0"/>
+          <a:chOff x="0" y="0"/>
+          <a:chExt cx="0" cy="0"/>
+        </a:xfrm>
+      </p:grpSpPr>
+      <p:sp>
+        <p:nvSpPr>
+          <p:cNvPr id="47" name="PlaceHolder 1"/>
+          <p:cNvSpPr>
+            <a:spLocks noGrp="1"/>
+          </p:cNvSpPr>
+          <p:nvPr>
+            <p:ph type="title"/>
+          </p:nvPr>
+        </p:nvSpPr>
+        <p:spPr>
+          <a:xfrm>
+            <a:off x="504000" y="226080"/>
+            <a:ext cx="9072000" cy="946440"/>
+          </a:xfrm>
+          <a:prstGeom prst="rect">
+            <a:avLst/>
+          </a:prstGeom>
+          <a:noFill/>
+          <a:ln w="0">
+            <a:noFill/>
+          </a:ln>
+        </p:spPr>
+        <p:txBody>
+          <a:bodyPr lIns="0" rIns="0" tIns="0" bIns="0" anchor="ctr">
+            <a:noAutofit/>
+          </a:bodyPr>
+          <a:p>
+            <a:pPr algn="ctr"/>
+            <a:endParaRPr b="0" lang="en-IN" sz="4400" spc="-1" strike="noStrike">
+              <a:latin typeface="Arial"/>
+            </a:endParaRPr>
+          </a:p>
+        </p:txBody>
+      </p:sp>
+    </p:spTree>
+  </p:cSld>
+</p:sldLayout>
+</file>
+
+<file path=ppt/slideLayouts/slideLayout18.xml><?xml version="1.0" encoding="utf-8"?>
+<p:sldLayout xmlns:a="http://schemas.openxmlformats.org/drawingml/2006/main" xmlns:p="http://schemas.openxmlformats.org/presentationml/2006/main" xmlns:r="http://schemas.openxmlformats.org/officeDocument/2006/relationships" xmlns:p14="http://schemas.microsoft.com/office/powerpoint/2010/main" xmlns:p15="http://schemas.microsoft.com/office/powerpoint/2012/main" xmlns:mc="http://schemas.openxmlformats.org/markup-compatibility/2006" type="objOnly" preserve="1">
+  <p:cSld name="Centered Text">
+    <p:spTree>
+      <p:nvGrpSpPr>
+        <p:cNvPr id="1" name=""/>
+        <p:cNvGrpSpPr/>
+        <p:nvPr/>
+      </p:nvGrpSpPr>
+      <p:grpSpPr>
+        <a:xfrm>
+          <a:off x="0" y="0"/>
+          <a:ext cx="0" cy="0"/>
+          <a:chOff x="0" y="0"/>
+          <a:chExt cx="0" cy="0"/>
+        </a:xfrm>
+      </p:grpSpPr>
+      <p:sp>
+        <p:nvSpPr>
+          <p:cNvPr id="48" name="PlaceHolder 1"/>
+          <p:cNvSpPr>
+            <a:spLocks noGrp="1"/>
+          </p:cNvSpPr>
+          <p:nvPr>
+            <p:ph type="subTitle"/>
+          </p:nvPr>
+        </p:nvSpPr>
+        <p:spPr>
+          <a:xfrm>
+            <a:off x="504000" y="226080"/>
+            <a:ext cx="9072000" cy="4388400"/>
+          </a:xfrm>
+          <a:prstGeom prst="rect">
+            <a:avLst/>
+          </a:prstGeom>
+          <a:noFill/>
+          <a:ln w="0">
+            <a:noFill/>
+          </a:ln>
+        </p:spPr>
+        <p:txBody>
+          <a:bodyPr lIns="0" rIns="0" tIns="0" bIns="0" anchor="ctr">
+            <a:noAutofit/>
+          </a:bodyPr>
+          <a:p>
+            <a:pPr algn="ctr"/>
+            <a:endParaRPr b="0" lang="en-IN" sz="3200" spc="-1" strike="noStrike">
+              <a:latin typeface="Arial"/>
+            </a:endParaRPr>
+          </a:p>
+        </p:txBody>
+      </p:sp>
+    </p:spTree>
+  </p:cSld>
+</p:sldLayout>
+</file>
+
+<file path=ppt/slideLayouts/slideLayout19.xml><?xml version="1.0" encoding="utf-8"?>
+<p:sldLayout xmlns:a="http://schemas.openxmlformats.org/drawingml/2006/main" xmlns:p="http://schemas.openxmlformats.org/presentationml/2006/main" xmlns:r="http://schemas.openxmlformats.org/officeDocument/2006/relationships" xmlns:p14="http://schemas.microsoft.com/office/powerpoint/2010/main" xmlns:p15="http://schemas.microsoft.com/office/powerpoint/2012/main" xmlns:mc="http://schemas.openxmlformats.org/markup-compatibility/2006" type="twoObjAndObj" preserve="1">
+  <p:cSld name="Title, 2 Content and Content">
+    <p:spTree>
+      <p:nvGrpSpPr>
+        <p:cNvPr id="1" name=""/>
+        <p:cNvGrpSpPr/>
+        <p:nvPr/>
+      </p:nvGrpSpPr>
+      <p:grpSpPr>
+        <a:xfrm>
+          <a:off x="0" y="0"/>
+          <a:ext cx="0" cy="0"/>
+          <a:chOff x="0" y="0"/>
+          <a:chExt cx="0" cy="0"/>
+        </a:xfrm>
+      </p:grpSpPr>
+      <p:sp>
+        <p:nvSpPr>
+          <p:cNvPr id="49" name="PlaceHolder 1"/>
+          <p:cNvSpPr>
+            <a:spLocks noGrp="1"/>
+          </p:cNvSpPr>
+          <p:nvPr>
+            <p:ph type="title"/>
+          </p:nvPr>
+        </p:nvSpPr>
+        <p:spPr>
+          <a:xfrm>
+            <a:off x="504000" y="226080"/>
+            <a:ext cx="9072000" cy="946440"/>
+          </a:xfrm>
+          <a:prstGeom prst="rect">
+            <a:avLst/>
+          </a:prstGeom>
+          <a:noFill/>
+          <a:ln w="0">
+            <a:noFill/>
+          </a:ln>
+        </p:spPr>
+        <p:txBody>
+          <a:bodyPr lIns="0" rIns="0" tIns="0" bIns="0" anchor="ctr">
+            <a:noAutofit/>
+          </a:bodyPr>
+          <a:p>
+            <a:pPr algn="ctr"/>
+            <a:endParaRPr b="0" lang="en-IN" sz="4400" spc="-1" strike="noStrike">
+              <a:latin typeface="Arial"/>
+            </a:endParaRPr>
+          </a:p>
+        </p:txBody>
+      </p:sp>
+      <p:sp>
+        <p:nvSpPr>
+          <p:cNvPr id="50" name="PlaceHolder 2"/>
+          <p:cNvSpPr>
+            <a:spLocks noGrp="1"/>
+          </p:cNvSpPr>
+          <p:nvPr>
+            <p:ph/>
+          </p:nvPr>
+        </p:nvSpPr>
+        <p:spPr>
+          <a:xfrm>
+            <a:off x="504000" y="1326600"/>
+            <a:ext cx="4426920" cy="1568520"/>
+          </a:xfrm>
+          <a:prstGeom prst="rect">
+            <a:avLst/>
+          </a:prstGeom>
+          <a:noFill/>
+          <a:ln w="0">
+            <a:noFill/>
+          </a:ln>
+        </p:spPr>
+        <p:txBody>
+          <a:bodyPr lIns="0" rIns="0" tIns="0" bIns="0" anchor="t">
+            <a:normAutofit/>
+          </a:bodyPr>
+          <a:p>
+            <a:endParaRPr b="0" lang="en-IN" sz="3200" spc="-1" strike="noStrike">
+              <a:latin typeface="Arial"/>
+            </a:endParaRPr>
+          </a:p>
+        </p:txBody>
+      </p:sp>
+      <p:sp>
+        <p:nvSpPr>
+          <p:cNvPr id="51" name="PlaceHolder 3"/>
+          <p:cNvSpPr>
+            <a:spLocks noGrp="1"/>
+          </p:cNvSpPr>
+          <p:nvPr>
+            <p:ph/>
+          </p:nvPr>
+        </p:nvSpPr>
+        <p:spPr>
+          <a:xfrm>
+            <a:off x="5152680" y="1326600"/>
+            <a:ext cx="4426920" cy="3288600"/>
+          </a:xfrm>
+          <a:prstGeom prst="rect">
+            <a:avLst/>
+          </a:prstGeom>
+          <a:noFill/>
+          <a:ln w="0">
+            <a:noFill/>
+          </a:ln>
+        </p:spPr>
+        <p:txBody>
+          <a:bodyPr lIns="0" rIns="0" tIns="0" bIns="0" anchor="t">
+            <a:normAutofit/>
+          </a:bodyPr>
+          <a:p>
+            <a:endParaRPr b="0" lang="en-IN" sz="3200" spc="-1" strike="noStrike">
+              <a:latin typeface="Arial"/>
+            </a:endParaRPr>
+          </a:p>
+        </p:txBody>
+      </p:sp>
+      <p:sp>
+        <p:nvSpPr>
+          <p:cNvPr id="52" name="PlaceHolder 4"/>
+          <p:cNvSpPr>
+            <a:spLocks noGrp="1"/>
+          </p:cNvSpPr>
+          <p:nvPr>
+            <p:ph/>
+          </p:nvPr>
+        </p:nvSpPr>
+        <p:spPr>
+          <a:xfrm>
+            <a:off x="504000" y="3044520"/>
+            <a:ext cx="4426920" cy="1568520"/>
           </a:xfrm>
           <a:prstGeom prst="rect">
             <a:avLst/>
@@ -639,7 +1243,7 @@
       </p:grpSpPr>
       <p:sp>
         <p:nvSpPr>
-          <p:cNvPr id="5" name="PlaceHolder 1"/>
+          <p:cNvPr id="2" name="PlaceHolder 1"/>
           <p:cNvSpPr>
             <a:spLocks noGrp="1"/>
           </p:cNvSpPr>
@@ -650,7 +1254,7 @@
         <p:spPr>
           <a:xfrm>
             <a:off x="504000" y="226080"/>
-            <a:ext cx="9071640" cy="946440"/>
+            <a:ext cx="9072000" cy="946440"/>
           </a:xfrm>
           <a:prstGeom prst="rect">
             <a:avLst/>
@@ -674,7 +1278,7 @@
       </p:sp>
       <p:sp>
         <p:nvSpPr>
-          <p:cNvPr id="6" name="PlaceHolder 2"/>
+          <p:cNvPr id="3" name="PlaceHolder 2"/>
           <p:cNvSpPr>
             <a:spLocks noGrp="1"/>
           </p:cNvSpPr>
@@ -685,7 +1289,7 @@
         <p:spPr>
           <a:xfrm>
             <a:off x="504000" y="1326600"/>
-            <a:ext cx="9071640" cy="3288240"/>
+            <a:ext cx="9072000" cy="3288600"/>
           </a:xfrm>
           <a:prstGeom prst="rect">
             <a:avLst/>
@@ -701,6 +1305,903 @@
           </a:bodyPr>
           <a:p>
             <a:pPr algn="ctr"/>
+            <a:endParaRPr b="0" lang="en-IN" sz="3200" spc="-1" strike="noStrike">
+              <a:latin typeface="Arial"/>
+            </a:endParaRPr>
+          </a:p>
+        </p:txBody>
+      </p:sp>
+    </p:spTree>
+  </p:cSld>
+</p:sldLayout>
+</file>
+
+<file path=ppt/slideLayouts/slideLayout20.xml><?xml version="1.0" encoding="utf-8"?>
+<p:sldLayout xmlns:a="http://schemas.openxmlformats.org/drawingml/2006/main" xmlns:p="http://schemas.openxmlformats.org/presentationml/2006/main" xmlns:r="http://schemas.openxmlformats.org/officeDocument/2006/relationships" xmlns:p14="http://schemas.microsoft.com/office/powerpoint/2010/main" xmlns:p15="http://schemas.microsoft.com/office/powerpoint/2012/main" xmlns:mc="http://schemas.openxmlformats.org/markup-compatibility/2006" type="objAndTwoObj" preserve="1">
+  <p:cSld name="Title Content and 2 Content">
+    <p:spTree>
+      <p:nvGrpSpPr>
+        <p:cNvPr id="1" name=""/>
+        <p:cNvGrpSpPr/>
+        <p:nvPr/>
+      </p:nvGrpSpPr>
+      <p:grpSpPr>
+        <a:xfrm>
+          <a:off x="0" y="0"/>
+          <a:ext cx="0" cy="0"/>
+          <a:chOff x="0" y="0"/>
+          <a:chExt cx="0" cy="0"/>
+        </a:xfrm>
+      </p:grpSpPr>
+      <p:sp>
+        <p:nvSpPr>
+          <p:cNvPr id="53" name="PlaceHolder 1"/>
+          <p:cNvSpPr>
+            <a:spLocks noGrp="1"/>
+          </p:cNvSpPr>
+          <p:nvPr>
+            <p:ph type="title"/>
+          </p:nvPr>
+        </p:nvSpPr>
+        <p:spPr>
+          <a:xfrm>
+            <a:off x="504000" y="226080"/>
+            <a:ext cx="9072000" cy="946440"/>
+          </a:xfrm>
+          <a:prstGeom prst="rect">
+            <a:avLst/>
+          </a:prstGeom>
+          <a:noFill/>
+          <a:ln w="0">
+            <a:noFill/>
+          </a:ln>
+        </p:spPr>
+        <p:txBody>
+          <a:bodyPr lIns="0" rIns="0" tIns="0" bIns="0" anchor="ctr">
+            <a:noAutofit/>
+          </a:bodyPr>
+          <a:p>
+            <a:pPr algn="ctr"/>
+            <a:endParaRPr b="0" lang="en-IN" sz="4400" spc="-1" strike="noStrike">
+              <a:latin typeface="Arial"/>
+            </a:endParaRPr>
+          </a:p>
+        </p:txBody>
+      </p:sp>
+      <p:sp>
+        <p:nvSpPr>
+          <p:cNvPr id="54" name="PlaceHolder 2"/>
+          <p:cNvSpPr>
+            <a:spLocks noGrp="1"/>
+          </p:cNvSpPr>
+          <p:nvPr>
+            <p:ph/>
+          </p:nvPr>
+        </p:nvSpPr>
+        <p:spPr>
+          <a:xfrm>
+            <a:off x="504000" y="1326600"/>
+            <a:ext cx="4426920" cy="3288600"/>
+          </a:xfrm>
+          <a:prstGeom prst="rect">
+            <a:avLst/>
+          </a:prstGeom>
+          <a:noFill/>
+          <a:ln w="0">
+            <a:noFill/>
+          </a:ln>
+        </p:spPr>
+        <p:txBody>
+          <a:bodyPr lIns="0" rIns="0" tIns="0" bIns="0" anchor="t">
+            <a:normAutofit/>
+          </a:bodyPr>
+          <a:p>
+            <a:endParaRPr b="0" lang="en-IN" sz="3200" spc="-1" strike="noStrike">
+              <a:latin typeface="Arial"/>
+            </a:endParaRPr>
+          </a:p>
+        </p:txBody>
+      </p:sp>
+      <p:sp>
+        <p:nvSpPr>
+          <p:cNvPr id="55" name="PlaceHolder 3"/>
+          <p:cNvSpPr>
+            <a:spLocks noGrp="1"/>
+          </p:cNvSpPr>
+          <p:nvPr>
+            <p:ph/>
+          </p:nvPr>
+        </p:nvSpPr>
+        <p:spPr>
+          <a:xfrm>
+            <a:off x="5152680" y="1326600"/>
+            <a:ext cx="4426920" cy="1568520"/>
+          </a:xfrm>
+          <a:prstGeom prst="rect">
+            <a:avLst/>
+          </a:prstGeom>
+          <a:noFill/>
+          <a:ln w="0">
+            <a:noFill/>
+          </a:ln>
+        </p:spPr>
+        <p:txBody>
+          <a:bodyPr lIns="0" rIns="0" tIns="0" bIns="0" anchor="t">
+            <a:normAutofit/>
+          </a:bodyPr>
+          <a:p>
+            <a:endParaRPr b="0" lang="en-IN" sz="3200" spc="-1" strike="noStrike">
+              <a:latin typeface="Arial"/>
+            </a:endParaRPr>
+          </a:p>
+        </p:txBody>
+      </p:sp>
+      <p:sp>
+        <p:nvSpPr>
+          <p:cNvPr id="56" name="PlaceHolder 4"/>
+          <p:cNvSpPr>
+            <a:spLocks noGrp="1"/>
+          </p:cNvSpPr>
+          <p:nvPr>
+            <p:ph/>
+          </p:nvPr>
+        </p:nvSpPr>
+        <p:spPr>
+          <a:xfrm>
+            <a:off x="5152680" y="3044520"/>
+            <a:ext cx="4426920" cy="1568520"/>
+          </a:xfrm>
+          <a:prstGeom prst="rect">
+            <a:avLst/>
+          </a:prstGeom>
+          <a:noFill/>
+          <a:ln w="0">
+            <a:noFill/>
+          </a:ln>
+        </p:spPr>
+        <p:txBody>
+          <a:bodyPr lIns="0" rIns="0" tIns="0" bIns="0" anchor="t">
+            <a:normAutofit/>
+          </a:bodyPr>
+          <a:p>
+            <a:endParaRPr b="0" lang="en-IN" sz="3200" spc="-1" strike="noStrike">
+              <a:latin typeface="Arial"/>
+            </a:endParaRPr>
+          </a:p>
+        </p:txBody>
+      </p:sp>
+    </p:spTree>
+  </p:cSld>
+</p:sldLayout>
+</file>
+
+<file path=ppt/slideLayouts/slideLayout21.xml><?xml version="1.0" encoding="utf-8"?>
+<p:sldLayout xmlns:a="http://schemas.openxmlformats.org/drawingml/2006/main" xmlns:p="http://schemas.openxmlformats.org/presentationml/2006/main" xmlns:r="http://schemas.openxmlformats.org/officeDocument/2006/relationships" xmlns:p14="http://schemas.microsoft.com/office/powerpoint/2010/main" xmlns:p15="http://schemas.microsoft.com/office/powerpoint/2012/main" xmlns:mc="http://schemas.openxmlformats.org/markup-compatibility/2006" type="twoObjOverTx" preserve="1">
+  <p:cSld name="Title, 2 Content over Content">
+    <p:spTree>
+      <p:nvGrpSpPr>
+        <p:cNvPr id="1" name=""/>
+        <p:cNvGrpSpPr/>
+        <p:nvPr/>
+      </p:nvGrpSpPr>
+      <p:grpSpPr>
+        <a:xfrm>
+          <a:off x="0" y="0"/>
+          <a:ext cx="0" cy="0"/>
+          <a:chOff x="0" y="0"/>
+          <a:chExt cx="0" cy="0"/>
+        </a:xfrm>
+      </p:grpSpPr>
+      <p:sp>
+        <p:nvSpPr>
+          <p:cNvPr id="57" name="PlaceHolder 1"/>
+          <p:cNvSpPr>
+            <a:spLocks noGrp="1"/>
+          </p:cNvSpPr>
+          <p:nvPr>
+            <p:ph type="title"/>
+          </p:nvPr>
+        </p:nvSpPr>
+        <p:spPr>
+          <a:xfrm>
+            <a:off x="504000" y="226080"/>
+            <a:ext cx="9072000" cy="946440"/>
+          </a:xfrm>
+          <a:prstGeom prst="rect">
+            <a:avLst/>
+          </a:prstGeom>
+          <a:noFill/>
+          <a:ln w="0">
+            <a:noFill/>
+          </a:ln>
+        </p:spPr>
+        <p:txBody>
+          <a:bodyPr lIns="0" rIns="0" tIns="0" bIns="0" anchor="ctr">
+            <a:noAutofit/>
+          </a:bodyPr>
+          <a:p>
+            <a:pPr algn="ctr"/>
+            <a:endParaRPr b="0" lang="en-IN" sz="4400" spc="-1" strike="noStrike">
+              <a:latin typeface="Arial"/>
+            </a:endParaRPr>
+          </a:p>
+        </p:txBody>
+      </p:sp>
+      <p:sp>
+        <p:nvSpPr>
+          <p:cNvPr id="58" name="PlaceHolder 2"/>
+          <p:cNvSpPr>
+            <a:spLocks noGrp="1"/>
+          </p:cNvSpPr>
+          <p:nvPr>
+            <p:ph/>
+          </p:nvPr>
+        </p:nvSpPr>
+        <p:spPr>
+          <a:xfrm>
+            <a:off x="504000" y="1326600"/>
+            <a:ext cx="4426920" cy="1568520"/>
+          </a:xfrm>
+          <a:prstGeom prst="rect">
+            <a:avLst/>
+          </a:prstGeom>
+          <a:noFill/>
+          <a:ln w="0">
+            <a:noFill/>
+          </a:ln>
+        </p:spPr>
+        <p:txBody>
+          <a:bodyPr lIns="0" rIns="0" tIns="0" bIns="0" anchor="t">
+            <a:normAutofit/>
+          </a:bodyPr>
+          <a:p>
+            <a:endParaRPr b="0" lang="en-IN" sz="3200" spc="-1" strike="noStrike">
+              <a:latin typeface="Arial"/>
+            </a:endParaRPr>
+          </a:p>
+        </p:txBody>
+      </p:sp>
+      <p:sp>
+        <p:nvSpPr>
+          <p:cNvPr id="59" name="PlaceHolder 3"/>
+          <p:cNvSpPr>
+            <a:spLocks noGrp="1"/>
+          </p:cNvSpPr>
+          <p:nvPr>
+            <p:ph/>
+          </p:nvPr>
+        </p:nvSpPr>
+        <p:spPr>
+          <a:xfrm>
+            <a:off x="5152680" y="1326600"/>
+            <a:ext cx="4426920" cy="1568520"/>
+          </a:xfrm>
+          <a:prstGeom prst="rect">
+            <a:avLst/>
+          </a:prstGeom>
+          <a:noFill/>
+          <a:ln w="0">
+            <a:noFill/>
+          </a:ln>
+        </p:spPr>
+        <p:txBody>
+          <a:bodyPr lIns="0" rIns="0" tIns="0" bIns="0" anchor="t">
+            <a:normAutofit/>
+          </a:bodyPr>
+          <a:p>
+            <a:endParaRPr b="0" lang="en-IN" sz="3200" spc="-1" strike="noStrike">
+              <a:latin typeface="Arial"/>
+            </a:endParaRPr>
+          </a:p>
+        </p:txBody>
+      </p:sp>
+      <p:sp>
+        <p:nvSpPr>
+          <p:cNvPr id="60" name="PlaceHolder 4"/>
+          <p:cNvSpPr>
+            <a:spLocks noGrp="1"/>
+          </p:cNvSpPr>
+          <p:nvPr>
+            <p:ph/>
+          </p:nvPr>
+        </p:nvSpPr>
+        <p:spPr>
+          <a:xfrm>
+            <a:off x="504000" y="3044520"/>
+            <a:ext cx="9072000" cy="1568520"/>
+          </a:xfrm>
+          <a:prstGeom prst="rect">
+            <a:avLst/>
+          </a:prstGeom>
+          <a:noFill/>
+          <a:ln w="0">
+            <a:noFill/>
+          </a:ln>
+        </p:spPr>
+        <p:txBody>
+          <a:bodyPr lIns="0" rIns="0" tIns="0" bIns="0" anchor="t">
+            <a:normAutofit/>
+          </a:bodyPr>
+          <a:p>
+            <a:endParaRPr b="0" lang="en-IN" sz="3200" spc="-1" strike="noStrike">
+              <a:latin typeface="Arial"/>
+            </a:endParaRPr>
+          </a:p>
+        </p:txBody>
+      </p:sp>
+    </p:spTree>
+  </p:cSld>
+</p:sldLayout>
+</file>
+
+<file path=ppt/slideLayouts/slideLayout22.xml><?xml version="1.0" encoding="utf-8"?>
+<p:sldLayout xmlns:a="http://schemas.openxmlformats.org/drawingml/2006/main" xmlns:p="http://schemas.openxmlformats.org/presentationml/2006/main" xmlns:r="http://schemas.openxmlformats.org/officeDocument/2006/relationships" xmlns:p14="http://schemas.microsoft.com/office/powerpoint/2010/main" xmlns:p15="http://schemas.microsoft.com/office/powerpoint/2012/main" xmlns:mc="http://schemas.openxmlformats.org/markup-compatibility/2006" type="objOverTx" preserve="1">
+  <p:cSld name="Title, Content over Content">
+    <p:spTree>
+      <p:nvGrpSpPr>
+        <p:cNvPr id="1" name=""/>
+        <p:cNvGrpSpPr/>
+        <p:nvPr/>
+      </p:nvGrpSpPr>
+      <p:grpSpPr>
+        <a:xfrm>
+          <a:off x="0" y="0"/>
+          <a:ext cx="0" cy="0"/>
+          <a:chOff x="0" y="0"/>
+          <a:chExt cx="0" cy="0"/>
+        </a:xfrm>
+      </p:grpSpPr>
+      <p:sp>
+        <p:nvSpPr>
+          <p:cNvPr id="61" name="PlaceHolder 1"/>
+          <p:cNvSpPr>
+            <a:spLocks noGrp="1"/>
+          </p:cNvSpPr>
+          <p:nvPr>
+            <p:ph type="title"/>
+          </p:nvPr>
+        </p:nvSpPr>
+        <p:spPr>
+          <a:xfrm>
+            <a:off x="504000" y="226080"/>
+            <a:ext cx="9072000" cy="946440"/>
+          </a:xfrm>
+          <a:prstGeom prst="rect">
+            <a:avLst/>
+          </a:prstGeom>
+          <a:noFill/>
+          <a:ln w="0">
+            <a:noFill/>
+          </a:ln>
+        </p:spPr>
+        <p:txBody>
+          <a:bodyPr lIns="0" rIns="0" tIns="0" bIns="0" anchor="ctr">
+            <a:noAutofit/>
+          </a:bodyPr>
+          <a:p>
+            <a:pPr algn="ctr"/>
+            <a:endParaRPr b="0" lang="en-IN" sz="4400" spc="-1" strike="noStrike">
+              <a:latin typeface="Arial"/>
+            </a:endParaRPr>
+          </a:p>
+        </p:txBody>
+      </p:sp>
+      <p:sp>
+        <p:nvSpPr>
+          <p:cNvPr id="62" name="PlaceHolder 2"/>
+          <p:cNvSpPr>
+            <a:spLocks noGrp="1"/>
+          </p:cNvSpPr>
+          <p:nvPr>
+            <p:ph/>
+          </p:nvPr>
+        </p:nvSpPr>
+        <p:spPr>
+          <a:xfrm>
+            <a:off x="504000" y="1326600"/>
+            <a:ext cx="9072000" cy="1568520"/>
+          </a:xfrm>
+          <a:prstGeom prst="rect">
+            <a:avLst/>
+          </a:prstGeom>
+          <a:noFill/>
+          <a:ln w="0">
+            <a:noFill/>
+          </a:ln>
+        </p:spPr>
+        <p:txBody>
+          <a:bodyPr lIns="0" rIns="0" tIns="0" bIns="0" anchor="t">
+            <a:normAutofit/>
+          </a:bodyPr>
+          <a:p>
+            <a:endParaRPr b="0" lang="en-IN" sz="3200" spc="-1" strike="noStrike">
+              <a:latin typeface="Arial"/>
+            </a:endParaRPr>
+          </a:p>
+        </p:txBody>
+      </p:sp>
+      <p:sp>
+        <p:nvSpPr>
+          <p:cNvPr id="63" name="PlaceHolder 3"/>
+          <p:cNvSpPr>
+            <a:spLocks noGrp="1"/>
+          </p:cNvSpPr>
+          <p:nvPr>
+            <p:ph/>
+          </p:nvPr>
+        </p:nvSpPr>
+        <p:spPr>
+          <a:xfrm>
+            <a:off x="504000" y="3044520"/>
+            <a:ext cx="9072000" cy="1568520"/>
+          </a:xfrm>
+          <a:prstGeom prst="rect">
+            <a:avLst/>
+          </a:prstGeom>
+          <a:noFill/>
+          <a:ln w="0">
+            <a:noFill/>
+          </a:ln>
+        </p:spPr>
+        <p:txBody>
+          <a:bodyPr lIns="0" rIns="0" tIns="0" bIns="0" anchor="t">
+            <a:normAutofit/>
+          </a:bodyPr>
+          <a:p>
+            <a:endParaRPr b="0" lang="en-IN" sz="3200" spc="-1" strike="noStrike">
+              <a:latin typeface="Arial"/>
+            </a:endParaRPr>
+          </a:p>
+        </p:txBody>
+      </p:sp>
+    </p:spTree>
+  </p:cSld>
+</p:sldLayout>
+</file>
+
+<file path=ppt/slideLayouts/slideLayout23.xml><?xml version="1.0" encoding="utf-8"?>
+<p:sldLayout xmlns:a="http://schemas.openxmlformats.org/drawingml/2006/main" xmlns:p="http://schemas.openxmlformats.org/presentationml/2006/main" xmlns:r="http://schemas.openxmlformats.org/officeDocument/2006/relationships" xmlns:p14="http://schemas.microsoft.com/office/powerpoint/2010/main" xmlns:p15="http://schemas.microsoft.com/office/powerpoint/2012/main" xmlns:mc="http://schemas.openxmlformats.org/markup-compatibility/2006" type="fourObj" preserve="1">
+  <p:cSld name="Title, 4 Content">
+    <p:spTree>
+      <p:nvGrpSpPr>
+        <p:cNvPr id="1" name=""/>
+        <p:cNvGrpSpPr/>
+        <p:nvPr/>
+      </p:nvGrpSpPr>
+      <p:grpSpPr>
+        <a:xfrm>
+          <a:off x="0" y="0"/>
+          <a:ext cx="0" cy="0"/>
+          <a:chOff x="0" y="0"/>
+          <a:chExt cx="0" cy="0"/>
+        </a:xfrm>
+      </p:grpSpPr>
+      <p:sp>
+        <p:nvSpPr>
+          <p:cNvPr id="64" name="PlaceHolder 1"/>
+          <p:cNvSpPr>
+            <a:spLocks noGrp="1"/>
+          </p:cNvSpPr>
+          <p:nvPr>
+            <p:ph type="title"/>
+          </p:nvPr>
+        </p:nvSpPr>
+        <p:spPr>
+          <a:xfrm>
+            <a:off x="504000" y="226080"/>
+            <a:ext cx="9072000" cy="946440"/>
+          </a:xfrm>
+          <a:prstGeom prst="rect">
+            <a:avLst/>
+          </a:prstGeom>
+          <a:noFill/>
+          <a:ln w="0">
+            <a:noFill/>
+          </a:ln>
+        </p:spPr>
+        <p:txBody>
+          <a:bodyPr lIns="0" rIns="0" tIns="0" bIns="0" anchor="ctr">
+            <a:noAutofit/>
+          </a:bodyPr>
+          <a:p>
+            <a:pPr algn="ctr"/>
+            <a:endParaRPr b="0" lang="en-IN" sz="4400" spc="-1" strike="noStrike">
+              <a:latin typeface="Arial"/>
+            </a:endParaRPr>
+          </a:p>
+        </p:txBody>
+      </p:sp>
+      <p:sp>
+        <p:nvSpPr>
+          <p:cNvPr id="65" name="PlaceHolder 2"/>
+          <p:cNvSpPr>
+            <a:spLocks noGrp="1"/>
+          </p:cNvSpPr>
+          <p:nvPr>
+            <p:ph/>
+          </p:nvPr>
+        </p:nvSpPr>
+        <p:spPr>
+          <a:xfrm>
+            <a:off x="504000" y="1326600"/>
+            <a:ext cx="4426920" cy="1568520"/>
+          </a:xfrm>
+          <a:prstGeom prst="rect">
+            <a:avLst/>
+          </a:prstGeom>
+          <a:noFill/>
+          <a:ln w="0">
+            <a:noFill/>
+          </a:ln>
+        </p:spPr>
+        <p:txBody>
+          <a:bodyPr lIns="0" rIns="0" tIns="0" bIns="0" anchor="t">
+            <a:normAutofit/>
+          </a:bodyPr>
+          <a:p>
+            <a:endParaRPr b="0" lang="en-IN" sz="3200" spc="-1" strike="noStrike">
+              <a:latin typeface="Arial"/>
+            </a:endParaRPr>
+          </a:p>
+        </p:txBody>
+      </p:sp>
+      <p:sp>
+        <p:nvSpPr>
+          <p:cNvPr id="66" name="PlaceHolder 3"/>
+          <p:cNvSpPr>
+            <a:spLocks noGrp="1"/>
+          </p:cNvSpPr>
+          <p:nvPr>
+            <p:ph/>
+          </p:nvPr>
+        </p:nvSpPr>
+        <p:spPr>
+          <a:xfrm>
+            <a:off x="5152680" y="1326600"/>
+            <a:ext cx="4426920" cy="1568520"/>
+          </a:xfrm>
+          <a:prstGeom prst="rect">
+            <a:avLst/>
+          </a:prstGeom>
+          <a:noFill/>
+          <a:ln w="0">
+            <a:noFill/>
+          </a:ln>
+        </p:spPr>
+        <p:txBody>
+          <a:bodyPr lIns="0" rIns="0" tIns="0" bIns="0" anchor="t">
+            <a:normAutofit/>
+          </a:bodyPr>
+          <a:p>
+            <a:endParaRPr b="0" lang="en-IN" sz="3200" spc="-1" strike="noStrike">
+              <a:latin typeface="Arial"/>
+            </a:endParaRPr>
+          </a:p>
+        </p:txBody>
+      </p:sp>
+      <p:sp>
+        <p:nvSpPr>
+          <p:cNvPr id="67" name="PlaceHolder 4"/>
+          <p:cNvSpPr>
+            <a:spLocks noGrp="1"/>
+          </p:cNvSpPr>
+          <p:nvPr>
+            <p:ph/>
+          </p:nvPr>
+        </p:nvSpPr>
+        <p:spPr>
+          <a:xfrm>
+            <a:off x="504000" y="3044520"/>
+            <a:ext cx="4426920" cy="1568520"/>
+          </a:xfrm>
+          <a:prstGeom prst="rect">
+            <a:avLst/>
+          </a:prstGeom>
+          <a:noFill/>
+          <a:ln w="0">
+            <a:noFill/>
+          </a:ln>
+        </p:spPr>
+        <p:txBody>
+          <a:bodyPr lIns="0" rIns="0" tIns="0" bIns="0" anchor="t">
+            <a:normAutofit/>
+          </a:bodyPr>
+          <a:p>
+            <a:endParaRPr b="0" lang="en-IN" sz="3200" spc="-1" strike="noStrike">
+              <a:latin typeface="Arial"/>
+            </a:endParaRPr>
+          </a:p>
+        </p:txBody>
+      </p:sp>
+      <p:sp>
+        <p:nvSpPr>
+          <p:cNvPr id="68" name="PlaceHolder 5"/>
+          <p:cNvSpPr>
+            <a:spLocks noGrp="1"/>
+          </p:cNvSpPr>
+          <p:nvPr>
+            <p:ph/>
+          </p:nvPr>
+        </p:nvSpPr>
+        <p:spPr>
+          <a:xfrm>
+            <a:off x="5152680" y="3044520"/>
+            <a:ext cx="4426920" cy="1568520"/>
+          </a:xfrm>
+          <a:prstGeom prst="rect">
+            <a:avLst/>
+          </a:prstGeom>
+          <a:noFill/>
+          <a:ln w="0">
+            <a:noFill/>
+          </a:ln>
+        </p:spPr>
+        <p:txBody>
+          <a:bodyPr lIns="0" rIns="0" tIns="0" bIns="0" anchor="t">
+            <a:normAutofit/>
+          </a:bodyPr>
+          <a:p>
+            <a:endParaRPr b="0" lang="en-IN" sz="3200" spc="-1" strike="noStrike">
+              <a:latin typeface="Arial"/>
+            </a:endParaRPr>
+          </a:p>
+        </p:txBody>
+      </p:sp>
+    </p:spTree>
+  </p:cSld>
+</p:sldLayout>
+</file>
+
+<file path=ppt/slideLayouts/slideLayout24.xml><?xml version="1.0" encoding="utf-8"?>
+<p:sldLayout xmlns:a="http://schemas.openxmlformats.org/drawingml/2006/main" xmlns:p="http://schemas.openxmlformats.org/presentationml/2006/main" xmlns:r="http://schemas.openxmlformats.org/officeDocument/2006/relationships" xmlns:p14="http://schemas.microsoft.com/office/powerpoint/2010/main" xmlns:p15="http://schemas.microsoft.com/office/powerpoint/2012/main" xmlns:mc="http://schemas.openxmlformats.org/markup-compatibility/2006" type="blank" preserve="1">
+  <p:cSld name="Title, 6 Content">
+    <p:spTree>
+      <p:nvGrpSpPr>
+        <p:cNvPr id="1" name=""/>
+        <p:cNvGrpSpPr/>
+        <p:nvPr/>
+      </p:nvGrpSpPr>
+      <p:grpSpPr>
+        <a:xfrm>
+          <a:off x="0" y="0"/>
+          <a:ext cx="0" cy="0"/>
+          <a:chOff x="0" y="0"/>
+          <a:chExt cx="0" cy="0"/>
+        </a:xfrm>
+      </p:grpSpPr>
+      <p:sp>
+        <p:nvSpPr>
+          <p:cNvPr id="69" name="PlaceHolder 1"/>
+          <p:cNvSpPr>
+            <a:spLocks noGrp="1"/>
+          </p:cNvSpPr>
+          <p:nvPr>
+            <p:ph type="title"/>
+          </p:nvPr>
+        </p:nvSpPr>
+        <p:spPr>
+          <a:xfrm>
+            <a:off x="504000" y="226080"/>
+            <a:ext cx="9072000" cy="946440"/>
+          </a:xfrm>
+          <a:prstGeom prst="rect">
+            <a:avLst/>
+          </a:prstGeom>
+          <a:noFill/>
+          <a:ln w="0">
+            <a:noFill/>
+          </a:ln>
+        </p:spPr>
+        <p:txBody>
+          <a:bodyPr lIns="0" rIns="0" tIns="0" bIns="0" anchor="ctr">
+            <a:noAutofit/>
+          </a:bodyPr>
+          <a:p>
+            <a:pPr algn="ctr"/>
+            <a:endParaRPr b="0" lang="en-IN" sz="4400" spc="-1" strike="noStrike">
+              <a:latin typeface="Arial"/>
+            </a:endParaRPr>
+          </a:p>
+        </p:txBody>
+      </p:sp>
+      <p:sp>
+        <p:nvSpPr>
+          <p:cNvPr id="70" name="PlaceHolder 2"/>
+          <p:cNvSpPr>
+            <a:spLocks noGrp="1"/>
+          </p:cNvSpPr>
+          <p:nvPr>
+            <p:ph/>
+          </p:nvPr>
+        </p:nvSpPr>
+        <p:spPr>
+          <a:xfrm>
+            <a:off x="504000" y="1326600"/>
+            <a:ext cx="2921040" cy="1568520"/>
+          </a:xfrm>
+          <a:prstGeom prst="rect">
+            <a:avLst/>
+          </a:prstGeom>
+          <a:noFill/>
+          <a:ln w="0">
+            <a:noFill/>
+          </a:ln>
+        </p:spPr>
+        <p:txBody>
+          <a:bodyPr lIns="0" rIns="0" tIns="0" bIns="0" anchor="t">
+            <a:normAutofit/>
+          </a:bodyPr>
+          <a:p>
+            <a:endParaRPr b="0" lang="en-IN" sz="3200" spc="-1" strike="noStrike">
+              <a:latin typeface="Arial"/>
+            </a:endParaRPr>
+          </a:p>
+        </p:txBody>
+      </p:sp>
+      <p:sp>
+        <p:nvSpPr>
+          <p:cNvPr id="71" name="PlaceHolder 3"/>
+          <p:cNvSpPr>
+            <a:spLocks noGrp="1"/>
+          </p:cNvSpPr>
+          <p:nvPr>
+            <p:ph/>
+          </p:nvPr>
+        </p:nvSpPr>
+        <p:spPr>
+          <a:xfrm>
+            <a:off x="3571560" y="1326600"/>
+            <a:ext cx="2921040" cy="1568520"/>
+          </a:xfrm>
+          <a:prstGeom prst="rect">
+            <a:avLst/>
+          </a:prstGeom>
+          <a:noFill/>
+          <a:ln w="0">
+            <a:noFill/>
+          </a:ln>
+        </p:spPr>
+        <p:txBody>
+          <a:bodyPr lIns="0" rIns="0" tIns="0" bIns="0" anchor="t">
+            <a:normAutofit/>
+          </a:bodyPr>
+          <a:p>
+            <a:endParaRPr b="0" lang="en-IN" sz="3200" spc="-1" strike="noStrike">
+              <a:latin typeface="Arial"/>
+            </a:endParaRPr>
+          </a:p>
+        </p:txBody>
+      </p:sp>
+      <p:sp>
+        <p:nvSpPr>
+          <p:cNvPr id="72" name="PlaceHolder 4"/>
+          <p:cNvSpPr>
+            <a:spLocks noGrp="1"/>
+          </p:cNvSpPr>
+          <p:nvPr>
+            <p:ph/>
+          </p:nvPr>
+        </p:nvSpPr>
+        <p:spPr>
+          <a:xfrm>
+            <a:off x="6639120" y="1326600"/>
+            <a:ext cx="2921040" cy="1568520"/>
+          </a:xfrm>
+          <a:prstGeom prst="rect">
+            <a:avLst/>
+          </a:prstGeom>
+          <a:noFill/>
+          <a:ln w="0">
+            <a:noFill/>
+          </a:ln>
+        </p:spPr>
+        <p:txBody>
+          <a:bodyPr lIns="0" rIns="0" tIns="0" bIns="0" anchor="t">
+            <a:normAutofit/>
+          </a:bodyPr>
+          <a:p>
+            <a:endParaRPr b="0" lang="en-IN" sz="3200" spc="-1" strike="noStrike">
+              <a:latin typeface="Arial"/>
+            </a:endParaRPr>
+          </a:p>
+        </p:txBody>
+      </p:sp>
+      <p:sp>
+        <p:nvSpPr>
+          <p:cNvPr id="73" name="PlaceHolder 5"/>
+          <p:cNvSpPr>
+            <a:spLocks noGrp="1"/>
+          </p:cNvSpPr>
+          <p:nvPr>
+            <p:ph/>
+          </p:nvPr>
+        </p:nvSpPr>
+        <p:spPr>
+          <a:xfrm>
+            <a:off x="504000" y="3044520"/>
+            <a:ext cx="2921040" cy="1568520"/>
+          </a:xfrm>
+          <a:prstGeom prst="rect">
+            <a:avLst/>
+          </a:prstGeom>
+          <a:noFill/>
+          <a:ln w="0">
+            <a:noFill/>
+          </a:ln>
+        </p:spPr>
+        <p:txBody>
+          <a:bodyPr lIns="0" rIns="0" tIns="0" bIns="0" anchor="t">
+            <a:normAutofit/>
+          </a:bodyPr>
+          <a:p>
+            <a:endParaRPr b="0" lang="en-IN" sz="3200" spc="-1" strike="noStrike">
+              <a:latin typeface="Arial"/>
+            </a:endParaRPr>
+          </a:p>
+        </p:txBody>
+      </p:sp>
+      <p:sp>
+        <p:nvSpPr>
+          <p:cNvPr id="74" name="PlaceHolder 6"/>
+          <p:cNvSpPr>
+            <a:spLocks noGrp="1"/>
+          </p:cNvSpPr>
+          <p:nvPr>
+            <p:ph/>
+          </p:nvPr>
+        </p:nvSpPr>
+        <p:spPr>
+          <a:xfrm>
+            <a:off x="3571560" y="3044520"/>
+            <a:ext cx="2921040" cy="1568520"/>
+          </a:xfrm>
+          <a:prstGeom prst="rect">
+            <a:avLst/>
+          </a:prstGeom>
+          <a:noFill/>
+          <a:ln w="0">
+            <a:noFill/>
+          </a:ln>
+        </p:spPr>
+        <p:txBody>
+          <a:bodyPr lIns="0" rIns="0" tIns="0" bIns="0" anchor="t">
+            <a:normAutofit/>
+          </a:bodyPr>
+          <a:p>
+            <a:endParaRPr b="0" lang="en-IN" sz="3200" spc="-1" strike="noStrike">
+              <a:latin typeface="Arial"/>
+            </a:endParaRPr>
+          </a:p>
+        </p:txBody>
+      </p:sp>
+      <p:sp>
+        <p:nvSpPr>
+          <p:cNvPr id="75" name="PlaceHolder 7"/>
+          <p:cNvSpPr>
+            <a:spLocks noGrp="1"/>
+          </p:cNvSpPr>
+          <p:nvPr>
+            <p:ph/>
+          </p:nvPr>
+        </p:nvSpPr>
+        <p:spPr>
+          <a:xfrm>
+            <a:off x="6639120" y="3044520"/>
+            <a:ext cx="2921040" cy="1568520"/>
+          </a:xfrm>
+          <a:prstGeom prst="rect">
+            <a:avLst/>
+          </a:prstGeom>
+          <a:noFill/>
+          <a:ln w="0">
+            <a:noFill/>
+          </a:ln>
+        </p:spPr>
+        <p:txBody>
+          <a:bodyPr lIns="0" rIns="0" tIns="0" bIns="0" anchor="t">
+            <a:normAutofit/>
+          </a:bodyPr>
+          <a:p>
             <a:endParaRPr b="0" lang="en-IN" sz="3200" spc="-1" strike="noStrike">
               <a:latin typeface="Arial"/>
             </a:endParaRPr>
@@ -731,7 +2232,7 @@
       </p:grpSpPr>
       <p:sp>
         <p:nvSpPr>
-          <p:cNvPr id="7" name="PlaceHolder 1"/>
+          <p:cNvPr id="4" name="PlaceHolder 1"/>
           <p:cNvSpPr>
             <a:spLocks noGrp="1"/>
           </p:cNvSpPr>
@@ -742,7 +2243,7 @@
         <p:spPr>
           <a:xfrm>
             <a:off x="504000" y="226080"/>
-            <a:ext cx="9071640" cy="946440"/>
+            <a:ext cx="9072000" cy="946440"/>
           </a:xfrm>
           <a:prstGeom prst="rect">
             <a:avLst/>
@@ -766,7 +2267,7 @@
       </p:sp>
       <p:sp>
         <p:nvSpPr>
-          <p:cNvPr id="8" name="PlaceHolder 2"/>
+          <p:cNvPr id="5" name="PlaceHolder 2"/>
           <p:cNvSpPr>
             <a:spLocks noGrp="1"/>
           </p:cNvSpPr>
@@ -777,7 +2278,7 @@
         <p:spPr>
           <a:xfrm>
             <a:off x="504000" y="1326600"/>
-            <a:ext cx="9071640" cy="3288240"/>
+            <a:ext cx="9072000" cy="3288600"/>
           </a:xfrm>
           <a:prstGeom prst="rect">
             <a:avLst/>
@@ -822,7 +2323,7 @@
       </p:grpSpPr>
       <p:sp>
         <p:nvSpPr>
-          <p:cNvPr id="9" name="PlaceHolder 1"/>
+          <p:cNvPr id="6" name="PlaceHolder 1"/>
           <p:cNvSpPr>
             <a:spLocks noGrp="1"/>
           </p:cNvSpPr>
@@ -833,7 +2334,7 @@
         <p:spPr>
           <a:xfrm>
             <a:off x="504000" y="226080"/>
-            <a:ext cx="9071640" cy="946440"/>
+            <a:ext cx="9072000" cy="946440"/>
           </a:xfrm>
           <a:prstGeom prst="rect">
             <a:avLst/>
@@ -857,7 +2358,7 @@
       </p:sp>
       <p:sp>
         <p:nvSpPr>
-          <p:cNvPr id="10" name="PlaceHolder 2"/>
+          <p:cNvPr id="7" name="PlaceHolder 2"/>
           <p:cNvSpPr>
             <a:spLocks noGrp="1"/>
           </p:cNvSpPr>
@@ -868,7 +2369,7 @@
         <p:spPr>
           <a:xfrm>
             <a:off x="504000" y="1326600"/>
-            <a:ext cx="4426920" cy="3288240"/>
+            <a:ext cx="4426920" cy="3288600"/>
           </a:xfrm>
           <a:prstGeom prst="rect">
             <a:avLst/>
@@ -891,7 +2392,7 @@
       </p:sp>
       <p:sp>
         <p:nvSpPr>
-          <p:cNvPr id="11" name="PlaceHolder 3"/>
+          <p:cNvPr id="8" name="PlaceHolder 3"/>
           <p:cNvSpPr>
             <a:spLocks noGrp="1"/>
           </p:cNvSpPr>
@@ -902,7 +2403,7 @@
         <p:spPr>
           <a:xfrm>
             <a:off x="5152680" y="1326600"/>
-            <a:ext cx="4426920" cy="3288240"/>
+            <a:ext cx="4426920" cy="3288600"/>
           </a:xfrm>
           <a:prstGeom prst="rect">
             <a:avLst/>
@@ -947,7 +2448,7 @@
       </p:grpSpPr>
       <p:sp>
         <p:nvSpPr>
-          <p:cNvPr id="12" name="PlaceHolder 1"/>
+          <p:cNvPr id="9" name="PlaceHolder 1"/>
           <p:cNvSpPr>
             <a:spLocks noGrp="1"/>
           </p:cNvSpPr>
@@ -958,7 +2459,7 @@
         <p:spPr>
           <a:xfrm>
             <a:off x="504000" y="226080"/>
-            <a:ext cx="9071640" cy="946440"/>
+            <a:ext cx="9072000" cy="946440"/>
           </a:xfrm>
           <a:prstGeom prst="rect">
             <a:avLst/>
@@ -1004,7 +2505,7 @@
       </p:grpSpPr>
       <p:sp>
         <p:nvSpPr>
-          <p:cNvPr id="13" name="PlaceHolder 1"/>
+          <p:cNvPr id="10" name="PlaceHolder 1"/>
           <p:cNvSpPr>
             <a:spLocks noGrp="1"/>
           </p:cNvSpPr>
@@ -1015,7 +2516,7 @@
         <p:spPr>
           <a:xfrm>
             <a:off x="504000" y="226080"/>
-            <a:ext cx="9071640" cy="4388400"/>
+            <a:ext cx="9072000" cy="4388400"/>
           </a:xfrm>
           <a:prstGeom prst="rect">
             <a:avLst/>
@@ -1061,7 +2562,7 @@
       </p:grpSpPr>
       <p:sp>
         <p:nvSpPr>
-          <p:cNvPr id="14" name="PlaceHolder 1"/>
+          <p:cNvPr id="11" name="PlaceHolder 1"/>
           <p:cNvSpPr>
             <a:spLocks noGrp="1"/>
           </p:cNvSpPr>
@@ -1072,7 +2573,7 @@
         <p:spPr>
           <a:xfrm>
             <a:off x="504000" y="226080"/>
-            <a:ext cx="9071640" cy="946440"/>
+            <a:ext cx="9072000" cy="946440"/>
           </a:xfrm>
           <a:prstGeom prst="rect">
             <a:avLst/>
@@ -1096,7 +2597,7 @@
       </p:sp>
       <p:sp>
         <p:nvSpPr>
-          <p:cNvPr id="15" name="PlaceHolder 2"/>
+          <p:cNvPr id="12" name="PlaceHolder 2"/>
           <p:cNvSpPr>
             <a:spLocks noGrp="1"/>
           </p:cNvSpPr>
@@ -1107,7 +2608,7 @@
         <p:spPr>
           <a:xfrm>
             <a:off x="504000" y="1326600"/>
-            <a:ext cx="4426920" cy="1568160"/>
+            <a:ext cx="4426920" cy="1568520"/>
           </a:xfrm>
           <a:prstGeom prst="rect">
             <a:avLst/>
@@ -1130,7 +2631,7 @@
       </p:sp>
       <p:sp>
         <p:nvSpPr>
-          <p:cNvPr id="16" name="PlaceHolder 3"/>
+          <p:cNvPr id="13" name="PlaceHolder 3"/>
           <p:cNvSpPr>
             <a:spLocks noGrp="1"/>
           </p:cNvSpPr>
@@ -1141,7 +2642,7 @@
         <p:spPr>
           <a:xfrm>
             <a:off x="5152680" y="1326600"/>
-            <a:ext cx="4426920" cy="3288240"/>
+            <a:ext cx="4426920" cy="3288600"/>
           </a:xfrm>
           <a:prstGeom prst="rect">
             <a:avLst/>
@@ -1164,7 +2665,7 @@
       </p:sp>
       <p:sp>
         <p:nvSpPr>
-          <p:cNvPr id="17" name="PlaceHolder 4"/>
+          <p:cNvPr id="14" name="PlaceHolder 4"/>
           <p:cNvSpPr>
             <a:spLocks noGrp="1"/>
           </p:cNvSpPr>
@@ -1174,8 +2675,8 @@
         </p:nvSpPr>
         <p:spPr>
           <a:xfrm>
-            <a:off x="504000" y="3044160"/>
-            <a:ext cx="4426920" cy="1568160"/>
+            <a:off x="504000" y="3044520"/>
+            <a:ext cx="4426920" cy="1568520"/>
           </a:xfrm>
           <a:prstGeom prst="rect">
             <a:avLst/>
@@ -1220,7 +2721,7 @@
       </p:grpSpPr>
       <p:sp>
         <p:nvSpPr>
-          <p:cNvPr id="18" name="PlaceHolder 1"/>
+          <p:cNvPr id="15" name="PlaceHolder 1"/>
           <p:cNvSpPr>
             <a:spLocks noGrp="1"/>
           </p:cNvSpPr>
@@ -1231,7 +2732,7 @@
         <p:spPr>
           <a:xfrm>
             <a:off x="504000" y="226080"/>
-            <a:ext cx="9071640" cy="946440"/>
+            <a:ext cx="9072000" cy="946440"/>
           </a:xfrm>
           <a:prstGeom prst="rect">
             <a:avLst/>
@@ -1255,7 +2756,7 @@
       </p:sp>
       <p:sp>
         <p:nvSpPr>
-          <p:cNvPr id="19" name="PlaceHolder 2"/>
+          <p:cNvPr id="16" name="PlaceHolder 2"/>
           <p:cNvSpPr>
             <a:spLocks noGrp="1"/>
           </p:cNvSpPr>
@@ -1266,7 +2767,7 @@
         <p:spPr>
           <a:xfrm>
             <a:off x="504000" y="1326600"/>
-            <a:ext cx="4426920" cy="3288240"/>
+            <a:ext cx="4426920" cy="3288600"/>
           </a:xfrm>
           <a:prstGeom prst="rect">
             <a:avLst/>
@@ -1289,7 +2790,7 @@
       </p:sp>
       <p:sp>
         <p:nvSpPr>
-          <p:cNvPr id="20" name="PlaceHolder 3"/>
+          <p:cNvPr id="17" name="PlaceHolder 3"/>
           <p:cNvSpPr>
             <a:spLocks noGrp="1"/>
           </p:cNvSpPr>
@@ -1300,7 +2801,7 @@
         <p:spPr>
           <a:xfrm>
             <a:off x="5152680" y="1326600"/>
-            <a:ext cx="4426920" cy="1568160"/>
+            <a:ext cx="4426920" cy="1568520"/>
           </a:xfrm>
           <a:prstGeom prst="rect">
             <a:avLst/>
@@ -1323,7 +2824,7 @@
       </p:sp>
       <p:sp>
         <p:nvSpPr>
-          <p:cNvPr id="21" name="PlaceHolder 4"/>
+          <p:cNvPr id="18" name="PlaceHolder 4"/>
           <p:cNvSpPr>
             <a:spLocks noGrp="1"/>
           </p:cNvSpPr>
@@ -1333,8 +2834,8 @@
         </p:nvSpPr>
         <p:spPr>
           <a:xfrm>
-            <a:off x="5152680" y="3044160"/>
-            <a:ext cx="4426920" cy="1568160"/>
+            <a:off x="5152680" y="3044520"/>
+            <a:ext cx="4426920" cy="1568520"/>
           </a:xfrm>
           <a:prstGeom prst="rect">
             <a:avLst/>
@@ -1379,7 +2880,7 @@
       </p:grpSpPr>
       <p:sp>
         <p:nvSpPr>
-          <p:cNvPr id="22" name="PlaceHolder 1"/>
+          <p:cNvPr id="19" name="PlaceHolder 1"/>
           <p:cNvSpPr>
             <a:spLocks noGrp="1"/>
           </p:cNvSpPr>
@@ -1390,7 +2891,7 @@
         <p:spPr>
           <a:xfrm>
             <a:off x="504000" y="226080"/>
-            <a:ext cx="9071640" cy="946440"/>
+            <a:ext cx="9072000" cy="946440"/>
           </a:xfrm>
           <a:prstGeom prst="rect">
             <a:avLst/>
@@ -1414,7 +2915,7 @@
       </p:sp>
       <p:sp>
         <p:nvSpPr>
-          <p:cNvPr id="23" name="PlaceHolder 2"/>
+          <p:cNvPr id="20" name="PlaceHolder 2"/>
           <p:cNvSpPr>
             <a:spLocks noGrp="1"/>
           </p:cNvSpPr>
@@ -1425,7 +2926,7 @@
         <p:spPr>
           <a:xfrm>
             <a:off x="504000" y="1326600"/>
-            <a:ext cx="4426920" cy="1568160"/>
+            <a:ext cx="4426920" cy="1568520"/>
           </a:xfrm>
           <a:prstGeom prst="rect">
             <a:avLst/>
@@ -1448,7 +2949,7 @@
       </p:sp>
       <p:sp>
         <p:nvSpPr>
-          <p:cNvPr id="24" name="PlaceHolder 3"/>
+          <p:cNvPr id="21" name="PlaceHolder 3"/>
           <p:cNvSpPr>
             <a:spLocks noGrp="1"/>
           </p:cNvSpPr>
@@ -1459,7 +2960,7 @@
         <p:spPr>
           <a:xfrm>
             <a:off x="5152680" y="1326600"/>
-            <a:ext cx="4426920" cy="1568160"/>
+            <a:ext cx="4426920" cy="1568520"/>
           </a:xfrm>
           <a:prstGeom prst="rect">
             <a:avLst/>
@@ -1482,7 +2983,7 @@
       </p:sp>
       <p:sp>
         <p:nvSpPr>
-          <p:cNvPr id="25" name="PlaceHolder 4"/>
+          <p:cNvPr id="22" name="PlaceHolder 4"/>
           <p:cNvSpPr>
             <a:spLocks noGrp="1"/>
           </p:cNvSpPr>
@@ -1492,8 +2993,8 @@
         </p:nvSpPr>
         <p:spPr>
           <a:xfrm>
-            <a:off x="504000" y="3044160"/>
-            <a:ext cx="9071640" cy="1568160"/>
+            <a:off x="504000" y="3044520"/>
+            <a:ext cx="9072000" cy="1568520"/>
           </a:xfrm>
           <a:prstGeom prst="rect">
             <a:avLst/>
@@ -1549,7 +3050,7 @@
         <p:spPr>
           <a:xfrm>
             <a:off x="504000" y="226080"/>
-            <a:ext cx="9071640" cy="946440"/>
+            <a:ext cx="9070920" cy="945720"/>
           </a:xfrm>
           <a:prstGeom prst="rect">
             <a:avLst/>
@@ -1564,158 +3065,13 @@
             <a:noAutofit/>
           </a:bodyPr>
           <a:p>
-            <a:pPr algn="ctr"/>
-            <a:r>
-              <a:rPr b="0" lang="en-IN" sz="4400" spc="-1" strike="noStrike">
-                <a:latin typeface="Arial"/>
-              </a:rPr>
-              <a:t>C</a:t>
-            </a:r>
-            <a:r>
-              <a:rPr b="0" lang="en-IN" sz="4400" spc="-1" strike="noStrike">
-                <a:latin typeface="Arial"/>
-              </a:rPr>
-              <a:t>li</a:t>
-            </a:r>
-            <a:r>
-              <a:rPr b="0" lang="en-IN" sz="4400" spc="-1" strike="noStrike">
-                <a:latin typeface="Arial"/>
-              </a:rPr>
-              <a:t>c</a:t>
-            </a:r>
-            <a:r>
-              <a:rPr b="0" lang="en-IN" sz="4400" spc="-1" strike="noStrike">
-                <a:latin typeface="Arial"/>
-              </a:rPr>
-              <a:t>k </a:t>
-            </a:r>
-            <a:r>
-              <a:rPr b="0" lang="en-IN" sz="4400" spc="-1" strike="noStrike">
-                <a:latin typeface="Arial"/>
-              </a:rPr>
-              <a:t>t</a:t>
-            </a:r>
-            <a:r>
-              <a:rPr b="0" lang="en-IN" sz="4400" spc="-1" strike="noStrike">
-                <a:latin typeface="Arial"/>
-              </a:rPr>
-              <a:t>o </a:t>
-            </a:r>
-            <a:r>
-              <a:rPr b="0" lang="en-IN" sz="4400" spc="-1" strike="noStrike">
-                <a:latin typeface="Arial"/>
-              </a:rPr>
-              <a:t>e</a:t>
-            </a:r>
-            <a:r>
-              <a:rPr b="0" lang="en-IN" sz="4400" spc="-1" strike="noStrike">
-                <a:latin typeface="Arial"/>
-              </a:rPr>
-              <a:t>d</a:t>
-            </a:r>
-            <a:r>
-              <a:rPr b="0" lang="en-IN" sz="4400" spc="-1" strike="noStrike">
-                <a:latin typeface="Arial"/>
-              </a:rPr>
-              <a:t>it </a:t>
-            </a:r>
-            <a:r>
-              <a:rPr b="0" lang="en-IN" sz="4400" spc="-1" strike="noStrike">
-                <a:latin typeface="Arial"/>
-              </a:rPr>
-              <a:t>t</a:t>
-            </a:r>
-            <a:r>
-              <a:rPr b="0" lang="en-IN" sz="4400" spc="-1" strike="noStrike">
-                <a:latin typeface="Arial"/>
-              </a:rPr>
-              <a:t>h</a:t>
-            </a:r>
-            <a:r>
-              <a:rPr b="0" lang="en-IN" sz="4400" spc="-1" strike="noStrike">
-                <a:latin typeface="Arial"/>
-              </a:rPr>
-              <a:t>e </a:t>
-            </a:r>
-            <a:r>
-              <a:rPr b="0" lang="en-IN" sz="4400" spc="-1" strike="noStrike">
-                <a:latin typeface="Arial"/>
-              </a:rPr>
-              <a:t>ti</a:t>
-            </a:r>
-            <a:r>
-              <a:rPr b="0" lang="en-IN" sz="4400" spc="-1" strike="noStrike">
-                <a:latin typeface="Arial"/>
-              </a:rPr>
-              <a:t>tl</a:t>
-            </a:r>
-            <a:r>
-              <a:rPr b="0" lang="en-IN" sz="4400" spc="-1" strike="noStrike">
-                <a:latin typeface="Arial"/>
-              </a:rPr>
-              <a:t>e </a:t>
-            </a:r>
-            <a:r>
-              <a:rPr b="0" lang="en-IN" sz="4400" spc="-1" strike="noStrike">
-                <a:latin typeface="Arial"/>
-              </a:rPr>
-              <a:t>t</a:t>
-            </a:r>
-            <a:r>
-              <a:rPr b="0" lang="en-IN" sz="4400" spc="-1" strike="noStrike">
-                <a:latin typeface="Arial"/>
-              </a:rPr>
-              <a:t>e</a:t>
-            </a:r>
-            <a:r>
-              <a:rPr b="0" lang="en-IN" sz="4400" spc="-1" strike="noStrike">
-                <a:latin typeface="Arial"/>
-              </a:rPr>
-              <a:t>x</a:t>
-            </a:r>
-            <a:r>
-              <a:rPr b="0" lang="en-IN" sz="4400" spc="-1" strike="noStrike">
-                <a:latin typeface="Arial"/>
-              </a:rPr>
-              <a:t>t </a:t>
-            </a:r>
-            <a:r>
-              <a:rPr b="0" lang="en-IN" sz="4400" spc="-1" strike="noStrike">
-                <a:latin typeface="Arial"/>
-              </a:rPr>
-              <a:t>f</a:t>
-            </a:r>
-            <a:r>
-              <a:rPr b="0" lang="en-IN" sz="4400" spc="-1" strike="noStrike">
-                <a:latin typeface="Arial"/>
-              </a:rPr>
-              <a:t>o</a:t>
-            </a:r>
-            <a:r>
-              <a:rPr b="0" lang="en-IN" sz="4400" spc="-1" strike="noStrike">
-                <a:latin typeface="Arial"/>
-              </a:rPr>
-              <a:t>r</a:t>
-            </a:r>
-            <a:r>
-              <a:rPr b="0" lang="en-IN" sz="4400" spc="-1" strike="noStrike">
-                <a:latin typeface="Arial"/>
-              </a:rPr>
-              <a:t>m</a:t>
-            </a:r>
-            <a:r>
-              <a:rPr b="0" lang="en-IN" sz="4400" spc="-1" strike="noStrike">
-                <a:latin typeface="Arial"/>
-              </a:rPr>
-              <a:t>a</a:t>
-            </a:r>
-            <a:r>
-              <a:rPr b="0" lang="en-IN" sz="4400" spc="-1" strike="noStrike">
-                <a:latin typeface="Arial"/>
-              </a:rPr>
-              <a:t>t</a:t>
-            </a:r>
-            <a:endParaRPr b="0" lang="en-IN" sz="4400" spc="-1" strike="noStrike">
+            <a:r>
+              <a:rPr b="0" lang="en-IN" sz="1800" spc="-1" strike="noStrike">
+                <a:latin typeface="Arial"/>
+              </a:rPr>
+              <a:t>Click to edit the title text format</a:t>
+            </a:r>
+            <a:endParaRPr b="0" lang="en-IN" sz="1800" spc="-1" strike="noStrike">
               <a:latin typeface="Arial"/>
             </a:endParaRPr>
           </a:p>
@@ -1734,7 +3090,7 @@
         <p:spPr>
           <a:xfrm>
             <a:off x="504000" y="1326600"/>
-            <a:ext cx="9071640" cy="3288240"/>
+            <a:ext cx="9070920" cy="3287520"/>
           </a:xfrm>
           <a:prstGeom prst="rect">
             <a:avLst/>
@@ -1761,12 +3117,12 @@
               <a:buChar char=""/>
             </a:pPr>
             <a:r>
-              <a:rPr b="0" lang="en-IN" sz="3200" spc="-1" strike="noStrike">
+              <a:rPr b="0" lang="en-IN" sz="1800" spc="-1" strike="noStrike">
                 <a:latin typeface="Arial"/>
               </a:rPr>
               <a:t>Click to edit the outline text format</a:t>
             </a:r>
-            <a:endParaRPr b="0" lang="en-IN" sz="3200" spc="-1" strike="noStrike">
+            <a:endParaRPr b="0" lang="en-IN" sz="1800" spc="-1" strike="noStrike">
               <a:latin typeface="Arial"/>
             </a:endParaRPr>
           </a:p>
@@ -1783,12 +3139,12 @@
               <a:buChar char=""/>
             </a:pPr>
             <a:r>
-              <a:rPr b="0" lang="en-IN" sz="2800" spc="-1" strike="noStrike">
+              <a:rPr b="0" lang="en-IN" sz="1800" spc="-1" strike="noStrike">
                 <a:latin typeface="Arial"/>
               </a:rPr>
               <a:t>Second Outline Level</a:t>
             </a:r>
-            <a:endParaRPr b="0" lang="en-IN" sz="2800" spc="-1" strike="noStrike">
+            <a:endParaRPr b="0" lang="en-IN" sz="1800" spc="-1" strike="noStrike">
               <a:latin typeface="Arial"/>
             </a:endParaRPr>
           </a:p>
@@ -1805,12 +3161,12 @@
               <a:buChar char=""/>
             </a:pPr>
             <a:r>
-              <a:rPr b="0" lang="en-IN" sz="2400" spc="-1" strike="noStrike">
+              <a:rPr b="0" lang="en-IN" sz="1800" spc="-1" strike="noStrike">
                 <a:latin typeface="Arial"/>
               </a:rPr>
               <a:t>Third Outline Level</a:t>
             </a:r>
-            <a:endParaRPr b="0" lang="en-IN" sz="2400" spc="-1" strike="noStrike">
+            <a:endParaRPr b="0" lang="en-IN" sz="1800" spc="-1" strike="noStrike">
               <a:latin typeface="Arial"/>
             </a:endParaRPr>
           </a:p>
@@ -1827,12 +3183,12 @@
               <a:buChar char=""/>
             </a:pPr>
             <a:r>
-              <a:rPr b="0" lang="en-IN" sz="2000" spc="-1" strike="noStrike">
+              <a:rPr b="0" lang="en-IN" sz="1800" spc="-1" strike="noStrike">
                 <a:latin typeface="Arial"/>
               </a:rPr>
               <a:t>Fourth Outline Level</a:t>
             </a:r>
-            <a:endParaRPr b="0" lang="en-IN" sz="2000" spc="-1" strike="noStrike">
+            <a:endParaRPr b="0" lang="en-IN" sz="1800" spc="-1" strike="noStrike">
               <a:latin typeface="Arial"/>
             </a:endParaRPr>
           </a:p>
@@ -1849,12 +3205,12 @@
               <a:buChar char=""/>
             </a:pPr>
             <a:r>
-              <a:rPr b="0" lang="en-IN" sz="2000" spc="-1" strike="noStrike">
+              <a:rPr b="0" lang="en-IN" sz="1800" spc="-1" strike="noStrike">
                 <a:latin typeface="Arial"/>
               </a:rPr>
               <a:t>Fifth Outline Level</a:t>
             </a:r>
-            <a:endParaRPr b="0" lang="en-IN" sz="2000" spc="-1" strike="noStrike">
+            <a:endParaRPr b="0" lang="en-IN" sz="1800" spc="-1" strike="noStrike">
               <a:latin typeface="Arial"/>
             </a:endParaRPr>
           </a:p>
@@ -1871,12 +3227,12 @@
               <a:buChar char=""/>
             </a:pPr>
             <a:r>
-              <a:rPr b="0" lang="en-IN" sz="2000" spc="-1" strike="noStrike">
+              <a:rPr b="0" lang="en-IN" sz="1800" spc="-1" strike="noStrike">
                 <a:latin typeface="Arial"/>
               </a:rPr>
               <a:t>Sixth Outline Level</a:t>
             </a:r>
-            <a:endParaRPr b="0" lang="en-IN" sz="2000" spc="-1" strike="noStrike">
+            <a:endParaRPr b="0" lang="en-IN" sz="1800" spc="-1" strike="noStrike">
               <a:latin typeface="Arial"/>
             </a:endParaRPr>
           </a:p>
@@ -1893,135 +3249,13 @@
               <a:buChar char=""/>
             </a:pPr>
             <a:r>
-              <a:rPr b="0" lang="en-IN" sz="2000" spc="-1" strike="noStrike">
+              <a:rPr b="0" lang="en-IN" sz="1800" spc="-1" strike="noStrike">
                 <a:latin typeface="Arial"/>
               </a:rPr>
               <a:t>Seventh Outline Level</a:t>
             </a:r>
-            <a:endParaRPr b="0" lang="en-IN" sz="2000" spc="-1" strike="noStrike">
-              <a:latin typeface="Arial"/>
-            </a:endParaRPr>
-          </a:p>
-        </p:txBody>
-      </p:sp>
-      <p:sp>
-        <p:nvSpPr>
-          <p:cNvPr id="2" name="PlaceHolder 3"/>
-          <p:cNvSpPr>
-            <a:spLocks noGrp="1"/>
-          </p:cNvSpPr>
-          <p:nvPr>
-            <p:ph type="dt"/>
-          </p:nvPr>
-        </p:nvSpPr>
-        <p:spPr>
-          <a:xfrm>
-            <a:off x="504000" y="5165280"/>
-            <a:ext cx="2348280" cy="390600"/>
-          </a:xfrm>
-          <a:prstGeom prst="rect">
-            <a:avLst/>
-          </a:prstGeom>
-          <a:noFill/>
-          <a:ln w="0">
-            <a:noFill/>
-          </a:ln>
-        </p:spPr>
-        <p:txBody>
-          <a:bodyPr lIns="0" rIns="0" tIns="0" bIns="0" anchor="t">
-            <a:noAutofit/>
-          </a:bodyPr>
-          <a:p>
-            <a:r>
-              <a:rPr b="0" lang="en-IN" sz="1400" spc="-1" strike="noStrike">
-                <a:latin typeface="Times New Roman"/>
-              </a:rPr>
-              <a:t>&lt;date/time&gt;</a:t>
-            </a:r>
-            <a:endParaRPr b="0" lang="en-IN" sz="1400" spc="-1" strike="noStrike">
-              <a:latin typeface="Times New Roman"/>
-            </a:endParaRPr>
-          </a:p>
-        </p:txBody>
-      </p:sp>
-      <p:sp>
-        <p:nvSpPr>
-          <p:cNvPr id="3" name="PlaceHolder 4"/>
-          <p:cNvSpPr>
-            <a:spLocks noGrp="1"/>
-          </p:cNvSpPr>
-          <p:nvPr>
-            <p:ph type="ftr"/>
-          </p:nvPr>
-        </p:nvSpPr>
-        <p:spPr>
-          <a:xfrm>
-            <a:off x="3447360" y="5165280"/>
-            <a:ext cx="3195000" cy="390600"/>
-          </a:xfrm>
-          <a:prstGeom prst="rect">
-            <a:avLst/>
-          </a:prstGeom>
-          <a:noFill/>
-          <a:ln w="0">
-            <a:noFill/>
-          </a:ln>
-        </p:spPr>
-        <p:txBody>
-          <a:bodyPr lIns="0" rIns="0" tIns="0" bIns="0" anchor="t">
-            <a:noAutofit/>
-          </a:bodyPr>
-          <a:p>
-            <a:pPr algn="ctr"/>
-            <a:r>
-              <a:rPr b="0" lang="en-IN" sz="1400" spc="-1" strike="noStrike">
-                <a:latin typeface="Times New Roman"/>
-              </a:rPr>
-              <a:t>&lt;footer&gt;</a:t>
-            </a:r>
-            <a:endParaRPr b="0" lang="en-IN" sz="1400" spc="-1" strike="noStrike">
-              <a:latin typeface="Times New Roman"/>
-            </a:endParaRPr>
-          </a:p>
-        </p:txBody>
-      </p:sp>
-      <p:sp>
-        <p:nvSpPr>
-          <p:cNvPr id="4" name="PlaceHolder 5"/>
-          <p:cNvSpPr>
-            <a:spLocks noGrp="1"/>
-          </p:cNvSpPr>
-          <p:nvPr>
-            <p:ph type="sldNum"/>
-          </p:nvPr>
-        </p:nvSpPr>
-        <p:spPr>
-          <a:xfrm>
-            <a:off x="7227360" y="5165280"/>
-            <a:ext cx="2348280" cy="390600"/>
-          </a:xfrm>
-          <a:prstGeom prst="rect">
-            <a:avLst/>
-          </a:prstGeom>
-          <a:noFill/>
-          <a:ln w="0">
-            <a:noFill/>
-          </a:ln>
-        </p:spPr>
-        <p:txBody>
-          <a:bodyPr lIns="0" rIns="0" tIns="0" bIns="0" anchor="t">
-            <a:noAutofit/>
-          </a:bodyPr>
-          <a:p>
-            <a:pPr algn="r"/>
-            <a:fld id="{5CB731D2-DC1A-4541-83B9-82AB15D2C85D}" type="slidenum">
-              <a:rPr b="0" lang="en-IN" sz="1400" spc="-1" strike="noStrike">
-                <a:latin typeface="Times New Roman"/>
-              </a:rPr>
-              <a:t>&lt;number&gt;</a:t>
-            </a:fld>
-            <a:endParaRPr b="0" lang="en-IN" sz="1400" spc="-1" strike="noStrike">
-              <a:latin typeface="Times New Roman"/>
+            <a:endParaRPr b="0" lang="en-IN" sz="1800" spc="-1" strike="noStrike">
+              <a:latin typeface="Arial"/>
             </a:endParaRPr>
           </a:p>
         </p:txBody>
@@ -2042,6 +3276,267 @@
     <p:sldLayoutId id="2147483658" r:id="rId11"/>
     <p:sldLayoutId id="2147483659" r:id="rId12"/>
     <p:sldLayoutId id="2147483660" r:id="rId13"/>
+  </p:sldLayoutIdLst>
+</p:sldMaster>
+</file>
+
+<file path=ppt/slideMasters/slideMaster2.xml><?xml version="1.0" encoding="utf-8"?>
+<p:sldMaster xmlns:a="http://schemas.openxmlformats.org/drawingml/2006/main" xmlns:p="http://schemas.openxmlformats.org/presentationml/2006/main" xmlns:r="http://schemas.openxmlformats.org/officeDocument/2006/relationships" xmlns:p14="http://schemas.microsoft.com/office/powerpoint/2010/main" xmlns:p15="http://schemas.microsoft.com/office/powerpoint/2012/main" xmlns:mc="http://schemas.openxmlformats.org/markup-compatibility/2006">
+  <p:cSld>
+    <p:spTree>
+      <p:nvGrpSpPr>
+        <p:cNvPr id="1" name=""/>
+        <p:cNvGrpSpPr/>
+        <p:nvPr/>
+      </p:nvGrpSpPr>
+      <p:grpSpPr>
+        <a:xfrm>
+          <a:off x="0" y="0"/>
+          <a:ext cx="0" cy="0"/>
+          <a:chOff x="0" y="0"/>
+          <a:chExt cx="0" cy="0"/>
+        </a:xfrm>
+      </p:grpSpPr>
+      <p:sp>
+        <p:nvSpPr>
+          <p:cNvPr id="38" name="PlaceHolder 1"/>
+          <p:cNvSpPr>
+            <a:spLocks noGrp="1"/>
+          </p:cNvSpPr>
+          <p:nvPr>
+            <p:ph type="title"/>
+          </p:nvPr>
+        </p:nvSpPr>
+        <p:spPr>
+          <a:xfrm>
+            <a:off x="504000" y="226080"/>
+            <a:ext cx="9072000" cy="946440"/>
+          </a:xfrm>
+          <a:prstGeom prst="rect">
+            <a:avLst/>
+          </a:prstGeom>
+          <a:noFill/>
+          <a:ln w="0">
+            <a:noFill/>
+          </a:ln>
+        </p:spPr>
+        <p:txBody>
+          <a:bodyPr lIns="0" rIns="0" tIns="0" bIns="0" anchor="ctr">
+            <a:noAutofit/>
+          </a:bodyPr>
+          <a:p>
+            <a:pPr algn="ctr"/>
+            <a:r>
+              <a:rPr b="0" lang="en-IN" sz="4400" spc="-1" strike="noStrike">
+                <a:latin typeface="Arial"/>
+              </a:rPr>
+              <a:t>Click to edit the title text format</a:t>
+            </a:r>
+            <a:endParaRPr b="0" lang="en-IN" sz="4400" spc="-1" strike="noStrike">
+              <a:latin typeface="Arial"/>
+            </a:endParaRPr>
+          </a:p>
+        </p:txBody>
+      </p:sp>
+      <p:sp>
+        <p:nvSpPr>
+          <p:cNvPr id="39" name="PlaceHolder 2"/>
+          <p:cNvSpPr>
+            <a:spLocks noGrp="1"/>
+          </p:cNvSpPr>
+          <p:nvPr>
+            <p:ph type="body"/>
+          </p:nvPr>
+        </p:nvSpPr>
+        <p:spPr>
+          <a:xfrm>
+            <a:off x="504000" y="1326600"/>
+            <a:ext cx="9072000" cy="3288600"/>
+          </a:xfrm>
+          <a:prstGeom prst="rect">
+            <a:avLst/>
+          </a:prstGeom>
+          <a:noFill/>
+          <a:ln w="0">
+            <a:noFill/>
+          </a:ln>
+        </p:spPr>
+        <p:txBody>
+          <a:bodyPr lIns="0" rIns="0" tIns="0" bIns="0" anchor="t">
+            <a:normAutofit/>
+          </a:bodyPr>
+          <a:p>
+            <a:pPr marL="432000" indent="-324000">
+              <a:spcBef>
+                <a:spcPts val="1417"/>
+              </a:spcBef>
+              <a:buClr>
+                <a:srgbClr val="000000"/>
+              </a:buClr>
+              <a:buSzPct val="45000"/>
+              <a:buFont typeface="Wingdings" charset="2"/>
+              <a:buChar char=""/>
+            </a:pPr>
+            <a:r>
+              <a:rPr b="0" lang="en-IN" sz="3200" spc="-1" strike="noStrike">
+                <a:latin typeface="Arial"/>
+              </a:rPr>
+              <a:t>Click to edit the outline text format</a:t>
+            </a:r>
+            <a:endParaRPr b="0" lang="en-IN" sz="3200" spc="-1" strike="noStrike">
+              <a:latin typeface="Arial"/>
+            </a:endParaRPr>
+          </a:p>
+          <a:p>
+            <a:pPr lvl="1" marL="864000" indent="-324000">
+              <a:spcBef>
+                <a:spcPts val="1134"/>
+              </a:spcBef>
+              <a:buClr>
+                <a:srgbClr val="000000"/>
+              </a:buClr>
+              <a:buSzPct val="75000"/>
+              <a:buFont typeface="Symbol" charset="2"/>
+              <a:buChar char=""/>
+            </a:pPr>
+            <a:r>
+              <a:rPr b="0" lang="en-IN" sz="2800" spc="-1" strike="noStrike">
+                <a:latin typeface="Arial"/>
+              </a:rPr>
+              <a:t>Second Outline Level</a:t>
+            </a:r>
+            <a:endParaRPr b="0" lang="en-IN" sz="2800" spc="-1" strike="noStrike">
+              <a:latin typeface="Arial"/>
+            </a:endParaRPr>
+          </a:p>
+          <a:p>
+            <a:pPr lvl="2" marL="1296000" indent="-288000">
+              <a:spcBef>
+                <a:spcPts val="850"/>
+              </a:spcBef>
+              <a:buClr>
+                <a:srgbClr val="000000"/>
+              </a:buClr>
+              <a:buSzPct val="45000"/>
+              <a:buFont typeface="Wingdings" charset="2"/>
+              <a:buChar char=""/>
+            </a:pPr>
+            <a:r>
+              <a:rPr b="0" lang="en-IN" sz="2400" spc="-1" strike="noStrike">
+                <a:latin typeface="Arial"/>
+              </a:rPr>
+              <a:t>Third Outline Level</a:t>
+            </a:r>
+            <a:endParaRPr b="0" lang="en-IN" sz="2400" spc="-1" strike="noStrike">
+              <a:latin typeface="Arial"/>
+            </a:endParaRPr>
+          </a:p>
+          <a:p>
+            <a:pPr lvl="3" marL="1728000" indent="-216000">
+              <a:spcBef>
+                <a:spcPts val="567"/>
+              </a:spcBef>
+              <a:buClr>
+                <a:srgbClr val="000000"/>
+              </a:buClr>
+              <a:buSzPct val="75000"/>
+              <a:buFont typeface="Symbol" charset="2"/>
+              <a:buChar char=""/>
+            </a:pPr>
+            <a:r>
+              <a:rPr b="0" lang="en-IN" sz="2000" spc="-1" strike="noStrike">
+                <a:latin typeface="Arial"/>
+              </a:rPr>
+              <a:t>Fourth Outline Level</a:t>
+            </a:r>
+            <a:endParaRPr b="0" lang="en-IN" sz="2000" spc="-1" strike="noStrike">
+              <a:latin typeface="Arial"/>
+            </a:endParaRPr>
+          </a:p>
+          <a:p>
+            <a:pPr lvl="4" marL="2160000" indent="-216000">
+              <a:spcBef>
+                <a:spcPts val="283"/>
+              </a:spcBef>
+              <a:buClr>
+                <a:srgbClr val="000000"/>
+              </a:buClr>
+              <a:buSzPct val="45000"/>
+              <a:buFont typeface="Wingdings" charset="2"/>
+              <a:buChar char=""/>
+            </a:pPr>
+            <a:r>
+              <a:rPr b="0" lang="en-IN" sz="2000" spc="-1" strike="noStrike">
+                <a:latin typeface="Arial"/>
+              </a:rPr>
+              <a:t>Fifth Outline Level</a:t>
+            </a:r>
+            <a:endParaRPr b="0" lang="en-IN" sz="2000" spc="-1" strike="noStrike">
+              <a:latin typeface="Arial"/>
+            </a:endParaRPr>
+          </a:p>
+          <a:p>
+            <a:pPr lvl="5" marL="2592000" indent="-216000">
+              <a:spcBef>
+                <a:spcPts val="283"/>
+              </a:spcBef>
+              <a:buClr>
+                <a:srgbClr val="000000"/>
+              </a:buClr>
+              <a:buSzPct val="45000"/>
+              <a:buFont typeface="Wingdings" charset="2"/>
+              <a:buChar char=""/>
+            </a:pPr>
+            <a:r>
+              <a:rPr b="0" lang="en-IN" sz="2000" spc="-1" strike="noStrike">
+                <a:latin typeface="Arial"/>
+              </a:rPr>
+              <a:t>Sixth Outline Level</a:t>
+            </a:r>
+            <a:endParaRPr b="0" lang="en-IN" sz="2000" spc="-1" strike="noStrike">
+              <a:latin typeface="Arial"/>
+            </a:endParaRPr>
+          </a:p>
+          <a:p>
+            <a:pPr lvl="6" marL="3024000" indent="-216000">
+              <a:spcBef>
+                <a:spcPts val="283"/>
+              </a:spcBef>
+              <a:buClr>
+                <a:srgbClr val="000000"/>
+              </a:buClr>
+              <a:buSzPct val="45000"/>
+              <a:buFont typeface="Wingdings" charset="2"/>
+              <a:buChar char=""/>
+            </a:pPr>
+            <a:r>
+              <a:rPr b="0" lang="en-IN" sz="2000" spc="-1" strike="noStrike">
+                <a:latin typeface="Arial"/>
+              </a:rPr>
+              <a:t>Seventh Outline Level</a:t>
+            </a:r>
+            <a:endParaRPr b="0" lang="en-IN" sz="2000" spc="-1" strike="noStrike">
+              <a:latin typeface="Arial"/>
+            </a:endParaRPr>
+          </a:p>
+        </p:txBody>
+      </p:sp>
+    </p:spTree>
+  </p:cSld>
+  <p:clrMap bg1="lt1" bg2="lt2" tx1="dk1" tx2="dk2" accent1="accent1" accent2="accent2" accent3="accent3" accent4="accent4" accent5="accent5" accent6="accent6" hlink="hlink" folHlink="folHlink"/>
+  <p:sldLayoutIdLst>
+    <p:sldLayoutId id="2147483662" r:id="rId2"/>
+    <p:sldLayoutId id="2147483663" r:id="rId3"/>
+    <p:sldLayoutId id="2147483664" r:id="rId4"/>
+    <p:sldLayoutId id="2147483665" r:id="rId5"/>
+    <p:sldLayoutId id="2147483666" r:id="rId6"/>
+    <p:sldLayoutId id="2147483667" r:id="rId7"/>
+    <p:sldLayoutId id="2147483668" r:id="rId8"/>
+    <p:sldLayoutId id="2147483669" r:id="rId9"/>
+    <p:sldLayoutId id="2147483670" r:id="rId10"/>
+    <p:sldLayoutId id="2147483671" r:id="rId11"/>
+    <p:sldLayoutId id="2147483672" r:id="rId12"/>
+    <p:sldLayoutId id="2147483673" r:id="rId13"/>
   </p:sldLayoutIdLst>
 </p:sldMaster>
 </file>
@@ -2065,7 +3560,7 @@
       </p:grpSpPr>
       <p:sp>
         <p:nvSpPr>
-          <p:cNvPr id="41" name="PlaceHolder 1"/>
+          <p:cNvPr id="76" name="PlaceHolder 1"/>
           <p:cNvSpPr>
             <a:spLocks noGrp="1"/>
           </p:cNvSpPr>
@@ -2076,7 +3571,7 @@
         <p:spPr>
           <a:xfrm>
             <a:off x="504000" y="74160"/>
-            <a:ext cx="9071640" cy="1250280"/>
+            <a:ext cx="9070920" cy="1249560"/>
           </a:xfrm>
           <a:prstGeom prst="rect">
             <a:avLst/>
@@ -2091,7 +3586,11 @@
             <a:noAutofit/>
           </a:bodyPr>
           <a:p>
-            <a:pPr algn="ctr"/>
+            <a:pPr algn="ctr">
+              <a:lnSpc>
+                <a:spcPct val="100000"/>
+              </a:lnSpc>
+            </a:pPr>
             <a:r>
               <a:rPr b="0" lang="en-IN" sz="4400" spc="-1" strike="noStrike">
                 <a:solidFill>
@@ -2109,21 +3608,19 @@
                   <a:srgbClr val="2a6099"/>
                 </a:solidFill>
                 <a:latin typeface="Arial"/>
+                <a:ea typeface="Noto Sans CJK SC"/>
               </a:rPr>
               <a:t>SQS and SES</a:t>
             </a:r>
             <a:endParaRPr b="0" lang="en-IN" sz="4400" spc="-1" strike="noStrike">
-              <a:solidFill>
-                <a:srgbClr val="2a6099"/>
-              </a:solidFill>
-              <a:latin typeface="Arial"/>
-            </a:endParaRPr>
-          </a:p>
-        </p:txBody>
-      </p:sp>
-      <p:sp>
-        <p:nvSpPr>
-          <p:cNvPr id="42" name="PlaceHolder 2"/>
+              <a:latin typeface="Arial"/>
+            </a:endParaRPr>
+          </a:p>
+        </p:txBody>
+      </p:sp>
+      <p:sp>
+        <p:nvSpPr>
+          <p:cNvPr id="77" name="PlaceHolder 2"/>
           <p:cNvSpPr>
             <a:spLocks noGrp="1"/>
           </p:cNvSpPr>
@@ -2134,7 +3631,7 @@
         <p:spPr>
           <a:xfrm>
             <a:off x="504000" y="1326600"/>
-            <a:ext cx="9071640" cy="3288240"/>
+            <a:ext cx="9070920" cy="3287520"/>
           </a:xfrm>
           <a:prstGeom prst="rect">
             <a:avLst/>
@@ -2149,6 +3646,11 @@
             <a:noAutofit/>
           </a:bodyPr>
           <a:p>
+            <a:pPr>
+              <a:lnSpc>
+                <a:spcPct val="100000"/>
+              </a:lnSpc>
+            </a:pPr>
             <a:r>
               <a:rPr b="0" lang="en-IN" sz="3200" spc="-1" strike="noStrike">
                 <a:solidFill>
@@ -2163,12 +3665,20 @@
             </a:endParaRPr>
           </a:p>
           <a:p>
+            <a:pPr>
+              <a:lnSpc>
+                <a:spcPct val="100000"/>
+              </a:lnSpc>
+            </a:pPr>
             <a:endParaRPr b="0" lang="en-IN" sz="3200" spc="-1" strike="noStrike">
               <a:latin typeface="Arial"/>
             </a:endParaRPr>
           </a:p>
           <a:p>
             <a:pPr marL="216000" indent="-216000">
+              <a:lnSpc>
+                <a:spcPct val="100000"/>
+              </a:lnSpc>
               <a:buClr>
                 <a:srgbClr val="000000"/>
               </a:buClr>
@@ -2193,6 +3703,9 @@
           </a:p>
           <a:p>
             <a:pPr marL="216000" indent="-216000">
+              <a:lnSpc>
+                <a:spcPct val="100000"/>
+              </a:lnSpc>
               <a:buClr>
                 <a:srgbClr val="000000"/>
               </a:buClr>
@@ -2249,7 +3762,7 @@
       </p:grpSpPr>
       <p:pic>
         <p:nvPicPr>
-          <p:cNvPr id="43" name="" descr=""/>
+          <p:cNvPr id="78" name="" descr=""/>
           <p:cNvPicPr/>
           <p:nvPr/>
         </p:nvPicPr>
@@ -2260,7 +3773,7 @@
         <p:spPr>
           <a:xfrm>
             <a:off x="0" y="-11520"/>
-            <a:ext cx="4140000" cy="1679400"/>
+            <a:ext cx="4139280" cy="1678680"/>
           </a:xfrm>
           <a:prstGeom prst="rect">
             <a:avLst/>
@@ -2274,7 +3787,7 @@
       </p:pic>
       <p:pic>
         <p:nvPicPr>
-          <p:cNvPr id="44" name="" descr=""/>
+          <p:cNvPr id="79" name="" descr=""/>
           <p:cNvPicPr/>
           <p:nvPr/>
         </p:nvPicPr>
@@ -2286,7 +3799,7 @@
         <p:spPr>
           <a:xfrm>
             <a:off x="4500000" y="0"/>
-            <a:ext cx="4095000" cy="1799640"/>
+            <a:ext cx="4094280" cy="1798920"/>
           </a:xfrm>
           <a:prstGeom prst="rect">
             <a:avLst/>
@@ -2300,14 +3813,14 @@
       </p:pic>
       <p:sp>
         <p:nvSpPr>
-          <p:cNvPr id="45" name=""/>
+          <p:cNvPr id="80" name=""/>
           <p:cNvSpPr/>
           <p:nvPr/>
         </p:nvSpPr>
         <p:spPr>
           <a:xfrm>
             <a:off x="756000" y="180000"/>
-            <a:ext cx="360000" cy="360000"/>
+            <a:ext cx="359280" cy="359280"/>
           </a:xfrm>
           <a:prstGeom prst="wedgeEllipseCallout">
             <a:avLst>
@@ -2335,10 +3848,18 @@
             <a:noAutofit/>
           </a:bodyPr>
           <a:p>
-            <a:pPr algn="ctr"/>
+            <a:pPr algn="ctr">
+              <a:lnSpc>
+                <a:spcPct val="100000"/>
+              </a:lnSpc>
+            </a:pPr>
             <a:r>
               <a:rPr b="0" lang="en-IN" sz="1800" spc="-1" strike="noStrike">
-                <a:latin typeface="Arial"/>
+                <a:solidFill>
+                  <a:srgbClr val="ffffff"/>
+                </a:solidFill>
+                <a:latin typeface="Arial"/>
+                <a:ea typeface="DejaVu Sans"/>
               </a:rPr>
               <a:t>1</a:t>
             </a:r>
@@ -2350,14 +3871,14 @@
       </p:sp>
       <p:sp>
         <p:nvSpPr>
-          <p:cNvPr id="46" name=""/>
+          <p:cNvPr id="81" name=""/>
           <p:cNvSpPr/>
           <p:nvPr/>
         </p:nvSpPr>
         <p:spPr>
           <a:xfrm>
             <a:off x="2965320" y="666720"/>
-            <a:ext cx="360000" cy="360000"/>
+            <a:ext cx="359280" cy="359280"/>
           </a:xfrm>
           <a:prstGeom prst="wedgeEllipseCallout">
             <a:avLst>
@@ -2385,10 +3906,18 @@
             <a:noAutofit/>
           </a:bodyPr>
           <a:p>
-            <a:pPr algn="ctr"/>
+            <a:pPr algn="ctr">
+              <a:lnSpc>
+                <a:spcPct val="100000"/>
+              </a:lnSpc>
+            </a:pPr>
             <a:r>
               <a:rPr b="0" lang="en-IN" sz="1800" spc="-1" strike="noStrike">
-                <a:latin typeface="Arial"/>
+                <a:solidFill>
+                  <a:srgbClr val="ffffff"/>
+                </a:solidFill>
+                <a:latin typeface="Arial"/>
+                <a:ea typeface="DejaVu Sans"/>
               </a:rPr>
               <a:t>2</a:t>
             </a:r>
@@ -2400,14 +3929,14 @@
       </p:sp>
       <p:sp>
         <p:nvSpPr>
-          <p:cNvPr id="47" name=""/>
+          <p:cNvPr id="82" name=""/>
           <p:cNvSpPr/>
           <p:nvPr/>
         </p:nvSpPr>
         <p:spPr>
           <a:xfrm>
             <a:off x="5940000" y="1404000"/>
-            <a:ext cx="360000" cy="360000"/>
+            <a:ext cx="359280" cy="359280"/>
           </a:xfrm>
           <a:prstGeom prst="wedgeEllipseCallout">
             <a:avLst>
@@ -2435,10 +3964,18 @@
             <a:noAutofit/>
           </a:bodyPr>
           <a:p>
-            <a:pPr algn="ctr"/>
+            <a:pPr algn="ctr">
+              <a:lnSpc>
+                <a:spcPct val="100000"/>
+              </a:lnSpc>
+            </a:pPr>
             <a:r>
               <a:rPr b="0" lang="en-IN" sz="1800" spc="-1" strike="noStrike">
-                <a:latin typeface="Arial"/>
+                <a:solidFill>
+                  <a:srgbClr val="ffffff"/>
+                </a:solidFill>
+                <a:latin typeface="Arial"/>
+                <a:ea typeface="DejaVu Sans"/>
               </a:rPr>
               <a:t>3</a:t>
             </a:r>
@@ -2450,14 +3987,14 @@
       </p:sp>
       <p:sp>
         <p:nvSpPr>
-          <p:cNvPr id="48" name=""/>
+          <p:cNvPr id="83" name=""/>
           <p:cNvSpPr/>
           <p:nvPr/>
         </p:nvSpPr>
         <p:spPr>
           <a:xfrm>
             <a:off x="5040000" y="4680000"/>
-            <a:ext cx="360000" cy="360000"/>
+            <a:ext cx="359280" cy="359280"/>
           </a:xfrm>
           <a:prstGeom prst="wedgeEllipseCallout">
             <a:avLst>
@@ -2485,10 +4022,18 @@
             <a:noAutofit/>
           </a:bodyPr>
           <a:p>
-            <a:pPr algn="ctr"/>
+            <a:pPr algn="ctr">
+              <a:lnSpc>
+                <a:spcPct val="100000"/>
+              </a:lnSpc>
+            </a:pPr>
             <a:r>
               <a:rPr b="0" lang="en-IN" sz="1800" spc="-1" strike="noStrike">
-                <a:latin typeface="Arial"/>
+                <a:solidFill>
+                  <a:srgbClr val="000000"/>
+                </a:solidFill>
+                <a:latin typeface="Arial"/>
+                <a:ea typeface="DejaVu Sans"/>
               </a:rPr>
               <a:t>4</a:t>
             </a:r>
@@ -2500,7 +4045,7 @@
       </p:sp>
       <p:pic>
         <p:nvPicPr>
-          <p:cNvPr id="49" name="" descr=""/>
+          <p:cNvPr id="84" name="" descr=""/>
           <p:cNvPicPr/>
           <p:nvPr/>
         </p:nvPicPr>
@@ -2511,7 +4056,7 @@
         <p:spPr>
           <a:xfrm>
             <a:off x="0" y="2817360"/>
-            <a:ext cx="7380000" cy="2852640"/>
+            <a:ext cx="7379280" cy="2851920"/>
           </a:xfrm>
           <a:prstGeom prst="rect">
             <a:avLst/>
@@ -2525,14 +4070,14 @@
       </p:pic>
       <p:sp>
         <p:nvSpPr>
-          <p:cNvPr id="50" name=""/>
+          <p:cNvPr id="85" name=""/>
           <p:cNvSpPr/>
           <p:nvPr/>
         </p:nvSpPr>
         <p:spPr>
           <a:xfrm>
             <a:off x="900000" y="5220000"/>
-            <a:ext cx="360000" cy="360000"/>
+            <a:ext cx="359280" cy="359280"/>
           </a:xfrm>
           <a:prstGeom prst="wedgeEllipseCallout">
             <a:avLst>
@@ -2560,10 +4105,18 @@
             <a:noAutofit/>
           </a:bodyPr>
           <a:p>
-            <a:pPr algn="ctr"/>
+            <a:pPr algn="ctr">
+              <a:lnSpc>
+                <a:spcPct val="100000"/>
+              </a:lnSpc>
+            </a:pPr>
             <a:r>
               <a:rPr b="0" lang="en-IN" sz="1800" spc="-1" strike="noStrike">
-                <a:latin typeface="Arial"/>
+                <a:solidFill>
+                  <a:srgbClr val="ffffff"/>
+                </a:solidFill>
+                <a:latin typeface="Arial"/>
+                <a:ea typeface="DejaVu Sans"/>
               </a:rPr>
               <a:t>5</a:t>
             </a:r>
@@ -2575,14 +4128,14 @@
       </p:sp>
       <p:sp>
         <p:nvSpPr>
-          <p:cNvPr id="51" name=""/>
-          <p:cNvSpPr txBox="1"/>
+          <p:cNvPr id="86" name=""/>
+          <p:cNvSpPr/>
           <p:nvPr/>
         </p:nvSpPr>
         <p:spPr>
           <a:xfrm>
             <a:off x="7560000" y="4140000"/>
-            <a:ext cx="2340000" cy="1360440"/>
+            <a:ext cx="2339280" cy="1359720"/>
           </a:xfrm>
           <a:prstGeom prst="rect">
             <a:avLst/>
@@ -2596,12 +4149,21 @@
             </a:solidFill>
           </a:ln>
         </p:spPr>
+        <p:style>
+          <a:lnRef idx="0"/>
+          <a:fillRef idx="0"/>
+          <a:effectRef idx="0"/>
+          <a:fontRef idx="minor"/>
+        </p:style>
         <p:txBody>
           <a:bodyPr lIns="90000" rIns="90000" tIns="45000" bIns="45000" anchor="t">
             <a:noAutofit/>
           </a:bodyPr>
           <a:p>
             <a:pPr marL="216000" indent="-216000">
+              <a:lnSpc>
+                <a:spcPct val="100000"/>
+              </a:lnSpc>
               <a:buClr>
                 <a:srgbClr val="000000"/>
               </a:buClr>
@@ -2610,7 +4172,11 @@
             </a:pPr>
             <a:r>
               <a:rPr b="0" lang="en-IN" sz="1500" spc="-1" strike="noStrike">
-                <a:latin typeface="Arial"/>
+                <a:solidFill>
+                  <a:srgbClr val="ffffff"/>
+                </a:solidFill>
+                <a:latin typeface="Arial"/>
+                <a:ea typeface="DejaVu Sans"/>
               </a:rPr>
               <a:t>Search for “SQS”</a:t>
             </a:r>
@@ -2620,6 +4186,9 @@
           </a:p>
           <a:p>
             <a:pPr marL="216000" indent="-216000">
+              <a:lnSpc>
+                <a:spcPct val="100000"/>
+              </a:lnSpc>
               <a:buClr>
                 <a:srgbClr val="000000"/>
               </a:buClr>
@@ -2628,7 +4197,11 @@
             </a:pPr>
             <a:r>
               <a:rPr b="0" lang="en-IN" sz="1500" spc="-1" strike="noStrike">
-                <a:latin typeface="Arial"/>
+                <a:solidFill>
+                  <a:srgbClr val="ffffff"/>
+                </a:solidFill>
+                <a:latin typeface="Arial"/>
+                <a:ea typeface="DejaVu Sans"/>
               </a:rPr>
               <a:t>Select and open SQS</a:t>
             </a:r>
@@ -2638,6 +4211,9 @@
           </a:p>
           <a:p>
             <a:pPr marL="216000" indent="-216000">
+              <a:lnSpc>
+                <a:spcPct val="100000"/>
+              </a:lnSpc>
               <a:buClr>
                 <a:srgbClr val="000000"/>
               </a:buClr>
@@ -2646,7 +4222,11 @@
             </a:pPr>
             <a:r>
               <a:rPr b="0" lang="en-IN" sz="1500" spc="-1" strike="noStrike">
-                <a:latin typeface="Arial"/>
+                <a:solidFill>
+                  <a:srgbClr val="ffffff"/>
+                </a:solidFill>
+                <a:latin typeface="Arial"/>
+                <a:ea typeface="DejaVu Sans"/>
               </a:rPr>
               <a:t>Click on Create Queue</a:t>
             </a:r>
@@ -2656,6 +4236,9 @@
           </a:p>
           <a:p>
             <a:pPr marL="216000" indent="-216000">
+              <a:lnSpc>
+                <a:spcPct val="100000"/>
+              </a:lnSpc>
               <a:buClr>
                 <a:srgbClr val="000000"/>
               </a:buClr>
@@ -2664,7 +4247,11 @@
             </a:pPr>
             <a:r>
               <a:rPr b="0" lang="en-IN" sz="1500" spc="-1" strike="noStrike">
-                <a:latin typeface="Arial"/>
+                <a:solidFill>
+                  <a:srgbClr val="ffffff"/>
+                </a:solidFill>
+                <a:latin typeface="Arial"/>
+                <a:ea typeface="DejaVu Sans"/>
               </a:rPr>
               <a:t>Select FIFO as type</a:t>
             </a:r>
@@ -2674,6 +4261,9 @@
           </a:p>
           <a:p>
             <a:pPr marL="216000" indent="-216000">
+              <a:lnSpc>
+                <a:spcPct val="100000"/>
+              </a:lnSpc>
               <a:buClr>
                 <a:srgbClr val="000000"/>
               </a:buClr>
@@ -2682,7 +4272,11 @@
             </a:pPr>
             <a:r>
               <a:rPr b="0" lang="en-IN" sz="1500" spc="-1" strike="noStrike">
-                <a:latin typeface="Arial"/>
+                <a:solidFill>
+                  <a:srgbClr val="ffffff"/>
+                </a:solidFill>
+                <a:latin typeface="Arial"/>
+                <a:ea typeface="DejaVu Sans"/>
               </a:rPr>
               <a:t>Give it a name ending with “.fifo”</a:t>
             </a:r>
@@ -2724,14 +4318,14 @@
       </p:grpSpPr>
       <p:sp>
         <p:nvSpPr>
-          <p:cNvPr id="52" name=""/>
+          <p:cNvPr id="87" name=""/>
           <p:cNvSpPr/>
           <p:nvPr/>
         </p:nvSpPr>
         <p:spPr>
           <a:xfrm>
             <a:off x="5940000" y="1404000"/>
-            <a:ext cx="360000" cy="360000"/>
+            <a:ext cx="359280" cy="359280"/>
           </a:xfrm>
           <a:prstGeom prst="wedgeEllipseCallout">
             <a:avLst>
@@ -2759,10 +4353,18 @@
             <a:noAutofit/>
           </a:bodyPr>
           <a:p>
-            <a:pPr algn="ctr"/>
+            <a:pPr algn="ctr">
+              <a:lnSpc>
+                <a:spcPct val="100000"/>
+              </a:lnSpc>
+            </a:pPr>
             <a:r>
               <a:rPr b="0" lang="en-IN" sz="1800" spc="-1" strike="noStrike">
-                <a:latin typeface="Arial"/>
+                <a:solidFill>
+                  <a:srgbClr val="000000"/>
+                </a:solidFill>
+                <a:latin typeface="Arial"/>
+                <a:ea typeface="DejaVu Sans"/>
               </a:rPr>
               <a:t>3</a:t>
             </a:r>
@@ -2774,7 +4376,7 @@
       </p:sp>
       <p:pic>
         <p:nvPicPr>
-          <p:cNvPr id="53" name="" descr=""/>
+          <p:cNvPr id="88" name="" descr=""/>
           <p:cNvPicPr/>
           <p:nvPr/>
         </p:nvPicPr>
@@ -2785,7 +4387,7 @@
         <p:spPr>
           <a:xfrm>
             <a:off x="0" y="0"/>
-            <a:ext cx="7890840" cy="2067120"/>
+            <a:ext cx="7890120" cy="2066400"/>
           </a:xfrm>
           <a:prstGeom prst="rect">
             <a:avLst/>
@@ -2799,14 +4401,14 @@
       </p:pic>
       <p:sp>
         <p:nvSpPr>
-          <p:cNvPr id="54" name=""/>
+          <p:cNvPr id="89" name=""/>
           <p:cNvSpPr/>
           <p:nvPr/>
         </p:nvSpPr>
         <p:spPr>
           <a:xfrm>
             <a:off x="1620000" y="1260000"/>
-            <a:ext cx="360000" cy="360000"/>
+            <a:ext cx="359280" cy="359280"/>
           </a:xfrm>
           <a:prstGeom prst="wedgeEllipseCallout">
             <a:avLst>
@@ -2834,10 +4436,18 @@
             <a:noAutofit/>
           </a:bodyPr>
           <a:p>
-            <a:pPr algn="ctr"/>
+            <a:pPr algn="ctr">
+              <a:lnSpc>
+                <a:spcPct val="100000"/>
+              </a:lnSpc>
+            </a:pPr>
             <a:r>
               <a:rPr b="0" lang="en-IN" sz="1800" spc="-1" strike="noStrike">
-                <a:latin typeface="Arial"/>
+                <a:solidFill>
+                  <a:srgbClr val="ffffff"/>
+                </a:solidFill>
+                <a:latin typeface="Arial"/>
+                <a:ea typeface="DejaVu Sans"/>
               </a:rPr>
               <a:t>6</a:t>
             </a:r>
@@ -2849,82 +4459,17 @@
       </p:sp>
       <p:sp>
         <p:nvSpPr>
-          <p:cNvPr id="55" name=""/>
-          <p:cNvSpPr txBox="1"/>
-          <p:nvPr/>
-        </p:nvSpPr>
-        <p:spPr>
-          <a:xfrm>
-            <a:off x="7560000" y="4320360"/>
-            <a:ext cx="2340000" cy="937080"/>
-          </a:xfrm>
-          <a:prstGeom prst="rect">
-            <a:avLst/>
-          </a:prstGeom>
-          <a:solidFill>
-            <a:srgbClr val="111111"/>
-          </a:solidFill>
-          <a:ln w="0">
-            <a:solidFill>
-              <a:srgbClr val="ff0000"/>
-            </a:solidFill>
-          </a:ln>
-        </p:spPr>
-        <p:txBody>
-          <a:bodyPr lIns="90000" rIns="90000" tIns="45000" bIns="45000" anchor="t">
-            <a:noAutofit/>
-          </a:bodyPr>
-          <a:p>
-            <a:r>
-              <a:rPr b="0" lang="en-IN" sz="1500" spc="-1" strike="noStrike">
-                <a:latin typeface="Arial"/>
-              </a:rPr>
-              <a:t>6. Create tags as needed</a:t>
-            </a:r>
-            <a:endParaRPr b="0" lang="en-IN" sz="1500" spc="-1" strike="noStrike">
-              <a:latin typeface="Arial"/>
-            </a:endParaRPr>
-          </a:p>
-          <a:p>
-            <a:r>
-              <a:rPr b="0" lang="en-IN" sz="1500" spc="-1" strike="noStrike">
-                <a:latin typeface="Arial"/>
-              </a:rPr>
-              <a:t>7. Create queue</a:t>
-            </a:r>
-            <a:endParaRPr b="0" lang="en-IN" sz="1500" spc="-1" strike="noStrike">
-              <a:latin typeface="Arial"/>
-            </a:endParaRPr>
-          </a:p>
-          <a:p>
-            <a:r>
-              <a:rPr b="0" lang="en-IN" sz="1500" spc="-1" strike="noStrike">
-                <a:latin typeface="Arial"/>
-              </a:rPr>
-              <a:t>8. Verify that SQS is created corectly</a:t>
-            </a:r>
-            <a:endParaRPr b="0" lang="en-IN" sz="1500" spc="-1" strike="noStrike">
-              <a:latin typeface="Arial"/>
-            </a:endParaRPr>
-          </a:p>
-        </p:txBody>
-      </p:sp>
-      <p:sp>
-        <p:nvSpPr>
-          <p:cNvPr id="56" name=""/>
+          <p:cNvPr id="90" name=""/>
           <p:cNvSpPr/>
           <p:nvPr/>
         </p:nvSpPr>
         <p:spPr>
           <a:xfrm>
-            <a:off x="7380000" y="1440000"/>
-            <a:ext cx="360000" cy="360000"/>
-          </a:xfrm>
-          <a:prstGeom prst="wedgeEllipseCallout">
-            <a:avLst>
-              <a:gd name="adj1" fmla="val -3550"/>
-              <a:gd name="adj2" fmla="val 81268"/>
-            </a:avLst>
+            <a:off x="7560000" y="4320360"/>
+            <a:ext cx="2339280" cy="936360"/>
+          </a:xfrm>
+          <a:prstGeom prst="rect">
+            <a:avLst/>
           </a:prstGeom>
           <a:solidFill>
             <a:srgbClr val="111111"/>
@@ -2942,14 +4487,129 @@
           <a:fontRef idx="minor"/>
         </p:style>
         <p:txBody>
+          <a:bodyPr lIns="90000" rIns="90000" tIns="45000" bIns="45000" anchor="t">
+            <a:noAutofit/>
+          </a:bodyPr>
+          <a:p>
+            <a:pPr>
+              <a:lnSpc>
+                <a:spcPct val="100000"/>
+              </a:lnSpc>
+            </a:pPr>
+            <a:r>
+              <a:rPr b="0" lang="en-IN" sz="1500" spc="-1" strike="noStrike">
+                <a:solidFill>
+                  <a:srgbClr val="ffffff"/>
+                </a:solidFill>
+                <a:latin typeface="Arial"/>
+                <a:ea typeface="DejaVu Sans"/>
+              </a:rPr>
+              <a:t>6. Create tags as needed</a:t>
+            </a:r>
+            <a:endParaRPr b="0" lang="en-IN" sz="1500" spc="-1" strike="noStrike">
+              <a:solidFill>
+                <a:srgbClr val="ffffff"/>
+              </a:solidFill>
+              <a:latin typeface="Arial"/>
+            </a:endParaRPr>
+          </a:p>
+          <a:p>
+            <a:pPr>
+              <a:lnSpc>
+                <a:spcPct val="100000"/>
+              </a:lnSpc>
+            </a:pPr>
+            <a:r>
+              <a:rPr b="0" lang="en-IN" sz="1500" spc="-1" strike="noStrike">
+                <a:solidFill>
+                  <a:srgbClr val="ffffff"/>
+                </a:solidFill>
+                <a:latin typeface="Arial"/>
+                <a:ea typeface="DejaVu Sans"/>
+              </a:rPr>
+              <a:t>7. Create queue</a:t>
+            </a:r>
+            <a:endParaRPr b="0" lang="en-IN" sz="1500" spc="-1" strike="noStrike">
+              <a:solidFill>
+                <a:srgbClr val="ffffff"/>
+              </a:solidFill>
+              <a:latin typeface="Arial"/>
+            </a:endParaRPr>
+          </a:p>
+          <a:p>
+            <a:pPr>
+              <a:lnSpc>
+                <a:spcPct val="100000"/>
+              </a:lnSpc>
+            </a:pPr>
+            <a:r>
+              <a:rPr b="0" lang="en-IN" sz="1500" spc="-1" strike="noStrike">
+                <a:solidFill>
+                  <a:srgbClr val="ffffff"/>
+                </a:solidFill>
+                <a:latin typeface="Arial"/>
+                <a:ea typeface="DejaVu Sans"/>
+              </a:rPr>
+              <a:t>8. Verify that SQS is created corectly</a:t>
+            </a:r>
+            <a:endParaRPr b="0" lang="en-IN" sz="1500" spc="-1" strike="noStrike">
+              <a:solidFill>
+                <a:srgbClr val="ffffff"/>
+              </a:solidFill>
+              <a:latin typeface="Arial"/>
+            </a:endParaRPr>
+          </a:p>
+        </p:txBody>
+      </p:sp>
+      <p:sp>
+        <p:nvSpPr>
+          <p:cNvPr id="91" name=""/>
+          <p:cNvSpPr/>
+          <p:nvPr/>
+        </p:nvSpPr>
+        <p:spPr>
+          <a:xfrm>
+            <a:off x="7380000" y="1440000"/>
+            <a:ext cx="359280" cy="359280"/>
+          </a:xfrm>
+          <a:prstGeom prst="wedgeEllipseCallout">
+            <a:avLst>
+              <a:gd name="adj1" fmla="val -3550"/>
+              <a:gd name="adj2" fmla="val 81268"/>
+            </a:avLst>
+          </a:prstGeom>
+          <a:solidFill>
+            <a:srgbClr val="111111"/>
+          </a:solidFill>
+          <a:ln w="0">
+            <a:solidFill>
+              <a:srgbClr val="ff0000"/>
+            </a:solidFill>
+          </a:ln>
+        </p:spPr>
+        <p:style>
+          <a:lnRef idx="0"/>
+          <a:fillRef idx="0"/>
+          <a:effectRef idx="0"/>
+          <a:fontRef idx="minor"/>
+        </p:style>
+        <p:txBody>
           <a:bodyPr lIns="90000" rIns="90000" tIns="45000" bIns="45000" anchor="ctr">
             <a:noAutofit/>
           </a:bodyPr>
           <a:p>
-            <a:pPr algn="ctr"/>
+            <a:pPr algn="ctr">
+              <a:lnSpc>
+                <a:spcPct val="100000"/>
+              </a:lnSpc>
+            </a:pPr>
             <a:r>
               <a:rPr b="0" lang="en-IN" sz="1800" spc="-1" strike="noStrike">
-                <a:latin typeface="Arial"/>
+                <a:solidFill>
+                  <a:srgbClr val="ffffff"/>
+                </a:solidFill>
+                <a:latin typeface="Arial"/>
+                <a:ea typeface="DejaVu Sans"/>
               </a:rPr>
               <a:t>7</a:t>
             </a:r>
@@ -2961,7 +4621,7 @@
       </p:sp>
       <p:pic>
         <p:nvPicPr>
-          <p:cNvPr id="57" name="" descr=""/>
+          <p:cNvPr id="92" name="" descr=""/>
           <p:cNvPicPr/>
           <p:nvPr/>
         </p:nvPicPr>
@@ -2972,7 +4632,7 @@
         <p:spPr>
           <a:xfrm>
             <a:off x="0" y="2348640"/>
-            <a:ext cx="7380000" cy="3321360"/>
+            <a:ext cx="7379280" cy="3320640"/>
           </a:xfrm>
           <a:prstGeom prst="rect">
             <a:avLst/>
@@ -2986,14 +4646,14 @@
       </p:pic>
       <p:sp>
         <p:nvSpPr>
-          <p:cNvPr id="58" name=""/>
+          <p:cNvPr id="93" name=""/>
           <p:cNvSpPr/>
           <p:nvPr/>
         </p:nvSpPr>
         <p:spPr>
           <a:xfrm>
             <a:off x="6660000" y="3240000"/>
-            <a:ext cx="360000" cy="360000"/>
+            <a:ext cx="359280" cy="359280"/>
           </a:xfrm>
           <a:prstGeom prst="wedgeEllipseCallout">
             <a:avLst>
@@ -3021,10 +4681,18 @@
             <a:noAutofit/>
           </a:bodyPr>
           <a:p>
-            <a:pPr algn="ctr"/>
+            <a:pPr algn="ctr">
+              <a:lnSpc>
+                <a:spcPct val="100000"/>
+              </a:lnSpc>
+            </a:pPr>
             <a:r>
               <a:rPr b="0" lang="en-IN" sz="1800" spc="-1" strike="noStrike">
-                <a:latin typeface="Arial"/>
+                <a:solidFill>
+                  <a:srgbClr val="ffffff"/>
+                </a:solidFill>
+                <a:latin typeface="Arial"/>
+                <a:ea typeface="DejaVu Sans"/>
               </a:rPr>
               <a:t>8</a:t>
             </a:r>
@@ -3066,7 +4734,7 @@
       </p:grpSpPr>
       <p:pic>
         <p:nvPicPr>
-          <p:cNvPr id="59" name="" descr=""/>
+          <p:cNvPr id="94" name="" descr=""/>
           <p:cNvPicPr/>
           <p:nvPr/>
         </p:nvPicPr>
@@ -3077,7 +4745,7 @@
         <p:spPr>
           <a:xfrm>
             <a:off x="360" y="36000"/>
-            <a:ext cx="8344080" cy="1080000"/>
+            <a:ext cx="8343360" cy="1079280"/>
           </a:xfrm>
           <a:prstGeom prst="rect">
             <a:avLst/>
@@ -3091,7 +4759,7 @@
       </p:pic>
       <p:pic>
         <p:nvPicPr>
-          <p:cNvPr id="60" name="" descr=""/>
+          <p:cNvPr id="95" name="" descr=""/>
           <p:cNvPicPr/>
           <p:nvPr/>
         </p:nvPicPr>
@@ -3102,7 +4770,7 @@
         <p:spPr>
           <a:xfrm>
             <a:off x="0" y="1350000"/>
-            <a:ext cx="8147880" cy="2610000"/>
+            <a:ext cx="8147160" cy="2609280"/>
           </a:xfrm>
           <a:prstGeom prst="rect">
             <a:avLst/>
@@ -3116,14 +4784,14 @@
       </p:pic>
       <p:sp>
         <p:nvSpPr>
-          <p:cNvPr id="61" name=""/>
+          <p:cNvPr id="96" name=""/>
           <p:cNvSpPr/>
           <p:nvPr/>
         </p:nvSpPr>
         <p:spPr>
           <a:xfrm>
             <a:off x="900000" y="900000"/>
-            <a:ext cx="360000" cy="360000"/>
+            <a:ext cx="359280" cy="359280"/>
           </a:xfrm>
           <a:prstGeom prst="wedgeEllipseCallout">
             <a:avLst>
@@ -3151,10 +4819,18 @@
             <a:noAutofit/>
           </a:bodyPr>
           <a:p>
-            <a:pPr algn="ctr"/>
+            <a:pPr algn="ctr">
+              <a:lnSpc>
+                <a:spcPct val="100000"/>
+              </a:lnSpc>
+            </a:pPr>
             <a:r>
               <a:rPr b="0" lang="en-IN" sz="1800" spc="-1" strike="noStrike">
-                <a:latin typeface="Arial"/>
+                <a:solidFill>
+                  <a:srgbClr val="ffffff"/>
+                </a:solidFill>
+                <a:latin typeface="Arial"/>
+                <a:ea typeface="DejaVu Sans"/>
               </a:rPr>
               <a:t>9</a:t>
             </a:r>
@@ -3166,14 +4842,14 @@
       </p:sp>
       <p:sp>
         <p:nvSpPr>
-          <p:cNvPr id="62" name=""/>
+          <p:cNvPr id="97" name=""/>
           <p:cNvSpPr/>
           <p:nvPr/>
         </p:nvSpPr>
         <p:spPr>
           <a:xfrm>
             <a:off x="6120000" y="576000"/>
-            <a:ext cx="720000" cy="540000"/>
+            <a:ext cx="719280" cy="539280"/>
           </a:xfrm>
           <a:prstGeom prst="wedgeEllipseCallout">
             <a:avLst>
@@ -3201,10 +4877,18 @@
             <a:noAutofit/>
           </a:bodyPr>
           <a:p>
-            <a:pPr algn="ctr"/>
+            <a:pPr algn="ctr">
+              <a:lnSpc>
+                <a:spcPct val="100000"/>
+              </a:lnSpc>
+            </a:pPr>
             <a:r>
               <a:rPr b="0" lang="en-IN" sz="1800" spc="-1" strike="noStrike">
-                <a:latin typeface="Arial"/>
+                <a:solidFill>
+                  <a:srgbClr val="ffffff"/>
+                </a:solidFill>
+                <a:latin typeface="Arial"/>
+                <a:ea typeface="DejaVu Sans"/>
               </a:rPr>
               <a:t>10</a:t>
             </a:r>
@@ -3216,14 +4900,14 @@
       </p:sp>
       <p:sp>
         <p:nvSpPr>
-          <p:cNvPr id="63" name=""/>
+          <p:cNvPr id="98" name=""/>
           <p:cNvSpPr/>
           <p:nvPr/>
         </p:nvSpPr>
         <p:spPr>
           <a:xfrm>
             <a:off x="1800000" y="2520000"/>
-            <a:ext cx="720000" cy="540000"/>
+            <a:ext cx="719280" cy="539280"/>
           </a:xfrm>
           <a:prstGeom prst="wedgeEllipseCallout">
             <a:avLst>
@@ -3251,10 +4935,18 @@
             <a:noAutofit/>
           </a:bodyPr>
           <a:p>
-            <a:pPr algn="ctr"/>
+            <a:pPr algn="ctr">
+              <a:lnSpc>
+                <a:spcPct val="100000"/>
+              </a:lnSpc>
+            </a:pPr>
             <a:r>
               <a:rPr b="0" lang="en-IN" sz="1800" spc="-1" strike="noStrike">
-                <a:latin typeface="Arial"/>
+                <a:solidFill>
+                  <a:srgbClr val="ffffff"/>
+                </a:solidFill>
+                <a:latin typeface="Arial"/>
+                <a:ea typeface="DejaVu Sans"/>
               </a:rPr>
               <a:t>11</a:t>
             </a:r>
@@ -3266,14 +4958,14 @@
       </p:sp>
       <p:sp>
         <p:nvSpPr>
-          <p:cNvPr id="64" name=""/>
+          <p:cNvPr id="99" name=""/>
           <p:cNvSpPr/>
           <p:nvPr/>
         </p:nvSpPr>
         <p:spPr>
           <a:xfrm>
             <a:off x="2880000" y="2952000"/>
-            <a:ext cx="720000" cy="540000"/>
+            <a:ext cx="719280" cy="539280"/>
           </a:xfrm>
           <a:prstGeom prst="wedgeEllipseCallout">
             <a:avLst>
@@ -3301,10 +4993,18 @@
             <a:noAutofit/>
           </a:bodyPr>
           <a:p>
-            <a:pPr algn="ctr"/>
+            <a:pPr algn="ctr">
+              <a:lnSpc>
+                <a:spcPct val="100000"/>
+              </a:lnSpc>
+            </a:pPr>
             <a:r>
               <a:rPr b="0" lang="en-IN" sz="1800" spc="-1" strike="noStrike">
-                <a:latin typeface="Arial"/>
+                <a:solidFill>
+                  <a:srgbClr val="ffffff"/>
+                </a:solidFill>
+                <a:latin typeface="Arial"/>
+                <a:ea typeface="DejaVu Sans"/>
               </a:rPr>
               <a:t>12</a:t>
             </a:r>
@@ -3316,14 +5016,14 @@
       </p:sp>
       <p:sp>
         <p:nvSpPr>
-          <p:cNvPr id="65" name=""/>
+          <p:cNvPr id="100" name=""/>
           <p:cNvSpPr/>
           <p:nvPr/>
         </p:nvSpPr>
         <p:spPr>
           <a:xfrm>
             <a:off x="1440000" y="3312000"/>
-            <a:ext cx="720000" cy="540000"/>
+            <a:ext cx="719280" cy="539280"/>
           </a:xfrm>
           <a:prstGeom prst="wedgeEllipseCallout">
             <a:avLst>
@@ -3351,10 +5051,18 @@
             <a:noAutofit/>
           </a:bodyPr>
           <a:p>
-            <a:pPr algn="ctr"/>
+            <a:pPr algn="ctr">
+              <a:lnSpc>
+                <a:spcPct val="100000"/>
+              </a:lnSpc>
+            </a:pPr>
             <a:r>
               <a:rPr b="0" lang="en-IN" sz="1800" spc="-1" strike="noStrike">
-                <a:latin typeface="Arial"/>
+                <a:solidFill>
+                  <a:srgbClr val="ffffff"/>
+                </a:solidFill>
+                <a:latin typeface="Arial"/>
+                <a:ea typeface="DejaVu Sans"/>
               </a:rPr>
               <a:t>13</a:t>
             </a:r>
@@ -3366,14 +5074,14 @@
       </p:sp>
       <p:sp>
         <p:nvSpPr>
-          <p:cNvPr id="66" name=""/>
+          <p:cNvPr id="101" name=""/>
           <p:cNvSpPr/>
           <p:nvPr/>
         </p:nvSpPr>
         <p:spPr>
           <a:xfrm>
             <a:off x="8172000" y="1584000"/>
-            <a:ext cx="720000" cy="540000"/>
+            <a:ext cx="719280" cy="539280"/>
           </a:xfrm>
           <a:prstGeom prst="wedgeEllipseCallout">
             <a:avLst>
@@ -3401,10 +5109,18 @@
             <a:noAutofit/>
           </a:bodyPr>
           <a:p>
-            <a:pPr algn="ctr"/>
+            <a:pPr algn="ctr">
+              <a:lnSpc>
+                <a:spcPct val="100000"/>
+              </a:lnSpc>
+            </a:pPr>
             <a:r>
               <a:rPr b="0" lang="en-IN" sz="1800" spc="-1" strike="noStrike">
-                <a:latin typeface="Arial"/>
+                <a:solidFill>
+                  <a:srgbClr val="ffffff"/>
+                </a:solidFill>
+                <a:latin typeface="Arial"/>
+                <a:ea typeface="DejaVu Sans"/>
               </a:rPr>
               <a:t>14</a:t>
             </a:r>
@@ -3416,14 +5132,14 @@
       </p:sp>
       <p:sp>
         <p:nvSpPr>
-          <p:cNvPr id="67" name=""/>
-          <p:cNvSpPr txBox="1"/>
+          <p:cNvPr id="102" name=""/>
+          <p:cNvSpPr/>
           <p:nvPr/>
         </p:nvSpPr>
         <p:spPr>
           <a:xfrm>
             <a:off x="180000" y="4572720"/>
-            <a:ext cx="3780000" cy="937080"/>
+            <a:ext cx="3779280" cy="936360"/>
           </a:xfrm>
           <a:prstGeom prst="rect">
             <a:avLst/>
@@ -3437,66 +5153,120 @@
             </a:solidFill>
           </a:ln>
         </p:spPr>
+        <p:style>
+          <a:lnRef idx="0"/>
+          <a:fillRef idx="0"/>
+          <a:effectRef idx="0"/>
+          <a:fontRef idx="minor"/>
+        </p:style>
         <p:txBody>
           <a:bodyPr lIns="90000" rIns="90000" tIns="45000" bIns="45000" anchor="t">
             <a:noAutofit/>
           </a:bodyPr>
           <a:p>
+            <a:pPr>
+              <a:lnSpc>
+                <a:spcPct val="100000"/>
+              </a:lnSpc>
+            </a:pPr>
             <a:r>
               <a:rPr b="0" lang="en-IN" sz="1500" spc="-1" strike="noStrike">
-                <a:latin typeface="Arial"/>
+                <a:solidFill>
+                  <a:srgbClr val="ffffff"/>
+                </a:solidFill>
+                <a:latin typeface="Arial"/>
+                <a:ea typeface="DejaVu Sans"/>
               </a:rPr>
               <a:t>9. Select the SQS queue</a:t>
             </a:r>
             <a:endParaRPr b="0" lang="en-IN" sz="1500" spc="-1" strike="noStrike">
-              <a:latin typeface="Arial"/>
-            </a:endParaRPr>
-          </a:p>
-          <a:p>
+              <a:solidFill>
+                <a:srgbClr val="ffffff"/>
+              </a:solidFill>
+              <a:latin typeface="Arial"/>
+            </a:endParaRPr>
+          </a:p>
+          <a:p>
+            <a:pPr>
+              <a:lnSpc>
+                <a:spcPct val="100000"/>
+              </a:lnSpc>
+            </a:pPr>
             <a:r>
               <a:rPr b="0" lang="en-IN" sz="1500" spc="-1" strike="noStrike">
-                <a:latin typeface="Arial"/>
+                <a:solidFill>
+                  <a:srgbClr val="ffffff"/>
+                </a:solidFill>
+                <a:latin typeface="Arial"/>
+                <a:ea typeface="DejaVu Sans"/>
               </a:rPr>
               <a:t>10. Select “send and receive messages”</a:t>
             </a:r>
             <a:endParaRPr b="0" lang="en-IN" sz="1500" spc="-1" strike="noStrike">
-              <a:latin typeface="Arial"/>
-            </a:endParaRPr>
-          </a:p>
-          <a:p>
+              <a:solidFill>
+                <a:srgbClr val="ffffff"/>
+              </a:solidFill>
+              <a:latin typeface="Arial"/>
+            </a:endParaRPr>
+          </a:p>
+          <a:p>
+            <a:pPr>
+              <a:lnSpc>
+                <a:spcPct val="100000"/>
+              </a:lnSpc>
+            </a:pPr>
             <a:r>
               <a:rPr b="0" lang="en-IN" sz="1500" spc="-1" strike="noStrike">
-                <a:latin typeface="Arial"/>
+                <a:solidFill>
+                  <a:srgbClr val="ffffff"/>
+                </a:solidFill>
+                <a:latin typeface="Arial"/>
+                <a:ea typeface="DejaVu Sans"/>
               </a:rPr>
               <a:t>11. Fill the message</a:t>
             </a:r>
             <a:endParaRPr b="0" lang="en-IN" sz="1500" spc="-1" strike="noStrike">
-              <a:latin typeface="Arial"/>
-            </a:endParaRPr>
-          </a:p>
-          <a:p>
+              <a:solidFill>
+                <a:srgbClr val="ffffff"/>
+              </a:solidFill>
+              <a:latin typeface="Arial"/>
+            </a:endParaRPr>
+          </a:p>
+          <a:p>
+            <a:pPr>
+              <a:lnSpc>
+                <a:spcPct val="100000"/>
+              </a:lnSpc>
+            </a:pPr>
             <a:r>
               <a:rPr b="0" lang="en-IN" sz="1500" spc="-1" strike="noStrike">
-                <a:latin typeface="Arial"/>
+                <a:solidFill>
+                  <a:srgbClr val="ffffff"/>
+                </a:solidFill>
+                <a:latin typeface="Arial"/>
+                <a:ea typeface="DejaVu Sans"/>
               </a:rPr>
               <a:t>12. Give the message group id</a:t>
             </a:r>
             <a:endParaRPr b="0" lang="en-IN" sz="1500" spc="-1" strike="noStrike">
-              <a:latin typeface="Arial"/>
-            </a:endParaRPr>
-          </a:p>
-        </p:txBody>
-      </p:sp>
-      <p:sp>
-        <p:nvSpPr>
-          <p:cNvPr id="68" name=""/>
-          <p:cNvSpPr txBox="1"/>
+              <a:solidFill>
+                <a:srgbClr val="ffffff"/>
+              </a:solidFill>
+              <a:latin typeface="Arial"/>
+            </a:endParaRPr>
+          </a:p>
+        </p:txBody>
+      </p:sp>
+      <p:sp>
+        <p:nvSpPr>
+          <p:cNvPr id="103" name=""/>
+          <p:cNvSpPr/>
           <p:nvPr/>
         </p:nvSpPr>
         <p:spPr>
           <a:xfrm>
             <a:off x="4068000" y="4573080"/>
-            <a:ext cx="3780000" cy="937080"/>
+            <a:ext cx="3779280" cy="936360"/>
           </a:xfrm>
           <a:prstGeom prst="rect">
             <a:avLst/>
@@ -3510,29 +5280,59 @@
             </a:solidFill>
           </a:ln>
         </p:spPr>
+        <p:style>
+          <a:lnRef idx="0"/>
+          <a:fillRef idx="0"/>
+          <a:effectRef idx="0"/>
+          <a:fontRef idx="minor"/>
+        </p:style>
         <p:txBody>
           <a:bodyPr lIns="90000" rIns="90000" tIns="45000" bIns="45000" anchor="t">
             <a:noAutofit/>
           </a:bodyPr>
           <a:p>
+            <a:pPr>
+              <a:lnSpc>
+                <a:spcPct val="100000"/>
+              </a:lnSpc>
+            </a:pPr>
             <a:r>
               <a:rPr b="0" lang="en-IN" sz="1500" spc="-1" strike="noStrike">
-                <a:latin typeface="Arial"/>
+                <a:solidFill>
+                  <a:srgbClr val="ffffff"/>
+                </a:solidFill>
+                <a:latin typeface="Arial"/>
+                <a:ea typeface="DejaVu Sans"/>
               </a:rPr>
               <a:t>13. Give deduplication id</a:t>
             </a:r>
             <a:endParaRPr b="0" lang="en-IN" sz="1500" spc="-1" strike="noStrike">
-              <a:latin typeface="Arial"/>
-            </a:endParaRPr>
-          </a:p>
-          <a:p>
+              <a:solidFill>
+                <a:srgbClr val="ffffff"/>
+              </a:solidFill>
+              <a:latin typeface="Arial"/>
+            </a:endParaRPr>
+          </a:p>
+          <a:p>
+            <a:pPr>
+              <a:lnSpc>
+                <a:spcPct val="100000"/>
+              </a:lnSpc>
+            </a:pPr>
             <a:r>
               <a:rPr b="0" lang="en-IN" sz="1500" spc="-1" strike="noStrike">
-                <a:latin typeface="Arial"/>
+                <a:solidFill>
+                  <a:srgbClr val="ffffff"/>
+                </a:solidFill>
+                <a:latin typeface="Arial"/>
+                <a:ea typeface="DejaVu Sans"/>
               </a:rPr>
               <a:t>14. Send the message</a:t>
             </a:r>
             <a:endParaRPr b="0" lang="en-IN" sz="1500" spc="-1" strike="noStrike">
+              <a:solidFill>
+                <a:srgbClr val="ffffff"/>
+              </a:solidFill>
               <a:latin typeface="Arial"/>
             </a:endParaRPr>
           </a:p>
@@ -3570,7 +5370,7 @@
       </p:grpSpPr>
       <p:pic>
         <p:nvPicPr>
-          <p:cNvPr id="69" name="" descr=""/>
+          <p:cNvPr id="104" name="" descr=""/>
           <p:cNvPicPr/>
           <p:nvPr/>
         </p:nvPicPr>
@@ -3581,7 +5381,7 @@
         <p:spPr>
           <a:xfrm>
             <a:off x="0" y="1800"/>
-            <a:ext cx="8100000" cy="1734480"/>
+            <a:ext cx="8099280" cy="1733760"/>
           </a:xfrm>
           <a:prstGeom prst="rect">
             <a:avLst/>
@@ -3595,7 +5395,7 @@
       </p:pic>
       <p:pic>
         <p:nvPicPr>
-          <p:cNvPr id="70" name="" descr=""/>
+          <p:cNvPr id="105" name="" descr=""/>
           <p:cNvPicPr/>
           <p:nvPr/>
         </p:nvPicPr>
@@ -3606,7 +5406,7 @@
         <p:spPr>
           <a:xfrm>
             <a:off x="0" y="1800000"/>
-            <a:ext cx="4817160" cy="3330000"/>
+            <a:ext cx="4816440" cy="3329280"/>
           </a:xfrm>
           <a:prstGeom prst="rect">
             <a:avLst/>
@@ -3621,7 +5421,7 @@
       </p:pic>
       <p:pic>
         <p:nvPicPr>
-          <p:cNvPr id="71" name="" descr=""/>
+          <p:cNvPr id="106" name="" descr=""/>
           <p:cNvPicPr/>
           <p:nvPr/>
         </p:nvPicPr>
@@ -3632,7 +5432,7 @@
         <p:spPr>
           <a:xfrm>
             <a:off x="4875120" y="1800000"/>
-            <a:ext cx="5024880" cy="1881000"/>
+            <a:ext cx="5024160" cy="1880280"/>
           </a:xfrm>
           <a:prstGeom prst="rect">
             <a:avLst/>
@@ -3646,14 +5446,14 @@
       </p:pic>
       <p:sp>
         <p:nvSpPr>
-          <p:cNvPr id="72" name=""/>
+          <p:cNvPr id="107" name=""/>
           <p:cNvSpPr/>
           <p:nvPr/>
         </p:nvSpPr>
         <p:spPr>
           <a:xfrm>
             <a:off x="7200000" y="288000"/>
-            <a:ext cx="720000" cy="540000"/>
+            <a:ext cx="719280" cy="539280"/>
           </a:xfrm>
           <a:prstGeom prst="wedgeEllipseCallout">
             <a:avLst>
@@ -3681,10 +5481,18 @@
             <a:noAutofit/>
           </a:bodyPr>
           <a:p>
-            <a:pPr algn="ctr"/>
+            <a:pPr algn="ctr">
+              <a:lnSpc>
+                <a:spcPct val="100000"/>
+              </a:lnSpc>
+            </a:pPr>
             <a:r>
               <a:rPr b="0" lang="en-IN" sz="1800" spc="-1" strike="noStrike">
-                <a:latin typeface="Arial"/>
+                <a:solidFill>
+                  <a:srgbClr val="ffffff"/>
+                </a:solidFill>
+                <a:latin typeface="Arial"/>
+                <a:ea typeface="DejaVu Sans"/>
               </a:rPr>
               <a:t>15</a:t>
             </a:r>
@@ -3696,14 +5504,14 @@
       </p:sp>
       <p:sp>
         <p:nvSpPr>
-          <p:cNvPr id="73" name=""/>
+          <p:cNvPr id="108" name=""/>
           <p:cNvSpPr/>
           <p:nvPr/>
         </p:nvSpPr>
         <p:spPr>
           <a:xfrm>
             <a:off x="1764000" y="1368000"/>
-            <a:ext cx="720000" cy="540000"/>
+            <a:ext cx="719280" cy="539280"/>
           </a:xfrm>
           <a:prstGeom prst="wedgeEllipseCallout">
             <a:avLst>
@@ -3731,10 +5539,18 @@
             <a:noAutofit/>
           </a:bodyPr>
           <a:p>
-            <a:pPr algn="ctr"/>
+            <a:pPr algn="ctr">
+              <a:lnSpc>
+                <a:spcPct val="100000"/>
+              </a:lnSpc>
+            </a:pPr>
             <a:r>
               <a:rPr b="0" lang="en-IN" sz="1800" spc="-1" strike="noStrike">
-                <a:latin typeface="Arial"/>
+                <a:solidFill>
+                  <a:srgbClr val="ffffff"/>
+                </a:solidFill>
+                <a:latin typeface="Arial"/>
+                <a:ea typeface="DejaVu Sans"/>
               </a:rPr>
               <a:t>16</a:t>
             </a:r>
@@ -3746,14 +5562,14 @@
       </p:sp>
       <p:sp>
         <p:nvSpPr>
-          <p:cNvPr id="74" name=""/>
+          <p:cNvPr id="109" name=""/>
           <p:cNvSpPr/>
           <p:nvPr/>
         </p:nvSpPr>
         <p:spPr>
           <a:xfrm>
             <a:off x="648000" y="2052000"/>
-            <a:ext cx="720000" cy="540000"/>
+            <a:ext cx="719280" cy="539280"/>
           </a:xfrm>
           <a:prstGeom prst="wedgeEllipseCallout">
             <a:avLst>
@@ -3781,10 +5597,18 @@
             <a:noAutofit/>
           </a:bodyPr>
           <a:p>
-            <a:pPr algn="ctr"/>
+            <a:pPr algn="ctr">
+              <a:lnSpc>
+                <a:spcPct val="100000"/>
+              </a:lnSpc>
+            </a:pPr>
             <a:r>
               <a:rPr b="0" lang="en-IN" sz="1800" spc="-1" strike="noStrike">
-                <a:latin typeface="Arial"/>
+                <a:solidFill>
+                  <a:srgbClr val="ffffff"/>
+                </a:solidFill>
+                <a:latin typeface="Arial"/>
+                <a:ea typeface="DejaVu Sans"/>
               </a:rPr>
               <a:t>17</a:t>
             </a:r>
@@ -3796,14 +5620,14 @@
       </p:sp>
       <p:sp>
         <p:nvSpPr>
-          <p:cNvPr id="75" name=""/>
+          <p:cNvPr id="110" name=""/>
           <p:cNvSpPr/>
           <p:nvPr/>
         </p:nvSpPr>
         <p:spPr>
           <a:xfrm>
             <a:off x="5976000" y="2088000"/>
-            <a:ext cx="720000" cy="540000"/>
+            <a:ext cx="719280" cy="539280"/>
           </a:xfrm>
           <a:prstGeom prst="wedgeEllipseCallout">
             <a:avLst>
@@ -3831,10 +5655,18 @@
             <a:noAutofit/>
           </a:bodyPr>
           <a:p>
-            <a:pPr algn="ctr"/>
+            <a:pPr algn="ctr">
+              <a:lnSpc>
+                <a:spcPct val="100000"/>
+              </a:lnSpc>
+            </a:pPr>
             <a:r>
               <a:rPr b="0" lang="en-IN" sz="1800" spc="-1" strike="noStrike">
-                <a:latin typeface="Arial"/>
+                <a:solidFill>
+                  <a:srgbClr val="ffffff"/>
+                </a:solidFill>
+                <a:latin typeface="Arial"/>
+                <a:ea typeface="DejaVu Sans"/>
               </a:rPr>
               <a:t>18</a:t>
             </a:r>
@@ -3846,104 +5678,17 @@
       </p:sp>
       <p:sp>
         <p:nvSpPr>
-          <p:cNvPr id="76" name=""/>
-          <p:cNvSpPr txBox="1"/>
-          <p:nvPr/>
-        </p:nvSpPr>
-        <p:spPr>
-          <a:xfrm>
-            <a:off x="6120000" y="4354920"/>
-            <a:ext cx="3780000" cy="1148760"/>
-          </a:xfrm>
-          <a:prstGeom prst="rect">
-            <a:avLst/>
-          </a:prstGeom>
-          <a:solidFill>
-            <a:srgbClr val="111111"/>
-          </a:solidFill>
-          <a:ln w="0">
-            <a:solidFill>
-              <a:srgbClr val="ff0000"/>
-            </a:solidFill>
-          </a:ln>
-        </p:spPr>
-        <p:txBody>
-          <a:bodyPr lIns="90000" rIns="90000" tIns="45000" bIns="45000" anchor="t">
-            <a:noAutofit/>
-          </a:bodyPr>
-          <a:p>
-            <a:r>
-              <a:rPr b="0" lang="en-IN" sz="1500" spc="-1" strike="noStrike">
-                <a:latin typeface="Arial"/>
-              </a:rPr>
-              <a:t>15. Click to poll for messages</a:t>
-            </a:r>
-            <a:endParaRPr b="0" lang="en-IN" sz="1500" spc="-1" strike="noStrike">
-              <a:latin typeface="Arial"/>
-            </a:endParaRPr>
-          </a:p>
-          <a:p>
-            <a:r>
-              <a:rPr b="0" lang="en-IN" sz="1500" spc="-1" strike="noStrike">
-                <a:latin typeface="Arial"/>
-              </a:rPr>
-              <a:t>16. Click on the message we wish to see</a:t>
-            </a:r>
-            <a:endParaRPr b="0" lang="en-IN" sz="1500" spc="-1" strike="noStrike">
-              <a:latin typeface="Arial"/>
-            </a:endParaRPr>
-          </a:p>
-          <a:p>
-            <a:r>
-              <a:rPr b="0" lang="en-IN" sz="1500" spc="-1" strike="noStrike">
-                <a:latin typeface="Arial"/>
-              </a:rPr>
-              <a:t>17. Verify details of the message</a:t>
-            </a:r>
-            <a:endParaRPr b="0" lang="en-IN" sz="1500" spc="-1" strike="noStrike">
-              <a:latin typeface="Arial"/>
-            </a:endParaRPr>
-          </a:p>
-          <a:p>
-            <a:r>
-              <a:rPr b="0" lang="en-IN" sz="1500" spc="-1" strike="noStrike">
-                <a:latin typeface="Arial"/>
-              </a:rPr>
-              <a:t>18. Verify body of the message</a:t>
-            </a:r>
-            <a:endParaRPr b="0" lang="en-IN" sz="1500" spc="-1" strike="noStrike">
-              <a:latin typeface="Arial"/>
-            </a:endParaRPr>
-          </a:p>
-          <a:p>
-            <a:r>
-              <a:rPr b="0" lang="en-IN" sz="1500" spc="-1" strike="noStrike">
-                <a:latin typeface="Arial"/>
-              </a:rPr>
-              <a:t>19. Click on Done</a:t>
-            </a:r>
-            <a:endParaRPr b="0" lang="en-IN" sz="1500" spc="-1" strike="noStrike">
-              <a:latin typeface="Arial"/>
-            </a:endParaRPr>
-          </a:p>
-        </p:txBody>
-      </p:sp>
-      <p:sp>
-        <p:nvSpPr>
-          <p:cNvPr id="77" name=""/>
+          <p:cNvPr id="111" name=""/>
           <p:cNvSpPr/>
           <p:nvPr/>
         </p:nvSpPr>
         <p:spPr>
           <a:xfrm>
-            <a:off x="8604000" y="3312000"/>
-            <a:ext cx="720000" cy="540000"/>
-          </a:xfrm>
-          <a:prstGeom prst="wedgeEllipseCallout">
-            <a:avLst>
-              <a:gd name="adj1" fmla="val 68388"/>
-              <a:gd name="adj2" fmla="val 1828"/>
-            </a:avLst>
+            <a:off x="6120000" y="4140000"/>
+            <a:ext cx="3779280" cy="1362960"/>
+          </a:xfrm>
+          <a:prstGeom prst="rect">
+            <a:avLst/>
           </a:prstGeom>
           <a:solidFill>
             <a:srgbClr val="111111"/>
@@ -3961,14 +5706,175 @@
           <a:fontRef idx="minor"/>
         </p:style>
         <p:txBody>
+          <a:bodyPr lIns="90000" rIns="90000" tIns="45000" bIns="45000" anchor="t">
+            <a:noAutofit/>
+          </a:bodyPr>
+          <a:p>
+            <a:pPr>
+              <a:lnSpc>
+                <a:spcPct val="100000"/>
+              </a:lnSpc>
+            </a:pPr>
+            <a:r>
+              <a:rPr b="0" lang="en-IN" sz="1500" spc="-1" strike="noStrike">
+                <a:solidFill>
+                  <a:srgbClr val="ffffff"/>
+                </a:solidFill>
+                <a:latin typeface="Arial"/>
+                <a:ea typeface="DejaVu Sans"/>
+              </a:rPr>
+              <a:t>15. Click to poll for messages</a:t>
+            </a:r>
+            <a:endParaRPr b="0" lang="en-IN" sz="1500" spc="-1" strike="noStrike">
+              <a:solidFill>
+                <a:srgbClr val="ffffff"/>
+              </a:solidFill>
+              <a:latin typeface="Arial"/>
+            </a:endParaRPr>
+          </a:p>
+          <a:p>
+            <a:pPr>
+              <a:lnSpc>
+                <a:spcPct val="100000"/>
+              </a:lnSpc>
+            </a:pPr>
+            <a:r>
+              <a:rPr b="0" lang="en-IN" sz="1500" spc="-1" strike="noStrike">
+                <a:solidFill>
+                  <a:srgbClr val="ffffff"/>
+                </a:solidFill>
+                <a:latin typeface="Arial"/>
+                <a:ea typeface="DejaVu Sans"/>
+              </a:rPr>
+              <a:t>16. Click on the message we wish to see</a:t>
+            </a:r>
+            <a:endParaRPr b="0" lang="en-IN" sz="1500" spc="-1" strike="noStrike">
+              <a:solidFill>
+                <a:srgbClr val="ffffff"/>
+              </a:solidFill>
+              <a:latin typeface="Arial"/>
+            </a:endParaRPr>
+          </a:p>
+          <a:p>
+            <a:pPr>
+              <a:lnSpc>
+                <a:spcPct val="100000"/>
+              </a:lnSpc>
+            </a:pPr>
+            <a:r>
+              <a:rPr b="0" lang="en-IN" sz="1500" spc="-1" strike="noStrike">
+                <a:solidFill>
+                  <a:srgbClr val="ffffff"/>
+                </a:solidFill>
+                <a:latin typeface="Arial"/>
+                <a:ea typeface="DejaVu Sans"/>
+              </a:rPr>
+              <a:t>17. Verify details of the message</a:t>
+            </a:r>
+            <a:endParaRPr b="0" lang="en-IN" sz="1500" spc="-1" strike="noStrike">
+              <a:solidFill>
+                <a:srgbClr val="ffffff"/>
+              </a:solidFill>
+              <a:latin typeface="Arial"/>
+            </a:endParaRPr>
+          </a:p>
+          <a:p>
+            <a:pPr>
+              <a:lnSpc>
+                <a:spcPct val="100000"/>
+              </a:lnSpc>
+            </a:pPr>
+            <a:r>
+              <a:rPr b="0" lang="en-IN" sz="1500" spc="-1" strike="noStrike">
+                <a:solidFill>
+                  <a:srgbClr val="ffffff"/>
+                </a:solidFill>
+                <a:latin typeface="Arial"/>
+                <a:ea typeface="DejaVu Sans"/>
+              </a:rPr>
+              <a:t>18. Verify body of the message</a:t>
+            </a:r>
+            <a:endParaRPr b="0" lang="en-IN" sz="1500" spc="-1" strike="noStrike">
+              <a:solidFill>
+                <a:srgbClr val="ffffff"/>
+              </a:solidFill>
+              <a:latin typeface="Arial"/>
+            </a:endParaRPr>
+          </a:p>
+          <a:p>
+            <a:pPr>
+              <a:lnSpc>
+                <a:spcPct val="100000"/>
+              </a:lnSpc>
+            </a:pPr>
+            <a:r>
+              <a:rPr b="0" lang="en-IN" sz="1500" spc="-1" strike="noStrike">
+                <a:solidFill>
+                  <a:srgbClr val="ffffff"/>
+                </a:solidFill>
+                <a:latin typeface="Arial"/>
+                <a:ea typeface="DejaVu Sans"/>
+              </a:rPr>
+              <a:t>19. Click on Done</a:t>
+            </a:r>
+            <a:endParaRPr b="0" lang="en-IN" sz="1500" spc="-1" strike="noStrike">
+              <a:solidFill>
+                <a:srgbClr val="ffffff"/>
+              </a:solidFill>
+              <a:latin typeface="Arial"/>
+            </a:endParaRPr>
+          </a:p>
+        </p:txBody>
+      </p:sp>
+      <p:sp>
+        <p:nvSpPr>
+          <p:cNvPr id="112" name=""/>
+          <p:cNvSpPr/>
+          <p:nvPr/>
+        </p:nvSpPr>
+        <p:spPr>
+          <a:xfrm>
+            <a:off x="8604000" y="3312000"/>
+            <a:ext cx="719280" cy="539280"/>
+          </a:xfrm>
+          <a:prstGeom prst="wedgeEllipseCallout">
+            <a:avLst>
+              <a:gd name="adj1" fmla="val 68388"/>
+              <a:gd name="adj2" fmla="val 1828"/>
+            </a:avLst>
+          </a:prstGeom>
+          <a:solidFill>
+            <a:srgbClr val="111111"/>
+          </a:solidFill>
+          <a:ln w="0">
+            <a:solidFill>
+              <a:srgbClr val="ff0000"/>
+            </a:solidFill>
+          </a:ln>
+        </p:spPr>
+        <p:style>
+          <a:lnRef idx="0"/>
+          <a:fillRef idx="0"/>
+          <a:effectRef idx="0"/>
+          <a:fontRef idx="minor"/>
+        </p:style>
+        <p:txBody>
           <a:bodyPr lIns="90000" rIns="90000" tIns="45000" bIns="45000" anchor="ctr">
             <a:noAutofit/>
           </a:bodyPr>
           <a:p>
-            <a:pPr algn="ctr"/>
+            <a:pPr algn="ctr">
+              <a:lnSpc>
+                <a:spcPct val="100000"/>
+              </a:lnSpc>
+            </a:pPr>
             <a:r>
               <a:rPr b="0" lang="en-IN" sz="1800" spc="-1" strike="noStrike">
-                <a:latin typeface="Arial"/>
+                <a:solidFill>
+                  <a:srgbClr val="ffffff"/>
+                </a:solidFill>
+                <a:latin typeface="Arial"/>
+                <a:ea typeface="DejaVu Sans"/>
               </a:rPr>
               <a:t>19</a:t>
             </a:r>
@@ -4010,7 +5916,7 @@
       </p:grpSpPr>
       <p:pic>
         <p:nvPicPr>
-          <p:cNvPr id="78" name="" descr=""/>
+          <p:cNvPr id="113" name="" descr=""/>
           <p:cNvPicPr/>
           <p:nvPr/>
         </p:nvPicPr>
@@ -4021,7 +5927,7 @@
         <p:spPr>
           <a:xfrm>
             <a:off x="0" y="-9360"/>
-            <a:ext cx="5295600" cy="2133360"/>
+            <a:ext cx="5294880" cy="2132640"/>
           </a:xfrm>
           <a:prstGeom prst="rect">
             <a:avLst/>
@@ -4035,14 +5941,14 @@
       </p:pic>
       <p:sp>
         <p:nvSpPr>
-          <p:cNvPr id="79" name=""/>
-          <p:cNvSpPr txBox="1"/>
+          <p:cNvPr id="114" name=""/>
+          <p:cNvSpPr/>
           <p:nvPr/>
         </p:nvSpPr>
         <p:spPr>
           <a:xfrm>
-            <a:off x="7308000" y="4032000"/>
-            <a:ext cx="2700000" cy="1572120"/>
+            <a:off x="7308000" y="3960000"/>
+            <a:ext cx="2699280" cy="1643400"/>
           </a:xfrm>
           <a:prstGeom prst="rect">
             <a:avLst/>
@@ -4056,84 +5962,174 @@
             </a:solidFill>
           </a:ln>
         </p:spPr>
+        <p:style>
+          <a:lnRef idx="0"/>
+          <a:fillRef idx="0"/>
+          <a:effectRef idx="0"/>
+          <a:fontRef idx="minor"/>
+        </p:style>
         <p:txBody>
           <a:bodyPr lIns="90000" rIns="90000" tIns="45000" bIns="45000" anchor="t">
             <a:noAutofit/>
           </a:bodyPr>
           <a:p>
+            <a:pPr>
+              <a:lnSpc>
+                <a:spcPct val="100000"/>
+              </a:lnSpc>
+            </a:pPr>
             <a:r>
               <a:rPr b="0" lang="en-IN" sz="1500" spc="-1" strike="noStrike">
-                <a:latin typeface="Arial"/>
+                <a:solidFill>
+                  <a:srgbClr val="ffffff"/>
+                </a:solidFill>
+                <a:latin typeface="Arial"/>
+                <a:ea typeface="DejaVu Sans"/>
               </a:rPr>
               <a:t>20. Type “ses “ in search</a:t>
             </a:r>
             <a:endParaRPr b="0" lang="en-IN" sz="1500" spc="-1" strike="noStrike">
-              <a:latin typeface="Arial"/>
-            </a:endParaRPr>
-          </a:p>
-          <a:p>
+              <a:solidFill>
+                <a:srgbClr val="ffffff"/>
+              </a:solidFill>
+              <a:latin typeface="Arial"/>
+            </a:endParaRPr>
+          </a:p>
+          <a:p>
+            <a:pPr>
+              <a:lnSpc>
+                <a:spcPct val="100000"/>
+              </a:lnSpc>
+            </a:pPr>
             <a:r>
               <a:rPr b="0" lang="en-IN" sz="1500" spc="-1" strike="noStrike">
-                <a:latin typeface="Arial"/>
+                <a:solidFill>
+                  <a:srgbClr val="ffffff"/>
+                </a:solidFill>
+                <a:latin typeface="Arial"/>
+                <a:ea typeface="DejaVu Sans"/>
               </a:rPr>
               <a:t>21. Click to open SES</a:t>
             </a:r>
             <a:endParaRPr b="0" lang="en-IN" sz="1500" spc="-1" strike="noStrike">
-              <a:latin typeface="Arial"/>
-            </a:endParaRPr>
-          </a:p>
-          <a:p>
+              <a:solidFill>
+                <a:srgbClr val="ffffff"/>
+              </a:solidFill>
+              <a:latin typeface="Arial"/>
+            </a:endParaRPr>
+          </a:p>
+          <a:p>
+            <a:pPr>
+              <a:lnSpc>
+                <a:spcPct val="100000"/>
+              </a:lnSpc>
+            </a:pPr>
             <a:r>
               <a:rPr b="0" lang="en-IN" sz="1500" spc="-1" strike="noStrike">
-                <a:latin typeface="Arial"/>
+                <a:solidFill>
+                  <a:srgbClr val="ffffff"/>
+                </a:solidFill>
+                <a:latin typeface="Arial"/>
+                <a:ea typeface="DejaVu Sans"/>
               </a:rPr>
               <a:t>22. Create identity</a:t>
             </a:r>
             <a:endParaRPr b="0" lang="en-IN" sz="1500" spc="-1" strike="noStrike">
-              <a:latin typeface="Arial"/>
-            </a:endParaRPr>
-          </a:p>
-          <a:p>
+              <a:solidFill>
+                <a:srgbClr val="ffffff"/>
+              </a:solidFill>
+              <a:latin typeface="Arial"/>
+            </a:endParaRPr>
+          </a:p>
+          <a:p>
+            <a:pPr>
+              <a:lnSpc>
+                <a:spcPct val="100000"/>
+              </a:lnSpc>
+            </a:pPr>
             <a:r>
               <a:rPr b="0" lang="en-IN" sz="1500" spc="-1" strike="noStrike">
-                <a:latin typeface="Arial"/>
+                <a:solidFill>
+                  <a:srgbClr val="ffffff"/>
+                </a:solidFill>
+                <a:latin typeface="Arial"/>
+                <a:ea typeface="DejaVu Sans"/>
               </a:rPr>
               <a:t>23. Select email address</a:t>
             </a:r>
             <a:endParaRPr b="0" lang="en-IN" sz="1500" spc="-1" strike="noStrike">
-              <a:latin typeface="Arial"/>
-            </a:endParaRPr>
-          </a:p>
-          <a:p>
+              <a:solidFill>
+                <a:srgbClr val="ffffff"/>
+              </a:solidFill>
+              <a:latin typeface="Arial"/>
+            </a:endParaRPr>
+          </a:p>
+          <a:p>
+            <a:pPr>
+              <a:lnSpc>
+                <a:spcPct val="100000"/>
+              </a:lnSpc>
+            </a:pPr>
             <a:r>
               <a:rPr b="0" lang="en-IN" sz="1500" spc="-1" strike="noStrike">
-                <a:latin typeface="Arial"/>
+                <a:solidFill>
+                  <a:srgbClr val="ffffff"/>
+                </a:solidFill>
+                <a:latin typeface="Arial"/>
+                <a:ea typeface="DejaVu Sans"/>
               </a:rPr>
               <a:t>24. Provide email </a:t>
             </a:r>
             <a:endParaRPr b="0" lang="en-IN" sz="1500" spc="-1" strike="noStrike">
-              <a:latin typeface="Arial"/>
-            </a:endParaRPr>
-          </a:p>
-          <a:p>
+              <a:solidFill>
+                <a:srgbClr val="ffffff"/>
+              </a:solidFill>
+              <a:latin typeface="Arial"/>
+            </a:endParaRPr>
+          </a:p>
+          <a:p>
+            <a:pPr>
+              <a:lnSpc>
+                <a:spcPct val="100000"/>
+              </a:lnSpc>
+            </a:pPr>
             <a:r>
               <a:rPr b="0" lang="en-IN" sz="1500" spc="-1" strike="noStrike">
-                <a:latin typeface="Arial"/>
+                <a:solidFill>
+                  <a:srgbClr val="ffffff"/>
+                </a:solidFill>
+                <a:latin typeface="Arial"/>
+                <a:ea typeface="DejaVu Sans"/>
               </a:rPr>
               <a:t>25. Create tags as needed</a:t>
             </a:r>
             <a:endParaRPr b="0" lang="en-IN" sz="1500" spc="-1" strike="noStrike">
-              <a:latin typeface="Arial"/>
-            </a:endParaRPr>
-          </a:p>
-          <a:p>
+              <a:solidFill>
+                <a:srgbClr val="ffffff"/>
+              </a:solidFill>
+              <a:latin typeface="Arial"/>
+            </a:endParaRPr>
+          </a:p>
+          <a:p>
+            <a:pPr>
+              <a:lnSpc>
+                <a:spcPct val="100000"/>
+              </a:lnSpc>
+            </a:pPr>
             <a:r>
               <a:rPr b="0" lang="en-IN" sz="1500" spc="-1" strike="noStrike">
-                <a:latin typeface="Arial"/>
+                <a:solidFill>
+                  <a:srgbClr val="ffffff"/>
+                </a:solidFill>
+                <a:latin typeface="Arial"/>
+                <a:ea typeface="DejaVu Sans"/>
               </a:rPr>
               <a:t>26. Create identity</a:t>
             </a:r>
             <a:endParaRPr b="0" lang="en-IN" sz="1500" spc="-1" strike="noStrike">
+              <a:solidFill>
+                <a:srgbClr val="ffffff"/>
+              </a:solidFill>
               <a:latin typeface="Arial"/>
             </a:endParaRPr>
           </a:p>
@@ -4141,7 +6137,7 @@
       </p:sp>
       <p:pic>
         <p:nvPicPr>
-          <p:cNvPr id="80" name="" descr=""/>
+          <p:cNvPr id="115" name="" descr=""/>
           <p:cNvPicPr/>
           <p:nvPr/>
         </p:nvPicPr>
@@ -4152,7 +6148,7 @@
         <p:spPr>
           <a:xfrm>
             <a:off x="6394320" y="0"/>
-            <a:ext cx="3685680" cy="1837800"/>
+            <a:ext cx="3684960" cy="1837080"/>
           </a:xfrm>
           <a:prstGeom prst="rect">
             <a:avLst/>
@@ -4166,14 +6162,14 @@
       </p:pic>
       <p:sp>
         <p:nvSpPr>
-          <p:cNvPr id="81" name=""/>
+          <p:cNvPr id="116" name=""/>
           <p:cNvSpPr/>
           <p:nvPr/>
         </p:nvSpPr>
         <p:spPr>
           <a:xfrm>
             <a:off x="576000" y="216000"/>
-            <a:ext cx="720000" cy="540000"/>
+            <a:ext cx="719280" cy="539280"/>
           </a:xfrm>
           <a:prstGeom prst="wedgeEllipseCallout">
             <a:avLst>
@@ -4201,10 +6197,18 @@
             <a:noAutofit/>
           </a:bodyPr>
           <a:p>
-            <a:pPr algn="ctr"/>
+            <a:pPr algn="ctr">
+              <a:lnSpc>
+                <a:spcPct val="100000"/>
+              </a:lnSpc>
+            </a:pPr>
             <a:r>
               <a:rPr b="0" lang="en-IN" sz="1800" spc="-1" strike="noStrike">
-                <a:latin typeface="Arial"/>
+                <a:solidFill>
+                  <a:srgbClr val="ffffff"/>
+                </a:solidFill>
+                <a:latin typeface="Arial"/>
+                <a:ea typeface="DejaVu Sans"/>
               </a:rPr>
               <a:t>20</a:t>
             </a:r>
@@ -4216,14 +6220,14 @@
       </p:sp>
       <p:sp>
         <p:nvSpPr>
-          <p:cNvPr id="82" name=""/>
+          <p:cNvPr id="117" name=""/>
           <p:cNvSpPr/>
           <p:nvPr/>
         </p:nvSpPr>
         <p:spPr>
           <a:xfrm>
             <a:off x="3240000" y="720000"/>
-            <a:ext cx="720000" cy="540000"/>
+            <a:ext cx="719280" cy="539280"/>
           </a:xfrm>
           <a:prstGeom prst="wedgeEllipseCallout">
             <a:avLst>
@@ -4251,10 +6255,18 @@
             <a:noAutofit/>
           </a:bodyPr>
           <a:p>
-            <a:pPr algn="ctr"/>
+            <a:pPr algn="ctr">
+              <a:lnSpc>
+                <a:spcPct val="100000"/>
+              </a:lnSpc>
+            </a:pPr>
             <a:r>
               <a:rPr b="0" lang="en-IN" sz="1800" spc="-1" strike="noStrike">
-                <a:latin typeface="Arial"/>
+                <a:solidFill>
+                  <a:srgbClr val="ffffff"/>
+                </a:solidFill>
+                <a:latin typeface="Arial"/>
+                <a:ea typeface="DejaVu Sans"/>
               </a:rPr>
               <a:t>21</a:t>
             </a:r>
@@ -4266,14 +6278,14 @@
       </p:sp>
       <p:sp>
         <p:nvSpPr>
-          <p:cNvPr id="83" name=""/>
+          <p:cNvPr id="118" name=""/>
           <p:cNvSpPr/>
           <p:nvPr/>
         </p:nvSpPr>
         <p:spPr>
           <a:xfrm>
             <a:off x="8028000" y="1260000"/>
-            <a:ext cx="720000" cy="540000"/>
+            <a:ext cx="719280" cy="539280"/>
           </a:xfrm>
           <a:prstGeom prst="wedgeEllipseCallout">
             <a:avLst>
@@ -4301,10 +6313,18 @@
             <a:noAutofit/>
           </a:bodyPr>
           <a:p>
-            <a:pPr algn="ctr"/>
+            <a:pPr algn="ctr">
+              <a:lnSpc>
+                <a:spcPct val="100000"/>
+              </a:lnSpc>
+            </a:pPr>
             <a:r>
               <a:rPr b="0" lang="en-IN" sz="1800" spc="-1" strike="noStrike">
-                <a:latin typeface="Arial"/>
+                <a:solidFill>
+                  <a:srgbClr val="ffffff"/>
+                </a:solidFill>
+                <a:latin typeface="Arial"/>
+                <a:ea typeface="DejaVu Sans"/>
               </a:rPr>
               <a:t>22</a:t>
             </a:r>
@@ -4316,7 +6336,7 @@
       </p:sp>
       <p:pic>
         <p:nvPicPr>
-          <p:cNvPr id="84" name="" descr=""/>
+          <p:cNvPr id="119" name="" descr=""/>
           <p:cNvPicPr/>
           <p:nvPr/>
         </p:nvPicPr>
@@ -4327,7 +6347,7 @@
         <p:spPr>
           <a:xfrm>
             <a:off x="0" y="2584800"/>
-            <a:ext cx="5220000" cy="3085200"/>
+            <a:ext cx="5219280" cy="3084480"/>
           </a:xfrm>
           <a:prstGeom prst="rect">
             <a:avLst/>
@@ -4341,14 +6361,14 @@
       </p:pic>
       <p:sp>
         <p:nvSpPr>
-          <p:cNvPr id="85" name=""/>
+          <p:cNvPr id="120" name=""/>
           <p:cNvSpPr/>
           <p:nvPr/>
         </p:nvSpPr>
         <p:spPr>
           <a:xfrm>
             <a:off x="3960000" y="3276000"/>
-            <a:ext cx="720000" cy="540000"/>
+            <a:ext cx="719280" cy="539280"/>
           </a:xfrm>
           <a:prstGeom prst="wedgeEllipseCallout">
             <a:avLst>
@@ -4376,10 +6396,18 @@
             <a:noAutofit/>
           </a:bodyPr>
           <a:p>
-            <a:pPr algn="ctr"/>
+            <a:pPr algn="ctr">
+              <a:lnSpc>
+                <a:spcPct val="100000"/>
+              </a:lnSpc>
+            </a:pPr>
             <a:r>
               <a:rPr b="0" lang="en-IN" sz="1800" spc="-1" strike="noStrike">
-                <a:latin typeface="Arial"/>
+                <a:solidFill>
+                  <a:srgbClr val="ffffff"/>
+                </a:solidFill>
+                <a:latin typeface="Arial"/>
+                <a:ea typeface="DejaVu Sans"/>
               </a:rPr>
               <a:t>23</a:t>
             </a:r>
@@ -4391,7 +6419,7 @@
       </p:sp>
       <p:pic>
         <p:nvPicPr>
-          <p:cNvPr id="86" name="" descr=""/>
+          <p:cNvPr id="121" name="" descr=""/>
           <p:cNvPicPr/>
           <p:nvPr/>
         </p:nvPicPr>
@@ -4402,7 +6430,7 @@
         <p:spPr>
           <a:xfrm>
             <a:off x="5725800" y="1909800"/>
-            <a:ext cx="4354200" cy="1870200"/>
+            <a:ext cx="4353480" cy="1869480"/>
           </a:xfrm>
           <a:prstGeom prst="rect">
             <a:avLst/>
@@ -4416,14 +6444,14 @@
       </p:pic>
       <p:sp>
         <p:nvSpPr>
-          <p:cNvPr id="87" name=""/>
+          <p:cNvPr id="122" name=""/>
           <p:cNvSpPr/>
           <p:nvPr/>
         </p:nvSpPr>
         <p:spPr>
           <a:xfrm>
             <a:off x="1980000" y="4500000"/>
-            <a:ext cx="720000" cy="540000"/>
+            <a:ext cx="719280" cy="539280"/>
           </a:xfrm>
           <a:prstGeom prst="wedgeEllipseCallout">
             <a:avLst>
@@ -4451,10 +6479,18 @@
             <a:noAutofit/>
           </a:bodyPr>
           <a:p>
-            <a:pPr algn="ctr"/>
+            <a:pPr algn="ctr">
+              <a:lnSpc>
+                <a:spcPct val="100000"/>
+              </a:lnSpc>
+            </a:pPr>
             <a:r>
               <a:rPr b="0" lang="en-IN" sz="1800" spc="-1" strike="noStrike">
-                <a:latin typeface="Arial"/>
+                <a:solidFill>
+                  <a:srgbClr val="ffffff"/>
+                </a:solidFill>
+                <a:latin typeface="Arial"/>
+                <a:ea typeface="DejaVu Sans"/>
               </a:rPr>
               <a:t>24</a:t>
             </a:r>
@@ -4466,14 +6502,14 @@
       </p:sp>
       <p:sp>
         <p:nvSpPr>
-          <p:cNvPr id="88" name=""/>
+          <p:cNvPr id="123" name=""/>
           <p:cNvSpPr/>
           <p:nvPr/>
         </p:nvSpPr>
         <p:spPr>
           <a:xfrm>
             <a:off x="6660000" y="3060000"/>
-            <a:ext cx="720000" cy="540000"/>
+            <a:ext cx="719280" cy="539280"/>
           </a:xfrm>
           <a:prstGeom prst="wedgeEllipseCallout">
             <a:avLst>
@@ -4501,10 +6537,18 @@
             <a:noAutofit/>
           </a:bodyPr>
           <a:p>
-            <a:pPr algn="ctr"/>
+            <a:pPr algn="ctr">
+              <a:lnSpc>
+                <a:spcPct val="100000"/>
+              </a:lnSpc>
+            </a:pPr>
             <a:r>
               <a:rPr b="0" lang="en-IN" sz="1800" spc="-1" strike="noStrike">
-                <a:latin typeface="Arial"/>
+                <a:solidFill>
+                  <a:srgbClr val="ffffff"/>
+                </a:solidFill>
+                <a:latin typeface="Arial"/>
+                <a:ea typeface="DejaVu Sans"/>
               </a:rPr>
               <a:t>25</a:t>
             </a:r>
@@ -4516,14 +6560,14 @@
       </p:sp>
       <p:sp>
         <p:nvSpPr>
-          <p:cNvPr id="89" name=""/>
+          <p:cNvPr id="124" name=""/>
           <p:cNvSpPr/>
           <p:nvPr/>
         </p:nvSpPr>
         <p:spPr>
           <a:xfrm>
             <a:off x="8820000" y="3060000"/>
-            <a:ext cx="720000" cy="540000"/>
+            <a:ext cx="719280" cy="539280"/>
           </a:xfrm>
           <a:prstGeom prst="wedgeEllipseCallout">
             <a:avLst>
@@ -4551,10 +6595,18 @@
             <a:noAutofit/>
           </a:bodyPr>
           <a:p>
-            <a:pPr algn="ctr"/>
+            <a:pPr algn="ctr">
+              <a:lnSpc>
+                <a:spcPct val="100000"/>
+              </a:lnSpc>
+            </a:pPr>
             <a:r>
               <a:rPr b="0" lang="en-IN" sz="1800" spc="-1" strike="noStrike">
-                <a:latin typeface="Arial"/>
+                <a:solidFill>
+                  <a:srgbClr val="ffffff"/>
+                </a:solidFill>
+                <a:latin typeface="Arial"/>
+                <a:ea typeface="DejaVu Sans"/>
               </a:rPr>
               <a:t>26</a:t>
             </a:r>
@@ -4596,7 +6648,7 @@
       </p:grpSpPr>
       <p:pic>
         <p:nvPicPr>
-          <p:cNvPr id="90" name="" descr=""/>
+          <p:cNvPr id="125" name="" descr=""/>
           <p:cNvPicPr/>
           <p:nvPr/>
         </p:nvPicPr>
@@ -4608,7 +6660,7 @@
         <p:spPr>
           <a:xfrm>
             <a:off x="360" y="0"/>
-            <a:ext cx="7379640" cy="1134000"/>
+            <a:ext cx="7378920" cy="1133280"/>
           </a:xfrm>
           <a:prstGeom prst="rect">
             <a:avLst/>
@@ -4622,7 +6674,7 @@
       </p:pic>
       <p:pic>
         <p:nvPicPr>
-          <p:cNvPr id="91" name="" descr=""/>
+          <p:cNvPr id="126" name="" descr=""/>
           <p:cNvPicPr/>
           <p:nvPr/>
         </p:nvPicPr>
@@ -4633,7 +6685,7 @@
         <p:spPr>
           <a:xfrm>
             <a:off x="-6840" y="1208520"/>
-            <a:ext cx="7386840" cy="1519560"/>
+            <a:ext cx="7386120" cy="1518840"/>
           </a:xfrm>
           <a:prstGeom prst="rect">
             <a:avLst/>
@@ -4647,7 +6699,7 @@
       </p:pic>
       <p:pic>
         <p:nvPicPr>
-          <p:cNvPr id="92" name="" descr=""/>
+          <p:cNvPr id="127" name="" descr=""/>
           <p:cNvPicPr/>
           <p:nvPr/>
         </p:nvPicPr>
@@ -4658,7 +6710,7 @@
         <p:spPr>
           <a:xfrm>
             <a:off x="0" y="2828880"/>
-            <a:ext cx="5760000" cy="596520"/>
+            <a:ext cx="5759280" cy="595800"/>
           </a:xfrm>
           <a:prstGeom prst="rect">
             <a:avLst/>
@@ -4672,7 +6724,7 @@
       </p:pic>
       <p:pic>
         <p:nvPicPr>
-          <p:cNvPr id="93" name="" descr=""/>
+          <p:cNvPr id="128" name="" descr=""/>
           <p:cNvPicPr/>
           <p:nvPr/>
         </p:nvPicPr>
@@ -4683,7 +6735,7 @@
         <p:spPr>
           <a:xfrm>
             <a:off x="0" y="3528000"/>
-            <a:ext cx="7380000" cy="1132920"/>
+            <a:ext cx="7379280" cy="1132200"/>
           </a:xfrm>
           <a:prstGeom prst="rect">
             <a:avLst/>
@@ -4697,93 +6749,17 @@
       </p:pic>
       <p:sp>
         <p:nvSpPr>
-          <p:cNvPr id="94" name=""/>
-          <p:cNvSpPr txBox="1"/>
-          <p:nvPr/>
-        </p:nvSpPr>
-        <p:spPr>
-          <a:xfrm>
-            <a:off x="7416000" y="3816360"/>
-            <a:ext cx="2628000" cy="1783800"/>
-          </a:xfrm>
-          <a:prstGeom prst="rect">
-            <a:avLst/>
-          </a:prstGeom>
-          <a:solidFill>
-            <a:srgbClr val="111111"/>
-          </a:solidFill>
-          <a:ln w="0">
-            <a:solidFill>
-              <a:srgbClr val="ff0000"/>
-            </a:solidFill>
-          </a:ln>
-        </p:spPr>
-        <p:txBody>
-          <a:bodyPr lIns="90000" rIns="90000" tIns="45000" bIns="45000" anchor="t">
-            <a:noAutofit/>
-          </a:bodyPr>
-          <a:p>
-            <a:r>
-              <a:rPr b="0" lang="en-IN" sz="1500" spc="-1" strike="noStrike">
-                <a:latin typeface="Arial"/>
-              </a:rPr>
-              <a:t>27. e-mail will be unverified</a:t>
-            </a:r>
-            <a:endParaRPr b="0" lang="en-IN" sz="1500" spc="-1" strike="noStrike">
-              <a:latin typeface="Arial"/>
-            </a:endParaRPr>
-          </a:p>
-          <a:p>
-            <a:r>
-              <a:rPr b="0" lang="en-IN" sz="1500" spc="-1" strike="noStrike">
-                <a:latin typeface="Arial"/>
-              </a:rPr>
-              <a:t>28. Check email for verification link. Click on it</a:t>
-            </a:r>
-            <a:endParaRPr b="0" lang="en-IN" sz="1500" spc="-1" strike="noStrike">
-              <a:latin typeface="Arial"/>
-            </a:endParaRPr>
-          </a:p>
-          <a:p>
-            <a:r>
-              <a:rPr b="0" lang="en-IN" sz="1500" spc="-1" strike="noStrike">
-                <a:latin typeface="Arial"/>
-              </a:rPr>
-              <a:t>29. It should open a new page to confirm that email is verified</a:t>
-            </a:r>
-            <a:endParaRPr b="0" lang="en-IN" sz="1500" spc="-1" strike="noStrike">
-              <a:latin typeface="Arial"/>
-            </a:endParaRPr>
-          </a:p>
-          <a:p>
-            <a:r>
-              <a:rPr b="0" lang="en-IN" sz="1500" spc="-1" strike="noStrike">
-                <a:latin typeface="Arial"/>
-              </a:rPr>
-              <a:t>30. Go back to SES console to check if email is verified</a:t>
-            </a:r>
-            <a:endParaRPr b="0" lang="en-IN" sz="1500" spc="-1" strike="noStrike">
-              <a:latin typeface="Arial"/>
-            </a:endParaRPr>
-          </a:p>
-        </p:txBody>
-      </p:sp>
-      <p:sp>
-        <p:nvSpPr>
-          <p:cNvPr id="95" name=""/>
+          <p:cNvPr id="129" name=""/>
           <p:cNvSpPr/>
           <p:nvPr/>
         </p:nvSpPr>
         <p:spPr>
           <a:xfrm>
-            <a:off x="4896000" y="432000"/>
-            <a:ext cx="720000" cy="540000"/>
-          </a:xfrm>
-          <a:prstGeom prst="wedgeEllipseCallout">
-            <a:avLst>
-              <a:gd name="adj1" fmla="val 53444"/>
-              <a:gd name="adj2" fmla="val 54393"/>
-            </a:avLst>
+            <a:off x="7416000" y="3600000"/>
+            <a:ext cx="2627280" cy="1999440"/>
+          </a:xfrm>
+          <a:prstGeom prst="rect">
+            <a:avLst/>
           </a:prstGeom>
           <a:solidFill>
             <a:srgbClr val="111111"/>
@@ -4801,33 +6777,113 @@
           <a:fontRef idx="minor"/>
         </p:style>
         <p:txBody>
-          <a:bodyPr lIns="90000" rIns="90000" tIns="45000" bIns="45000" anchor="ctr">
+          <a:bodyPr lIns="90000" rIns="90000" tIns="45000" bIns="45000" anchor="t">
             <a:noAutofit/>
           </a:bodyPr>
           <a:p>
-            <a:pPr algn="ctr"/>
-            <a:r>
-              <a:rPr b="0" lang="en-IN" sz="1800" spc="-1" strike="noStrike">
-                <a:latin typeface="Arial"/>
-              </a:rPr>
-              <a:t>27</a:t>
-            </a:r>
-            <a:endParaRPr b="0" lang="en-IN" sz="1800" spc="-1" strike="noStrike">
-              <a:latin typeface="Arial"/>
-            </a:endParaRPr>
-          </a:p>
-        </p:txBody>
-      </p:sp>
-      <p:sp>
-        <p:nvSpPr>
-          <p:cNvPr id="96" name=""/>
+            <a:pPr>
+              <a:lnSpc>
+                <a:spcPct val="100000"/>
+              </a:lnSpc>
+            </a:pPr>
+            <a:r>
+              <a:rPr b="0" lang="en-IN" sz="1500" spc="-1" strike="noStrike">
+                <a:solidFill>
+                  <a:srgbClr val="ffffff"/>
+                </a:solidFill>
+                <a:latin typeface="Arial"/>
+                <a:ea typeface="DejaVu Sans"/>
+              </a:rPr>
+              <a:t>27. e-mail will be unverified</a:t>
+            </a:r>
+            <a:endParaRPr b="0" lang="en-IN" sz="1500" spc="-1" strike="noStrike">
+              <a:solidFill>
+                <a:srgbClr val="ffffff"/>
+              </a:solidFill>
+              <a:latin typeface="Arial"/>
+            </a:endParaRPr>
+          </a:p>
+          <a:p>
+            <a:pPr>
+              <a:lnSpc>
+                <a:spcPct val="100000"/>
+              </a:lnSpc>
+            </a:pPr>
+            <a:r>
+              <a:rPr b="0" lang="en-IN" sz="1500" spc="-1" strike="noStrike">
+                <a:solidFill>
+                  <a:srgbClr val="ffffff"/>
+                </a:solidFill>
+                <a:latin typeface="Arial"/>
+                <a:ea typeface="DejaVu Sans"/>
+              </a:rPr>
+              <a:t>28. Check email for verification link. Click on it</a:t>
+            </a:r>
+            <a:endParaRPr b="0" lang="en-IN" sz="1500" spc="-1" strike="noStrike">
+              <a:solidFill>
+                <a:srgbClr val="ffffff"/>
+              </a:solidFill>
+              <a:latin typeface="Arial"/>
+            </a:endParaRPr>
+          </a:p>
+          <a:p>
+            <a:pPr>
+              <a:lnSpc>
+                <a:spcPct val="100000"/>
+              </a:lnSpc>
+            </a:pPr>
+            <a:r>
+              <a:rPr b="0" lang="en-IN" sz="1500" spc="-1" strike="noStrike">
+                <a:solidFill>
+                  <a:srgbClr val="ffffff"/>
+                </a:solidFill>
+                <a:latin typeface="Arial"/>
+                <a:ea typeface="DejaVu Sans"/>
+              </a:rPr>
+              <a:t>29. It should open a new page to confirm that email is verified</a:t>
+            </a:r>
+            <a:endParaRPr b="0" lang="en-IN" sz="1500" spc="-1" strike="noStrike">
+              <a:solidFill>
+                <a:srgbClr val="ffffff"/>
+              </a:solidFill>
+              <a:latin typeface="Arial"/>
+            </a:endParaRPr>
+          </a:p>
+          <a:p>
+            <a:pPr>
+              <a:lnSpc>
+                <a:spcPct val="100000"/>
+              </a:lnSpc>
+            </a:pPr>
+            <a:r>
+              <a:rPr b="0" lang="en-IN" sz="1500" spc="-1" strike="noStrike">
+                <a:solidFill>
+                  <a:srgbClr val="ffffff"/>
+                </a:solidFill>
+                <a:latin typeface="Arial"/>
+                <a:ea typeface="DejaVu Sans"/>
+              </a:rPr>
+              <a:t>30. Go back to SES console to check if email is verified</a:t>
+            </a:r>
+            <a:endParaRPr b="0" lang="en-IN" sz="1500" spc="-1" strike="noStrike">
+              <a:solidFill>
+                <a:srgbClr val="ffffff"/>
+              </a:solidFill>
+              <a:latin typeface="Arial"/>
+            </a:endParaRPr>
+          </a:p>
+        </p:txBody>
+      </p:sp>
+      <p:sp>
+        <p:nvSpPr>
+          <p:cNvPr id="130" name=""/>
           <p:cNvSpPr/>
           <p:nvPr/>
         </p:nvSpPr>
         <p:spPr>
           <a:xfrm>
-            <a:off x="4320000" y="1800000"/>
-            <a:ext cx="720000" cy="540000"/>
+            <a:off x="4896000" y="432000"/>
+            <a:ext cx="719280" cy="539280"/>
           </a:xfrm>
           <a:prstGeom prst="wedgeEllipseCallout">
             <a:avLst>
@@ -4855,12 +6911,20 @@
             <a:noAutofit/>
           </a:bodyPr>
           <a:p>
-            <a:pPr algn="ctr"/>
+            <a:pPr algn="ctr">
+              <a:lnSpc>
+                <a:spcPct val="100000"/>
+              </a:lnSpc>
+            </a:pPr>
             <a:r>
               <a:rPr b="0" lang="en-IN" sz="1800" spc="-1" strike="noStrike">
-                <a:latin typeface="Arial"/>
-              </a:rPr>
-              <a:t>28</a:t>
+                <a:solidFill>
+                  <a:srgbClr val="ffffff"/>
+                </a:solidFill>
+                <a:latin typeface="Arial"/>
+                <a:ea typeface="DejaVu Sans"/>
+              </a:rPr>
+              <a:t>27</a:t>
             </a:r>
             <a:endParaRPr b="0" lang="en-IN" sz="1800" spc="-1" strike="noStrike">
               <a:latin typeface="Arial"/>
@@ -4870,19 +6934,19 @@
       </p:sp>
       <p:sp>
         <p:nvSpPr>
-          <p:cNvPr id="97" name=""/>
+          <p:cNvPr id="131" name=""/>
           <p:cNvSpPr/>
           <p:nvPr/>
         </p:nvSpPr>
         <p:spPr>
           <a:xfrm>
-            <a:off x="4320000" y="2700000"/>
-            <a:ext cx="720000" cy="540000"/>
+            <a:off x="4320000" y="1800000"/>
+            <a:ext cx="719280" cy="539280"/>
           </a:xfrm>
           <a:prstGeom prst="wedgeEllipseCallout">
             <a:avLst>
-              <a:gd name="adj1" fmla="val -82379"/>
-              <a:gd name="adj2" fmla="val 1564"/>
+              <a:gd name="adj1" fmla="val 53444"/>
+              <a:gd name="adj2" fmla="val 54393"/>
             </a:avLst>
           </a:prstGeom>
           <a:solidFill>
@@ -4905,12 +6969,20 @@
             <a:noAutofit/>
           </a:bodyPr>
           <a:p>
-            <a:pPr algn="ctr"/>
+            <a:pPr algn="ctr">
+              <a:lnSpc>
+                <a:spcPct val="100000"/>
+              </a:lnSpc>
+            </a:pPr>
             <a:r>
               <a:rPr b="0" lang="en-IN" sz="1800" spc="-1" strike="noStrike">
-                <a:latin typeface="Arial"/>
-              </a:rPr>
-              <a:t>29</a:t>
+                <a:solidFill>
+                  <a:srgbClr val="ffffff"/>
+                </a:solidFill>
+                <a:latin typeface="Arial"/>
+                <a:ea typeface="DejaVu Sans"/>
+              </a:rPr>
+              <a:t>28</a:t>
             </a:r>
             <a:endParaRPr b="0" lang="en-IN" sz="1800" spc="-1" strike="noStrike">
               <a:latin typeface="Arial"/>
@@ -4920,19 +6992,19 @@
       </p:sp>
       <p:sp>
         <p:nvSpPr>
-          <p:cNvPr id="98" name=""/>
+          <p:cNvPr id="132" name=""/>
           <p:cNvSpPr/>
           <p:nvPr/>
         </p:nvSpPr>
         <p:spPr>
           <a:xfrm>
-            <a:off x="5040000" y="3960000"/>
-            <a:ext cx="720000" cy="540000"/>
+            <a:off x="4320000" y="2700000"/>
+            <a:ext cx="719280" cy="539280"/>
           </a:xfrm>
           <a:prstGeom prst="wedgeEllipseCallout">
             <a:avLst>
-              <a:gd name="adj1" fmla="val 53444"/>
-              <a:gd name="adj2" fmla="val 54393"/>
+              <a:gd name="adj1" fmla="val -82379"/>
+              <a:gd name="adj2" fmla="val 1564"/>
             </a:avLst>
           </a:prstGeom>
           <a:solidFill>
@@ -4955,10 +7027,76 @@
             <a:noAutofit/>
           </a:bodyPr>
           <a:p>
-            <a:pPr algn="ctr"/>
+            <a:pPr algn="ctr">
+              <a:lnSpc>
+                <a:spcPct val="100000"/>
+              </a:lnSpc>
+            </a:pPr>
             <a:r>
               <a:rPr b="0" lang="en-IN" sz="1800" spc="-1" strike="noStrike">
-                <a:latin typeface="Arial"/>
+                <a:solidFill>
+                  <a:srgbClr val="ffffff"/>
+                </a:solidFill>
+                <a:latin typeface="Arial"/>
+                <a:ea typeface="DejaVu Sans"/>
+              </a:rPr>
+              <a:t>29</a:t>
+            </a:r>
+            <a:endParaRPr b="0" lang="en-IN" sz="1800" spc="-1" strike="noStrike">
+              <a:latin typeface="Arial"/>
+            </a:endParaRPr>
+          </a:p>
+        </p:txBody>
+      </p:sp>
+      <p:sp>
+        <p:nvSpPr>
+          <p:cNvPr id="133" name=""/>
+          <p:cNvSpPr/>
+          <p:nvPr/>
+        </p:nvSpPr>
+        <p:spPr>
+          <a:xfrm>
+            <a:off x="5040000" y="3960000"/>
+            <a:ext cx="719280" cy="539280"/>
+          </a:xfrm>
+          <a:prstGeom prst="wedgeEllipseCallout">
+            <a:avLst>
+              <a:gd name="adj1" fmla="val 53444"/>
+              <a:gd name="adj2" fmla="val 54393"/>
+            </a:avLst>
+          </a:prstGeom>
+          <a:solidFill>
+            <a:srgbClr val="111111"/>
+          </a:solidFill>
+          <a:ln w="0">
+            <a:solidFill>
+              <a:srgbClr val="ff0000"/>
+            </a:solidFill>
+          </a:ln>
+        </p:spPr>
+        <p:style>
+          <a:lnRef idx="0"/>
+          <a:fillRef idx="0"/>
+          <a:effectRef idx="0"/>
+          <a:fontRef idx="minor"/>
+        </p:style>
+        <p:txBody>
+          <a:bodyPr lIns="90000" rIns="90000" tIns="45000" bIns="45000" anchor="ctr">
+            <a:noAutofit/>
+          </a:bodyPr>
+          <a:p>
+            <a:pPr algn="ctr">
+              <a:lnSpc>
+                <a:spcPct val="100000"/>
+              </a:lnSpc>
+            </a:pPr>
+            <a:r>
+              <a:rPr b="0" lang="en-IN" sz="1800" spc="-1" strike="noStrike">
+                <a:solidFill>
+                  <a:srgbClr val="ffffff"/>
+                </a:solidFill>
+                <a:latin typeface="Arial"/>
+                <a:ea typeface="DejaVu Sans"/>
               </a:rPr>
               <a:t>30</a:t>
             </a:r>
@@ -5000,7 +7138,7 @@
       </p:grpSpPr>
       <p:pic>
         <p:nvPicPr>
-          <p:cNvPr id="99" name="" descr=""/>
+          <p:cNvPr id="134" name="" descr=""/>
           <p:cNvPicPr/>
           <p:nvPr/>
         </p:nvPicPr>
@@ -5011,7 +7149,7 @@
         <p:spPr>
           <a:xfrm>
             <a:off x="360" y="0"/>
-            <a:ext cx="8099640" cy="1252800"/>
+            <a:ext cx="8098920" cy="1252080"/>
           </a:xfrm>
           <a:prstGeom prst="rect">
             <a:avLst/>
@@ -5025,7 +7163,7 @@
       </p:pic>
       <p:pic>
         <p:nvPicPr>
-          <p:cNvPr id="100" name="" descr=""/>
+          <p:cNvPr id="135" name="" descr=""/>
           <p:cNvPicPr/>
           <p:nvPr/>
         </p:nvPicPr>
@@ -5036,7 +7174,7 @@
         <p:spPr>
           <a:xfrm>
             <a:off x="360" y="1383840"/>
-            <a:ext cx="3239640" cy="4286160"/>
+            <a:ext cx="3238920" cy="4285440"/>
           </a:xfrm>
           <a:prstGeom prst="rect">
             <a:avLst/>
@@ -5050,7 +7188,7 @@
       </p:pic>
       <p:pic>
         <p:nvPicPr>
-          <p:cNvPr id="101" name="" descr=""/>
+          <p:cNvPr id="136" name="" descr=""/>
           <p:cNvPicPr/>
           <p:nvPr/>
         </p:nvPicPr>
@@ -5061,7 +7199,7 @@
         <p:spPr>
           <a:xfrm>
             <a:off x="3365640" y="1398240"/>
-            <a:ext cx="3114360" cy="437760"/>
+            <a:ext cx="3113640" cy="437040"/>
           </a:xfrm>
           <a:prstGeom prst="rect">
             <a:avLst/>
@@ -5073,6 +7211,770 @@
           </a:ln>
         </p:spPr>
       </p:pic>
+      <p:sp>
+        <p:nvSpPr>
+          <p:cNvPr id="137" name=""/>
+          <p:cNvSpPr/>
+          <p:nvPr/>
+        </p:nvSpPr>
+        <p:spPr>
+          <a:xfrm>
+            <a:off x="6300000" y="180000"/>
+            <a:ext cx="539280" cy="359640"/>
+          </a:xfrm>
+          <a:prstGeom prst="wedgeEllipseCallout">
+            <a:avLst>
+              <a:gd name="adj1" fmla="val 53444"/>
+              <a:gd name="adj2" fmla="val 54393"/>
+            </a:avLst>
+          </a:prstGeom>
+          <a:solidFill>
+            <a:srgbClr val="111111"/>
+          </a:solidFill>
+          <a:ln w="0">
+            <a:solidFill>
+              <a:srgbClr val="ff0000"/>
+            </a:solidFill>
+          </a:ln>
+        </p:spPr>
+        <p:style>
+          <a:lnRef idx="0"/>
+          <a:fillRef idx="0"/>
+          <a:effectRef idx="0"/>
+          <a:fontRef idx="minor"/>
+        </p:style>
+        <p:txBody>
+          <a:bodyPr lIns="90000" rIns="90000" tIns="45000" bIns="45000" anchor="ctr">
+            <a:noAutofit/>
+          </a:bodyPr>
+          <a:p>
+            <a:pPr algn="ctr">
+              <a:lnSpc>
+                <a:spcPct val="100000"/>
+              </a:lnSpc>
+            </a:pPr>
+            <a:r>
+              <a:rPr b="0" lang="en-IN" sz="1200" spc="-1" strike="noStrike">
+                <a:solidFill>
+                  <a:srgbClr val="ffffff"/>
+                </a:solidFill>
+                <a:latin typeface="Arial"/>
+                <a:ea typeface="DejaVu Sans"/>
+              </a:rPr>
+              <a:t>32</a:t>
+            </a:r>
+            <a:endParaRPr b="0" lang="en-IN" sz="1200" spc="-1" strike="noStrike">
+              <a:latin typeface="Arial"/>
+            </a:endParaRPr>
+          </a:p>
+        </p:txBody>
+      </p:sp>
+      <p:sp>
+        <p:nvSpPr>
+          <p:cNvPr id="138" name=""/>
+          <p:cNvSpPr/>
+          <p:nvPr/>
+        </p:nvSpPr>
+        <p:spPr>
+          <a:xfrm>
+            <a:off x="720360" y="720000"/>
+            <a:ext cx="539280" cy="359640"/>
+          </a:xfrm>
+          <a:prstGeom prst="wedgeEllipseCallout">
+            <a:avLst>
+              <a:gd name="adj1" fmla="val 53444"/>
+              <a:gd name="adj2" fmla="val 54393"/>
+            </a:avLst>
+          </a:prstGeom>
+          <a:solidFill>
+            <a:srgbClr val="111111"/>
+          </a:solidFill>
+          <a:ln w="0">
+            <a:solidFill>
+              <a:srgbClr val="ff0000"/>
+            </a:solidFill>
+          </a:ln>
+        </p:spPr>
+        <p:style>
+          <a:lnRef idx="0"/>
+          <a:fillRef idx="0"/>
+          <a:effectRef idx="0"/>
+          <a:fontRef idx="minor"/>
+        </p:style>
+        <p:txBody>
+          <a:bodyPr lIns="90000" rIns="90000" tIns="45000" bIns="45000" anchor="ctr">
+            <a:noAutofit/>
+          </a:bodyPr>
+          <a:p>
+            <a:pPr algn="ctr">
+              <a:lnSpc>
+                <a:spcPct val="100000"/>
+              </a:lnSpc>
+            </a:pPr>
+            <a:r>
+              <a:rPr b="0" lang="en-IN" sz="1200" spc="-1" strike="noStrike">
+                <a:solidFill>
+                  <a:srgbClr val="ffffff"/>
+                </a:solidFill>
+                <a:latin typeface="Arial"/>
+                <a:ea typeface="DejaVu Sans"/>
+              </a:rPr>
+              <a:t>31</a:t>
+            </a:r>
+            <a:endParaRPr b="0" lang="en-IN" sz="1200" spc="-1" strike="noStrike">
+              <a:latin typeface="Arial"/>
+            </a:endParaRPr>
+          </a:p>
+        </p:txBody>
+      </p:sp>
+      <p:sp>
+        <p:nvSpPr>
+          <p:cNvPr id="139" name=""/>
+          <p:cNvSpPr/>
+          <p:nvPr/>
+        </p:nvSpPr>
+        <p:spPr>
+          <a:xfrm>
+            <a:off x="1800360" y="1872000"/>
+            <a:ext cx="539280" cy="359640"/>
+          </a:xfrm>
+          <a:prstGeom prst="wedgeEllipseCallout">
+            <a:avLst>
+              <a:gd name="adj1" fmla="val -666"/>
+              <a:gd name="adj2" fmla="val 82367"/>
+            </a:avLst>
+          </a:prstGeom>
+          <a:solidFill>
+            <a:srgbClr val="111111"/>
+          </a:solidFill>
+          <a:ln w="0">
+            <a:solidFill>
+              <a:srgbClr val="ff0000"/>
+            </a:solidFill>
+          </a:ln>
+        </p:spPr>
+        <p:style>
+          <a:lnRef idx="0"/>
+          <a:fillRef idx="0"/>
+          <a:effectRef idx="0"/>
+          <a:fontRef idx="minor"/>
+        </p:style>
+        <p:txBody>
+          <a:bodyPr lIns="90000" rIns="90000" tIns="45000" bIns="45000" anchor="ctr">
+            <a:noAutofit/>
+          </a:bodyPr>
+          <a:p>
+            <a:pPr algn="ctr">
+              <a:lnSpc>
+                <a:spcPct val="100000"/>
+              </a:lnSpc>
+            </a:pPr>
+            <a:r>
+              <a:rPr b="0" lang="en-IN" sz="1200" spc="-1" strike="noStrike">
+                <a:solidFill>
+                  <a:srgbClr val="ffffff"/>
+                </a:solidFill>
+                <a:latin typeface="Arial"/>
+                <a:ea typeface="DejaVu Sans"/>
+              </a:rPr>
+              <a:t>33</a:t>
+            </a:r>
+            <a:endParaRPr b="0" lang="en-IN" sz="1200" spc="-1" strike="noStrike">
+              <a:latin typeface="Arial"/>
+            </a:endParaRPr>
+          </a:p>
+        </p:txBody>
+      </p:sp>
+      <p:sp>
+        <p:nvSpPr>
+          <p:cNvPr id="140" name=""/>
+          <p:cNvSpPr/>
+          <p:nvPr/>
+        </p:nvSpPr>
+        <p:spPr>
+          <a:xfrm>
+            <a:off x="1080360" y="2772000"/>
+            <a:ext cx="539280" cy="359640"/>
+          </a:xfrm>
+          <a:prstGeom prst="wedgeEllipseCallout">
+            <a:avLst>
+              <a:gd name="adj1" fmla="val -87066"/>
+              <a:gd name="adj2" fmla="val 749"/>
+            </a:avLst>
+          </a:prstGeom>
+          <a:solidFill>
+            <a:srgbClr val="111111"/>
+          </a:solidFill>
+          <a:ln w="0">
+            <a:solidFill>
+              <a:srgbClr val="ff0000"/>
+            </a:solidFill>
+          </a:ln>
+        </p:spPr>
+        <p:style>
+          <a:lnRef idx="0"/>
+          <a:fillRef idx="0"/>
+          <a:effectRef idx="0"/>
+          <a:fontRef idx="minor"/>
+        </p:style>
+        <p:txBody>
+          <a:bodyPr lIns="90000" rIns="90000" tIns="45000" bIns="45000" anchor="ctr">
+            <a:noAutofit/>
+          </a:bodyPr>
+          <a:p>
+            <a:pPr algn="ctr">
+              <a:lnSpc>
+                <a:spcPct val="100000"/>
+              </a:lnSpc>
+            </a:pPr>
+            <a:r>
+              <a:rPr b="0" lang="en-IN" sz="1200" spc="-1" strike="noStrike">
+                <a:solidFill>
+                  <a:srgbClr val="ffffff"/>
+                </a:solidFill>
+                <a:latin typeface="Arial"/>
+                <a:ea typeface="DejaVu Sans"/>
+              </a:rPr>
+              <a:t>34</a:t>
+            </a:r>
+            <a:endParaRPr b="0" lang="en-IN" sz="1200" spc="-1" strike="noStrike">
+              <a:latin typeface="Arial"/>
+            </a:endParaRPr>
+          </a:p>
+        </p:txBody>
+      </p:sp>
+      <p:sp>
+        <p:nvSpPr>
+          <p:cNvPr id="141" name=""/>
+          <p:cNvSpPr/>
+          <p:nvPr/>
+        </p:nvSpPr>
+        <p:spPr>
+          <a:xfrm>
+            <a:off x="1088280" y="3204360"/>
+            <a:ext cx="539280" cy="359640"/>
+          </a:xfrm>
+          <a:prstGeom prst="wedgeEllipseCallout">
+            <a:avLst>
+              <a:gd name="adj1" fmla="val -87066"/>
+              <a:gd name="adj2" fmla="val 749"/>
+            </a:avLst>
+          </a:prstGeom>
+          <a:solidFill>
+            <a:srgbClr val="111111"/>
+          </a:solidFill>
+          <a:ln w="0">
+            <a:solidFill>
+              <a:srgbClr val="ff0000"/>
+            </a:solidFill>
+          </a:ln>
+        </p:spPr>
+        <p:style>
+          <a:lnRef idx="0"/>
+          <a:fillRef idx="0"/>
+          <a:effectRef idx="0"/>
+          <a:fontRef idx="minor"/>
+        </p:style>
+        <p:txBody>
+          <a:bodyPr lIns="90000" rIns="90000" tIns="45000" bIns="45000" anchor="ctr">
+            <a:noAutofit/>
+          </a:bodyPr>
+          <a:p>
+            <a:pPr algn="ctr">
+              <a:lnSpc>
+                <a:spcPct val="100000"/>
+              </a:lnSpc>
+            </a:pPr>
+            <a:r>
+              <a:rPr b="0" lang="en-IN" sz="1200" spc="-1" strike="noStrike">
+                <a:solidFill>
+                  <a:srgbClr val="ffffff"/>
+                </a:solidFill>
+                <a:latin typeface="Arial"/>
+                <a:ea typeface="DejaVu Sans"/>
+              </a:rPr>
+              <a:t>35</a:t>
+            </a:r>
+            <a:endParaRPr b="0" lang="en-IN" sz="1200" spc="-1" strike="noStrike">
+              <a:latin typeface="Arial"/>
+            </a:endParaRPr>
+          </a:p>
+        </p:txBody>
+      </p:sp>
+      <p:sp>
+        <p:nvSpPr>
+          <p:cNvPr id="142" name=""/>
+          <p:cNvSpPr/>
+          <p:nvPr/>
+        </p:nvSpPr>
+        <p:spPr>
+          <a:xfrm>
+            <a:off x="1060200" y="3636720"/>
+            <a:ext cx="539280" cy="359640"/>
+          </a:xfrm>
+          <a:prstGeom prst="wedgeEllipseCallout">
+            <a:avLst>
+              <a:gd name="adj1" fmla="val -87066"/>
+              <a:gd name="adj2" fmla="val 749"/>
+            </a:avLst>
+          </a:prstGeom>
+          <a:solidFill>
+            <a:srgbClr val="111111"/>
+          </a:solidFill>
+          <a:ln w="0">
+            <a:solidFill>
+              <a:srgbClr val="ff0000"/>
+            </a:solidFill>
+          </a:ln>
+        </p:spPr>
+        <p:style>
+          <a:lnRef idx="0"/>
+          <a:fillRef idx="0"/>
+          <a:effectRef idx="0"/>
+          <a:fontRef idx="minor"/>
+        </p:style>
+        <p:txBody>
+          <a:bodyPr lIns="90000" rIns="90000" tIns="45000" bIns="45000" anchor="ctr">
+            <a:noAutofit/>
+          </a:bodyPr>
+          <a:p>
+            <a:pPr algn="ctr">
+              <a:lnSpc>
+                <a:spcPct val="100000"/>
+              </a:lnSpc>
+            </a:pPr>
+            <a:r>
+              <a:rPr b="0" lang="en-IN" sz="1200" spc="-1" strike="noStrike">
+                <a:solidFill>
+                  <a:srgbClr val="ffffff"/>
+                </a:solidFill>
+                <a:latin typeface="Arial"/>
+                <a:ea typeface="DejaVu Sans"/>
+              </a:rPr>
+              <a:t>36</a:t>
+            </a:r>
+            <a:endParaRPr b="0" lang="en-IN" sz="1200" spc="-1" strike="noStrike">
+              <a:latin typeface="Arial"/>
+            </a:endParaRPr>
+          </a:p>
+        </p:txBody>
+      </p:sp>
+      <p:sp>
+        <p:nvSpPr>
+          <p:cNvPr id="143" name=""/>
+          <p:cNvSpPr/>
+          <p:nvPr/>
+        </p:nvSpPr>
+        <p:spPr>
+          <a:xfrm>
+            <a:off x="1068120" y="4357080"/>
+            <a:ext cx="539280" cy="359640"/>
+          </a:xfrm>
+          <a:prstGeom prst="wedgeEllipseCallout">
+            <a:avLst>
+              <a:gd name="adj1" fmla="val 1933"/>
+              <a:gd name="adj2" fmla="val -85364"/>
+            </a:avLst>
+          </a:prstGeom>
+          <a:solidFill>
+            <a:srgbClr val="111111"/>
+          </a:solidFill>
+          <a:ln w="0">
+            <a:solidFill>
+              <a:srgbClr val="ff0000"/>
+            </a:solidFill>
+          </a:ln>
+        </p:spPr>
+        <p:style>
+          <a:lnRef idx="0"/>
+          <a:fillRef idx="0"/>
+          <a:effectRef idx="0"/>
+          <a:fontRef idx="minor"/>
+        </p:style>
+        <p:txBody>
+          <a:bodyPr lIns="90000" rIns="90000" tIns="45000" bIns="45000" anchor="ctr">
+            <a:noAutofit/>
+          </a:bodyPr>
+          <a:p>
+            <a:pPr algn="ctr">
+              <a:lnSpc>
+                <a:spcPct val="100000"/>
+              </a:lnSpc>
+            </a:pPr>
+            <a:r>
+              <a:rPr b="0" lang="en-IN" sz="1200" spc="-1" strike="noStrike">
+                <a:solidFill>
+                  <a:srgbClr val="ffffff"/>
+                </a:solidFill>
+                <a:latin typeface="Arial"/>
+                <a:ea typeface="DejaVu Sans"/>
+              </a:rPr>
+              <a:t>37</a:t>
+            </a:r>
+            <a:endParaRPr b="0" lang="en-IN" sz="1200" spc="-1" strike="noStrike">
+              <a:latin typeface="Arial"/>
+            </a:endParaRPr>
+          </a:p>
+        </p:txBody>
+      </p:sp>
+      <p:sp>
+        <p:nvSpPr>
+          <p:cNvPr id="144" name=""/>
+          <p:cNvSpPr/>
+          <p:nvPr/>
+        </p:nvSpPr>
+        <p:spPr>
+          <a:xfrm>
+            <a:off x="2651760" y="5049720"/>
+            <a:ext cx="539280" cy="359640"/>
+          </a:xfrm>
+          <a:prstGeom prst="wedgeEllipseCallout">
+            <a:avLst>
+              <a:gd name="adj1" fmla="val -2866"/>
+              <a:gd name="adj2" fmla="val 84065"/>
+            </a:avLst>
+          </a:prstGeom>
+          <a:solidFill>
+            <a:srgbClr val="111111"/>
+          </a:solidFill>
+          <a:ln w="0">
+            <a:solidFill>
+              <a:srgbClr val="ff0000"/>
+            </a:solidFill>
+          </a:ln>
+        </p:spPr>
+        <p:style>
+          <a:lnRef idx="0"/>
+          <a:fillRef idx="0"/>
+          <a:effectRef idx="0"/>
+          <a:fontRef idx="minor"/>
+        </p:style>
+        <p:txBody>
+          <a:bodyPr lIns="90000" rIns="90000" tIns="45000" bIns="45000" anchor="ctr">
+            <a:noAutofit/>
+          </a:bodyPr>
+          <a:p>
+            <a:pPr algn="ctr">
+              <a:lnSpc>
+                <a:spcPct val="100000"/>
+              </a:lnSpc>
+            </a:pPr>
+            <a:r>
+              <a:rPr b="0" lang="en-IN" sz="1200" spc="-1" strike="noStrike">
+                <a:solidFill>
+                  <a:srgbClr val="ffffff"/>
+                </a:solidFill>
+                <a:latin typeface="Arial"/>
+                <a:ea typeface="DejaVu Sans"/>
+              </a:rPr>
+              <a:t>38</a:t>
+            </a:r>
+            <a:endParaRPr b="0" lang="en-IN" sz="1200" spc="-1" strike="noStrike">
+              <a:latin typeface="Arial"/>
+            </a:endParaRPr>
+          </a:p>
+        </p:txBody>
+      </p:sp>
+      <p:sp>
+        <p:nvSpPr>
+          <p:cNvPr id="145" name=""/>
+          <p:cNvSpPr/>
+          <p:nvPr/>
+        </p:nvSpPr>
+        <p:spPr>
+          <a:xfrm>
+            <a:off x="4320000" y="1871640"/>
+            <a:ext cx="539280" cy="359640"/>
+          </a:xfrm>
+          <a:prstGeom prst="wedgeEllipseCallout">
+            <a:avLst>
+              <a:gd name="adj1" fmla="val -2400"/>
+              <a:gd name="adj2" fmla="val -95754"/>
+            </a:avLst>
+          </a:prstGeom>
+          <a:solidFill>
+            <a:srgbClr val="111111"/>
+          </a:solidFill>
+          <a:ln w="0">
+            <a:solidFill>
+              <a:srgbClr val="ff0000"/>
+            </a:solidFill>
+          </a:ln>
+        </p:spPr>
+        <p:style>
+          <a:lnRef idx="0"/>
+          <a:fillRef idx="0"/>
+          <a:effectRef idx="0"/>
+          <a:fontRef idx="minor"/>
+        </p:style>
+        <p:txBody>
+          <a:bodyPr lIns="90000" rIns="90000" tIns="45000" bIns="45000" anchor="ctr">
+            <a:noAutofit/>
+          </a:bodyPr>
+          <a:p>
+            <a:pPr algn="ctr">
+              <a:lnSpc>
+                <a:spcPct val="100000"/>
+              </a:lnSpc>
+            </a:pPr>
+            <a:r>
+              <a:rPr b="0" lang="en-IN" sz="1200" spc="-1" strike="noStrike">
+                <a:solidFill>
+                  <a:srgbClr val="ffffff"/>
+                </a:solidFill>
+                <a:latin typeface="Arial"/>
+                <a:ea typeface="DejaVu Sans"/>
+              </a:rPr>
+              <a:t>39</a:t>
+            </a:r>
+            <a:endParaRPr b="0" lang="en-IN" sz="1200" spc="-1" strike="noStrike">
+              <a:latin typeface="Arial"/>
+            </a:endParaRPr>
+          </a:p>
+        </p:txBody>
+      </p:sp>
+      <p:sp>
+        <p:nvSpPr>
+          <p:cNvPr id="146" name=""/>
+          <p:cNvSpPr/>
+          <p:nvPr/>
+        </p:nvSpPr>
+        <p:spPr>
+          <a:xfrm>
+            <a:off x="7416000" y="3240000"/>
+            <a:ext cx="2627280" cy="2385000"/>
+          </a:xfrm>
+          <a:prstGeom prst="rect">
+            <a:avLst/>
+          </a:prstGeom>
+          <a:solidFill>
+            <a:srgbClr val="111111"/>
+          </a:solidFill>
+          <a:ln w="0">
+            <a:solidFill>
+              <a:srgbClr val="ff0000"/>
+            </a:solidFill>
+          </a:ln>
+        </p:spPr>
+        <p:style>
+          <a:lnRef idx="0"/>
+          <a:fillRef idx="0"/>
+          <a:effectRef idx="0"/>
+          <a:fontRef idx="minor"/>
+        </p:style>
+        <p:txBody>
+          <a:bodyPr lIns="90000" rIns="90000" tIns="45000" bIns="45000" anchor="t">
+            <a:noAutofit/>
+          </a:bodyPr>
+          <a:p>
+            <a:pPr>
+              <a:lnSpc>
+                <a:spcPct val="100000"/>
+              </a:lnSpc>
+            </a:pPr>
+            <a:r>
+              <a:rPr b="0" lang="en-IN" sz="1500" spc="-1" strike="noStrike">
+                <a:solidFill>
+                  <a:srgbClr val="ffffff"/>
+                </a:solidFill>
+                <a:latin typeface="Arial"/>
+                <a:ea typeface="DejaVu Sans"/>
+              </a:rPr>
+              <a:t>31. Select the email</a:t>
+            </a:r>
+            <a:endParaRPr b="0" lang="en-IN" sz="1500" spc="-1" strike="noStrike">
+              <a:solidFill>
+                <a:srgbClr val="ffffff"/>
+              </a:solidFill>
+              <a:latin typeface="Arial"/>
+            </a:endParaRPr>
+          </a:p>
+          <a:p>
+            <a:pPr>
+              <a:lnSpc>
+                <a:spcPct val="100000"/>
+              </a:lnSpc>
+            </a:pPr>
+            <a:r>
+              <a:rPr b="0" lang="en-IN" sz="1500" spc="-1" strike="noStrike">
+                <a:solidFill>
+                  <a:srgbClr val="ffffff"/>
+                </a:solidFill>
+                <a:latin typeface="Arial"/>
+                <a:ea typeface="DejaVu Sans"/>
+              </a:rPr>
+              <a:t>32. Select send test email</a:t>
+            </a:r>
+            <a:endParaRPr b="0" lang="en-IN" sz="1500" spc="-1" strike="noStrike">
+              <a:solidFill>
+                <a:srgbClr val="ffffff"/>
+              </a:solidFill>
+              <a:latin typeface="Arial"/>
+            </a:endParaRPr>
+          </a:p>
+          <a:p>
+            <a:pPr>
+              <a:lnSpc>
+                <a:spcPct val="100000"/>
+              </a:lnSpc>
+            </a:pPr>
+            <a:r>
+              <a:rPr b="0" lang="en-IN" sz="1500" spc="-1" strike="noStrike">
+                <a:solidFill>
+                  <a:srgbClr val="ffffff"/>
+                </a:solidFill>
+                <a:latin typeface="Arial"/>
+                <a:ea typeface="DejaVu Sans"/>
+              </a:rPr>
+              <a:t>33. Select a format</a:t>
+            </a:r>
+            <a:endParaRPr b="0" lang="en-IN" sz="1500" spc="-1" strike="noStrike">
+              <a:solidFill>
+                <a:srgbClr val="ffffff"/>
+              </a:solidFill>
+              <a:latin typeface="Arial"/>
+            </a:endParaRPr>
+          </a:p>
+          <a:p>
+            <a:pPr>
+              <a:lnSpc>
+                <a:spcPct val="100000"/>
+              </a:lnSpc>
+            </a:pPr>
+            <a:r>
+              <a:rPr b="0" lang="en-IN" sz="1500" spc="-1" strike="noStrike">
+                <a:solidFill>
+                  <a:srgbClr val="ffffff"/>
+                </a:solidFill>
+                <a:latin typeface="Arial"/>
+                <a:ea typeface="DejaVu Sans"/>
+              </a:rPr>
+              <a:t>34. Select from email</a:t>
+            </a:r>
+            <a:endParaRPr b="0" lang="en-IN" sz="1500" spc="-1" strike="noStrike">
+              <a:solidFill>
+                <a:srgbClr val="ffffff"/>
+              </a:solidFill>
+              <a:latin typeface="Arial"/>
+            </a:endParaRPr>
+          </a:p>
+          <a:p>
+            <a:pPr>
+              <a:lnSpc>
+                <a:spcPct val="100000"/>
+              </a:lnSpc>
+            </a:pPr>
+            <a:r>
+              <a:rPr b="0" lang="en-IN" sz="1500" spc="-1" strike="noStrike">
+                <a:solidFill>
+                  <a:srgbClr val="ffffff"/>
+                </a:solidFill>
+                <a:latin typeface="Arial"/>
+                <a:ea typeface="DejaVu Sans"/>
+              </a:rPr>
+              <a:t>35. Select a scenario</a:t>
+            </a:r>
+            <a:endParaRPr b="0" lang="en-IN" sz="1500" spc="-1" strike="noStrike">
+              <a:solidFill>
+                <a:srgbClr val="ffffff"/>
+              </a:solidFill>
+              <a:latin typeface="Arial"/>
+            </a:endParaRPr>
+          </a:p>
+          <a:p>
+            <a:pPr>
+              <a:lnSpc>
+                <a:spcPct val="100000"/>
+              </a:lnSpc>
+            </a:pPr>
+            <a:r>
+              <a:rPr b="0" lang="en-IN" sz="1500" spc="-1" strike="noStrike">
+                <a:solidFill>
+                  <a:srgbClr val="ffffff"/>
+                </a:solidFill>
+                <a:latin typeface="Arial"/>
+                <a:ea typeface="DejaVu Sans"/>
+              </a:rPr>
+              <a:t>36. Select a recipient</a:t>
+            </a:r>
+            <a:endParaRPr b="0" lang="en-IN" sz="1500" spc="-1" strike="noStrike">
+              <a:solidFill>
+                <a:srgbClr val="ffffff"/>
+              </a:solidFill>
+              <a:latin typeface="Arial"/>
+            </a:endParaRPr>
+          </a:p>
+          <a:p>
+            <a:pPr>
+              <a:lnSpc>
+                <a:spcPct val="100000"/>
+              </a:lnSpc>
+            </a:pPr>
+            <a:r>
+              <a:rPr b="0" lang="en-IN" sz="1500" spc="-1" strike="noStrike">
+                <a:solidFill>
+                  <a:srgbClr val="ffffff"/>
+                </a:solidFill>
+                <a:latin typeface="Arial"/>
+                <a:ea typeface="DejaVu Sans"/>
+              </a:rPr>
+              <a:t>37. Type the message</a:t>
+            </a:r>
+            <a:endParaRPr b="0" lang="en-IN" sz="1500" spc="-1" strike="noStrike">
+              <a:solidFill>
+                <a:srgbClr val="ffffff"/>
+              </a:solidFill>
+              <a:latin typeface="Arial"/>
+            </a:endParaRPr>
+          </a:p>
+          <a:p>
+            <a:pPr>
+              <a:lnSpc>
+                <a:spcPct val="100000"/>
+              </a:lnSpc>
+            </a:pPr>
+            <a:r>
+              <a:rPr b="0" lang="en-IN" sz="1500" spc="-1" strike="noStrike">
+                <a:solidFill>
+                  <a:srgbClr val="ffffff"/>
+                </a:solidFill>
+                <a:latin typeface="Arial"/>
+                <a:ea typeface="DejaVu Sans"/>
+              </a:rPr>
+              <a:t>38. Send the email</a:t>
+            </a:r>
+            <a:endParaRPr b="0" lang="en-IN" sz="1500" spc="-1" strike="noStrike">
+              <a:solidFill>
+                <a:srgbClr val="ffffff"/>
+              </a:solidFill>
+              <a:latin typeface="Arial"/>
+            </a:endParaRPr>
+          </a:p>
+          <a:p>
+            <a:pPr>
+              <a:lnSpc>
+                <a:spcPct val="100000"/>
+              </a:lnSpc>
+            </a:pPr>
+            <a:r>
+              <a:rPr b="0" lang="en-IN" sz="1500" spc="-1" strike="noStrike">
+                <a:solidFill>
+                  <a:srgbClr val="ffffff"/>
+                </a:solidFill>
+                <a:latin typeface="Arial"/>
+                <a:ea typeface="DejaVu Sans"/>
+              </a:rPr>
+              <a:t>39. Verify that test email is sent successfully </a:t>
+            </a:r>
+            <a:endParaRPr b="0" lang="en-IN" sz="1500" spc="-1" strike="noStrike">
+              <a:solidFill>
+                <a:srgbClr val="ffffff"/>
+              </a:solidFill>
+              <a:latin typeface="Arial"/>
+            </a:endParaRPr>
+          </a:p>
+        </p:txBody>
+      </p:sp>
     </p:spTree>
   </p:cSld>
   <mc:AlternateContent>
@@ -5310,4 +8212,230 @@
     </a:fmtScheme>
   </a:themeElements>
 </a:theme>
+</file>
+
+<file path=ppt/theme/theme2.xml><?xml version="1.0" encoding="utf-8"?>
+<a:theme xmlns:a="http://schemas.openxmlformats.org/drawingml/2006/main" name="Office Theme">
+  <a:themeElements>
+    <a:clrScheme name="Office">
+      <a:dk1>
+        <a:sysClr val="windowText" lastClr="000000"/>
+      </a:dk1>
+      <a:lt1>
+        <a:sysClr val="window" lastClr="FFFFFF"/>
+      </a:lt1>
+      <a:dk2>
+        <a:srgbClr val="1f497d"/>
+      </a:dk2>
+      <a:lt2>
+        <a:srgbClr val="eeece1"/>
+      </a:lt2>
+      <a:accent1>
+        <a:srgbClr val="4f81bd"/>
+      </a:accent1>
+      <a:accent2>
+        <a:srgbClr val="c0504d"/>
+      </a:accent2>
+      <a:accent3>
+        <a:srgbClr val="9bbb59"/>
+      </a:accent3>
+      <a:accent4>
+        <a:srgbClr val="8064a2"/>
+      </a:accent4>
+      <a:accent5>
+        <a:srgbClr val="4bacc6"/>
+      </a:accent5>
+      <a:accent6>
+        <a:srgbClr val="f79646"/>
+      </a:accent6>
+      <a:hlink>
+        <a:srgbClr val="0000ff"/>
+      </a:hlink>
+      <a:folHlink>
+        <a:srgbClr val="800080"/>
+      </a:folHlink>
+    </a:clrScheme>
+    <a:fontScheme name="Office">
+      <a:majorFont>
+        <a:latin typeface="Arial"/>
+        <a:ea typeface="DejaVu Sans"/>
+        <a:cs typeface="DejaVu Sans"/>
+      </a:majorFont>
+      <a:minorFont>
+        <a:latin typeface="Arial"/>
+        <a:ea typeface="DejaVu Sans"/>
+        <a:cs typeface="DejaVu Sans"/>
+      </a:minorFont>
+    </a:fontScheme>
+    <a:fmtScheme name="Office">
+      <a:fillStyleLst>
+        <a:solidFill>
+          <a:schemeClr val="phClr"/>
+        </a:solidFill>
+        <a:gradFill rotWithShape="1">
+          <a:gsLst>
+            <a:gs pos="0">
+              <a:schemeClr val="phClr">
+                <a:tint val="50000"/>
+                <a:satMod val="300000"/>
+              </a:schemeClr>
+            </a:gs>
+            <a:gs pos="35000">
+              <a:schemeClr val="phClr">
+                <a:tint val="37000"/>
+                <a:satMod val="300000"/>
+              </a:schemeClr>
+            </a:gs>
+            <a:gs pos="100000">
+              <a:schemeClr val="phClr">
+                <a:tint val="15000"/>
+                <a:satMod val="350000"/>
+              </a:schemeClr>
+            </a:gs>
+          </a:gsLst>
+          <a:lin ang="16200000" scaled="1"/>
+        </a:gradFill>
+        <a:gradFill rotWithShape="1">
+          <a:gsLst>
+            <a:gs pos="0">
+              <a:schemeClr val="phClr">
+                <a:shade val="51000"/>
+                <a:satMod val="130000"/>
+              </a:schemeClr>
+            </a:gs>
+            <a:gs pos="80000">
+              <a:schemeClr val="phClr">
+                <a:shade val="93000"/>
+                <a:satMod val="130000"/>
+              </a:schemeClr>
+            </a:gs>
+            <a:gs pos="100000">
+              <a:schemeClr val="phClr">
+                <a:shade val="94000"/>
+                <a:satMod val="135000"/>
+              </a:schemeClr>
+            </a:gs>
+          </a:gsLst>
+          <a:lin ang="16200000" scaled="0"/>
+        </a:gradFill>
+      </a:fillStyleLst>
+      <a:lnStyleLst>
+        <a:ln w="9525" cap="flat" cmpd="sng" algn="ctr">
+          <a:solidFill>
+            <a:schemeClr val="phClr">
+              <a:shade val="95000"/>
+              <a:satMod val="105000"/>
+            </a:schemeClr>
+          </a:solidFill>
+          <a:prstDash val="solid"/>
+          <a:miter/>
+        </a:ln>
+        <a:ln w="25400" cap="flat" cmpd="sng" algn="ctr">
+          <a:solidFill>
+            <a:schemeClr val="phClr"/>
+          </a:solidFill>
+          <a:prstDash val="solid"/>
+          <a:miter/>
+        </a:ln>
+        <a:ln w="38100" cap="flat" cmpd="sng" algn="ctr">
+          <a:solidFill>
+            <a:schemeClr val="phClr"/>
+          </a:solidFill>
+          <a:prstDash val="solid"/>
+          <a:miter/>
+        </a:ln>
+      </a:lnStyleLst>
+      <a:effectStyleLst>
+        <a:effectStyle>
+          <a:effectLst>
+            <a:outerShdw blurRad="40000" dist="20000" dir="5400000" rotWithShape="0">
+              <a:srgbClr val="000000">
+                <a:alpha val="38000"/>
+              </a:srgbClr>
+            </a:outerShdw>
+          </a:effectLst>
+        </a:effectStyle>
+        <a:effectStyle>
+          <a:effectLst>
+            <a:outerShdw blurRad="40000" dist="23000" dir="5400000" rotWithShape="0">
+              <a:srgbClr val="000000">
+                <a:alpha val="35000"/>
+              </a:srgbClr>
+            </a:outerShdw>
+          </a:effectLst>
+        </a:effectStyle>
+        <a:effectStyle>
+          <a:effectLst>
+            <a:outerShdw blurRad="40000" dist="23000" dir="5400000" rotWithShape="0">
+              <a:srgbClr val="000000">
+                <a:alpha val="35000"/>
+              </a:srgbClr>
+            </a:outerShdw>
+          </a:effectLst>
+          <a:scene3d>
+            <a:camera prst="orthographicFront">
+              <a:rot lat="0" lon="0" rev="0"/>
+            </a:camera>
+            <a:lightRig rig="threePt" dir="t">
+              <a:rot lat="0" lon="0" rev="1200000"/>
+            </a:lightRig>
+          </a:scene3d>
+          <a:sp3d>
+            <a:bevelT w="63500" h="25400"/>
+          </a:sp3d>
+        </a:effectStyle>
+      </a:effectStyleLst>
+      <a:bgFillStyleLst>
+        <a:solidFill>
+          <a:schemeClr val="phClr"/>
+        </a:solidFill>
+        <a:gradFill rotWithShape="1">
+          <a:gsLst>
+            <a:gs pos="0">
+              <a:schemeClr val="phClr">
+                <a:tint val="40000"/>
+                <a:satMod val="350000"/>
+              </a:schemeClr>
+            </a:gs>
+            <a:gs pos="40000">
+              <a:schemeClr val="phClr">
+                <a:tint val="45000"/>
+                <a:shade val="99000"/>
+                <a:satMod val="350000"/>
+              </a:schemeClr>
+            </a:gs>
+            <a:gs pos="100000">
+              <a:schemeClr val="phClr">
+                <a:shade val="20000"/>
+                <a:satMod val="255000"/>
+              </a:schemeClr>
+            </a:gs>
+          </a:gsLst>
+          <a:path path="circle">
+            <a:fillToRect l="50000" t="-80000" r="50000" b="180000"/>
+          </a:path>
+        </a:gradFill>
+        <a:gradFill rotWithShape="1">
+          <a:gsLst>
+            <a:gs pos="0">
+              <a:schemeClr val="phClr">
+                <a:tint val="80000"/>
+                <a:satMod val="300000"/>
+              </a:schemeClr>
+            </a:gs>
+            <a:gs pos="100000">
+              <a:schemeClr val="phClr">
+                <a:shade val="30000"/>
+                <a:satMod val="200000"/>
+              </a:schemeClr>
+            </a:gs>
+          </a:gsLst>
+          <a:path path="circle">
+            <a:fillToRect l="50000" t="50000" r="50000" b="50000"/>
+          </a:path>
+        </a:gradFill>
+      </a:bgFillStyleLst>
+    </a:fmtScheme>
+  </a:themeElements>
+</a:theme>
 </file>